--- a/AHCI/AHCI_Paper_Presentation.pptx
+++ b/AHCI/AHCI_Paper_Presentation.pptx
@@ -15,7 +15,8 @@
     <p:sldId id="264" r:id="rId9"/>
     <p:sldId id="265" r:id="rId10"/>
     <p:sldId id="266" r:id="rId11"/>
-    <p:sldId id="261" r:id="rId12"/>
+    <p:sldId id="267" r:id="rId12"/>
+    <p:sldId id="261" r:id="rId13"/>
   </p:sldIdLst>
   <p:sldSz cx="12192000" cy="6858000"/>
   <p:notesSz cx="6858000" cy="9144000"/>
@@ -114,6 +115,11 @@
       </a:defRPr>
     </a:lvl9pPr>
   </p:defaultTextStyle>
+  <p:extLst>
+    <p:ext uri="{EFAFB233-063F-42B5-8137-9DF3F51BA10A}">
+      <p15:sldGuideLst xmlns:p15="http://schemas.microsoft.com/office/powerpoint/2012/main"/>
+    </p:ext>
+  </p:extLst>
 </p:presentation>
 </file>
 
@@ -1953,6 +1959,927 @@
     <dgm:txLinClrLst/>
     <dgm:txFillClrLst meth="repeat">
       <a:schemeClr val="tx1"/>
+    </dgm:txFillClrLst>
+    <dgm:txEffectClrLst/>
+  </dgm:styleLbl>
+</dgm:colorsDef>
+</file>
+
+<file path=ppt/diagrams/colors3.xml><?xml version="1.0" encoding="utf-8"?>
+<dgm:colorsDef xmlns:dgm="http://schemas.openxmlformats.org/drawingml/2006/diagram" xmlns:a="http://schemas.openxmlformats.org/drawingml/2006/main" uniqueId="urn:microsoft.com/office/officeart/2018/5/colors/Iconchunking_neutralicontext_colorful1">
+  <dgm:title val=""/>
+  <dgm:desc val=""/>
+  <dgm:catLst>
+    <dgm:cat type="colorful" pri="10100"/>
+  </dgm:catLst>
+  <dgm:styleLbl name="node0">
+    <dgm:fillClrLst meth="repeat">
+      <a:schemeClr val="accent1"/>
+    </dgm:fillClrLst>
+    <dgm:linClrLst meth="repeat">
+      <a:schemeClr val="lt1"/>
+    </dgm:linClrLst>
+    <dgm:effectClrLst/>
+    <dgm:txLinClrLst/>
+    <dgm:txFillClrLst/>
+    <dgm:txEffectClrLst/>
+  </dgm:styleLbl>
+  <dgm:styleLbl name="node1">
+    <dgm:fillClrLst meth="repeat">
+      <a:schemeClr val="bg1"/>
+    </dgm:fillClrLst>
+    <dgm:linClrLst meth="repeat">
+      <a:schemeClr val="lt1">
+        <a:alpha val="0"/>
+      </a:schemeClr>
+    </dgm:linClrLst>
+    <dgm:effectClrLst/>
+    <dgm:txLinClrLst/>
+    <dgm:txFillClrLst meth="repeat">
+      <a:schemeClr val="dk1"/>
+    </dgm:txFillClrLst>
+    <dgm:txEffectClrLst/>
+  </dgm:styleLbl>
+  <dgm:styleLbl name="alignNode1">
+    <dgm:fillClrLst meth="repeat">
+      <a:schemeClr val="accent2"/>
+      <a:schemeClr val="accent3"/>
+      <a:schemeClr val="accent4"/>
+      <a:schemeClr val="accent5"/>
+      <a:schemeClr val="accent6"/>
+    </dgm:fillClrLst>
+    <dgm:linClrLst meth="repeat">
+      <a:schemeClr val="accent2"/>
+      <a:schemeClr val="accent3"/>
+      <a:schemeClr val="accent4"/>
+      <a:schemeClr val="accent5"/>
+      <a:schemeClr val="accent6"/>
+    </dgm:linClrLst>
+    <dgm:effectClrLst/>
+    <dgm:txLinClrLst/>
+    <dgm:txFillClrLst/>
+    <dgm:txEffectClrLst/>
+  </dgm:styleLbl>
+  <dgm:styleLbl name="lnNode1">
+    <dgm:fillClrLst meth="repeat">
+      <a:schemeClr val="accent2"/>
+      <a:schemeClr val="accent3"/>
+      <a:schemeClr val="accent4"/>
+      <a:schemeClr val="accent5"/>
+      <a:schemeClr val="accent6"/>
+    </dgm:fillClrLst>
+    <dgm:linClrLst meth="repeat">
+      <a:schemeClr val="lt1"/>
+    </dgm:linClrLst>
+    <dgm:effectClrLst/>
+    <dgm:txLinClrLst/>
+    <dgm:txFillClrLst/>
+    <dgm:txEffectClrLst/>
+  </dgm:styleLbl>
+  <dgm:styleLbl name="vennNode1">
+    <dgm:fillClrLst meth="repeat">
+      <a:schemeClr val="accent2">
+        <a:alpha val="50000"/>
+      </a:schemeClr>
+      <a:schemeClr val="accent3">
+        <a:alpha val="50000"/>
+      </a:schemeClr>
+      <a:schemeClr val="accent4">
+        <a:alpha val="50000"/>
+      </a:schemeClr>
+      <a:schemeClr val="accent5">
+        <a:alpha val="50000"/>
+      </a:schemeClr>
+      <a:schemeClr val="accent6">
+        <a:alpha val="50000"/>
+      </a:schemeClr>
+    </dgm:fillClrLst>
+    <dgm:linClrLst meth="repeat">
+      <a:schemeClr val="lt1"/>
+    </dgm:linClrLst>
+    <dgm:effectClrLst/>
+    <dgm:txLinClrLst/>
+    <dgm:txFillClrLst/>
+    <dgm:txEffectClrLst/>
+  </dgm:styleLbl>
+  <dgm:styleLbl name="node2">
+    <dgm:fillClrLst>
+      <a:schemeClr val="accent2"/>
+    </dgm:fillClrLst>
+    <dgm:linClrLst meth="repeat">
+      <a:schemeClr val="lt1"/>
+    </dgm:linClrLst>
+    <dgm:effectClrLst/>
+    <dgm:txLinClrLst/>
+    <dgm:txFillClrLst/>
+    <dgm:txEffectClrLst/>
+  </dgm:styleLbl>
+  <dgm:styleLbl name="node3">
+    <dgm:fillClrLst>
+      <a:schemeClr val="accent3"/>
+    </dgm:fillClrLst>
+    <dgm:linClrLst meth="repeat">
+      <a:schemeClr val="lt1"/>
+    </dgm:linClrLst>
+    <dgm:effectClrLst/>
+    <dgm:txLinClrLst/>
+    <dgm:txFillClrLst/>
+    <dgm:txEffectClrLst/>
+  </dgm:styleLbl>
+  <dgm:styleLbl name="node4">
+    <dgm:fillClrLst>
+      <a:schemeClr val="accent4"/>
+    </dgm:fillClrLst>
+    <dgm:linClrLst meth="repeat">
+      <a:schemeClr val="lt1"/>
+    </dgm:linClrLst>
+    <dgm:effectClrLst/>
+    <dgm:txLinClrLst/>
+    <dgm:txFillClrLst/>
+    <dgm:txEffectClrLst/>
+  </dgm:styleLbl>
+  <dgm:styleLbl name="fgImgPlace1">
+    <dgm:fillClrLst meth="repeat">
+      <a:schemeClr val="accent2">
+        <a:tint val="50000"/>
+      </a:schemeClr>
+      <a:schemeClr val="accent3">
+        <a:tint val="50000"/>
+      </a:schemeClr>
+      <a:schemeClr val="accent4">
+        <a:tint val="50000"/>
+      </a:schemeClr>
+      <a:schemeClr val="accent5">
+        <a:tint val="50000"/>
+      </a:schemeClr>
+      <a:schemeClr val="accent6">
+        <a:tint val="50000"/>
+      </a:schemeClr>
+    </dgm:fillClrLst>
+    <dgm:linClrLst meth="repeat">
+      <a:schemeClr val="lt1"/>
+    </dgm:linClrLst>
+    <dgm:effectClrLst/>
+    <dgm:txLinClrLst/>
+    <dgm:txFillClrLst meth="repeat">
+      <a:schemeClr val="lt1"/>
+    </dgm:txFillClrLst>
+    <dgm:txEffectClrLst/>
+  </dgm:styleLbl>
+  <dgm:styleLbl name="alignImgPlace1">
+    <dgm:fillClrLst>
+      <a:schemeClr val="accent1">
+        <a:tint val="50000"/>
+      </a:schemeClr>
+      <a:schemeClr val="accent2">
+        <a:tint val="20000"/>
+      </a:schemeClr>
+    </dgm:fillClrLst>
+    <dgm:linClrLst meth="repeat">
+      <a:schemeClr val="lt1"/>
+    </dgm:linClrLst>
+    <dgm:effectClrLst/>
+    <dgm:txLinClrLst/>
+    <dgm:txFillClrLst meth="repeat">
+      <a:schemeClr val="lt1"/>
+    </dgm:txFillClrLst>
+    <dgm:txEffectClrLst/>
+  </dgm:styleLbl>
+  <dgm:styleLbl name="bgImgPlace1">
+    <dgm:fillClrLst>
+      <a:schemeClr val="accent1">
+        <a:tint val="50000"/>
+      </a:schemeClr>
+      <a:schemeClr val="accent2">
+        <a:tint val="20000"/>
+      </a:schemeClr>
+    </dgm:fillClrLst>
+    <dgm:linClrLst meth="repeat">
+      <a:schemeClr val="lt1"/>
+    </dgm:linClrLst>
+    <dgm:effectClrLst/>
+    <dgm:txLinClrLst/>
+    <dgm:txFillClrLst meth="repeat">
+      <a:schemeClr val="lt1"/>
+    </dgm:txFillClrLst>
+    <dgm:txEffectClrLst/>
+  </dgm:styleLbl>
+  <dgm:styleLbl name="sibTrans2D1">
+    <dgm:fillClrLst meth="repeat">
+      <a:schemeClr val="accent2"/>
+      <a:schemeClr val="accent3"/>
+      <a:schemeClr val="accent4"/>
+      <a:schemeClr val="accent5"/>
+      <a:schemeClr val="accent6"/>
+    </dgm:fillClrLst>
+    <dgm:linClrLst meth="cycle">
+      <a:schemeClr val="lt1"/>
+    </dgm:linClrLst>
+    <dgm:effectClrLst/>
+    <dgm:txLinClrLst/>
+    <dgm:txFillClrLst/>
+    <dgm:txEffectClrLst/>
+  </dgm:styleLbl>
+  <dgm:styleLbl name="fgSibTrans2D1">
+    <dgm:fillClrLst meth="repeat">
+      <a:schemeClr val="accent2"/>
+      <a:schemeClr val="accent3"/>
+      <a:schemeClr val="accent4"/>
+      <a:schemeClr val="accent5"/>
+      <a:schemeClr val="accent6"/>
+    </dgm:fillClrLst>
+    <dgm:linClrLst meth="cycle">
+      <a:schemeClr val="lt1"/>
+    </dgm:linClrLst>
+    <dgm:effectClrLst/>
+    <dgm:txLinClrLst/>
+    <dgm:txFillClrLst meth="repeat">
+      <a:schemeClr val="lt1"/>
+    </dgm:txFillClrLst>
+    <dgm:txEffectClrLst/>
+  </dgm:styleLbl>
+  <dgm:styleLbl name="bgSibTrans2D1">
+    <dgm:fillClrLst meth="repeat">
+      <a:schemeClr val="accent2"/>
+      <a:schemeClr val="accent3"/>
+      <a:schemeClr val="accent4"/>
+      <a:schemeClr val="accent5"/>
+      <a:schemeClr val="accent6"/>
+    </dgm:fillClrLst>
+    <dgm:linClrLst meth="cycle">
+      <a:schemeClr val="lt1"/>
+    </dgm:linClrLst>
+    <dgm:effectClrLst/>
+    <dgm:txLinClrLst/>
+    <dgm:txFillClrLst meth="repeat">
+      <a:schemeClr val="lt1"/>
+    </dgm:txFillClrLst>
+    <dgm:txEffectClrLst/>
+  </dgm:styleLbl>
+  <dgm:styleLbl name="sibTrans1D1">
+    <dgm:fillClrLst meth="repeat">
+      <a:schemeClr val="accent2"/>
+      <a:schemeClr val="accent3"/>
+      <a:schemeClr val="accent4"/>
+      <a:schemeClr val="accent5"/>
+      <a:schemeClr val="accent6"/>
+    </dgm:fillClrLst>
+    <dgm:linClrLst meth="repeat">
+      <a:schemeClr val="accent2"/>
+      <a:schemeClr val="accent3"/>
+      <a:schemeClr val="accent4"/>
+      <a:schemeClr val="accent5"/>
+      <a:schemeClr val="accent6"/>
+    </dgm:linClrLst>
+    <dgm:effectClrLst/>
+    <dgm:txLinClrLst/>
+    <dgm:txFillClrLst meth="repeat">
+      <a:schemeClr val="tx1"/>
+    </dgm:txFillClrLst>
+    <dgm:txEffectClrLst/>
+  </dgm:styleLbl>
+  <dgm:styleLbl name="callout">
+    <dgm:fillClrLst meth="repeat">
+      <a:schemeClr val="accent2"/>
+    </dgm:fillClrLst>
+    <dgm:linClrLst meth="repeat">
+      <a:schemeClr val="accent2">
+        <a:tint val="50000"/>
+      </a:schemeClr>
+    </dgm:linClrLst>
+    <dgm:effectClrLst/>
+    <dgm:txLinClrLst/>
+    <dgm:txFillClrLst meth="repeat">
+      <a:schemeClr val="tx1"/>
+    </dgm:txFillClrLst>
+    <dgm:txEffectClrLst/>
+  </dgm:styleLbl>
+  <dgm:styleLbl name="asst0">
+    <dgm:fillClrLst meth="repeat">
+      <a:schemeClr val="accent1"/>
+    </dgm:fillClrLst>
+    <dgm:linClrLst meth="repeat">
+      <a:schemeClr val="lt1"/>
+    </dgm:linClrLst>
+    <dgm:effectClrLst/>
+    <dgm:txLinClrLst/>
+    <dgm:txFillClrLst/>
+    <dgm:txEffectClrLst/>
+  </dgm:styleLbl>
+  <dgm:styleLbl name="asst1">
+    <dgm:fillClrLst meth="repeat">
+      <a:schemeClr val="accent2"/>
+    </dgm:fillClrLst>
+    <dgm:linClrLst meth="repeat">
+      <a:schemeClr val="lt1"/>
+    </dgm:linClrLst>
+    <dgm:effectClrLst/>
+    <dgm:txLinClrLst/>
+    <dgm:txFillClrLst/>
+    <dgm:txEffectClrLst/>
+  </dgm:styleLbl>
+  <dgm:styleLbl name="asst2">
+    <dgm:fillClrLst>
+      <a:schemeClr val="accent3"/>
+    </dgm:fillClrLst>
+    <dgm:linClrLst meth="repeat">
+      <a:schemeClr val="lt1"/>
+    </dgm:linClrLst>
+    <dgm:effectClrLst/>
+    <dgm:txLinClrLst/>
+    <dgm:txFillClrLst/>
+    <dgm:txEffectClrLst/>
+  </dgm:styleLbl>
+  <dgm:styleLbl name="asst3">
+    <dgm:fillClrLst>
+      <a:schemeClr val="accent4"/>
+    </dgm:fillClrLst>
+    <dgm:linClrLst meth="repeat">
+      <a:schemeClr val="lt1"/>
+    </dgm:linClrLst>
+    <dgm:effectClrLst/>
+    <dgm:txLinClrLst/>
+    <dgm:txFillClrLst/>
+    <dgm:txEffectClrLst/>
+  </dgm:styleLbl>
+  <dgm:styleLbl name="asst4">
+    <dgm:fillClrLst>
+      <a:schemeClr val="accent5"/>
+    </dgm:fillClrLst>
+    <dgm:linClrLst meth="repeat">
+      <a:schemeClr val="lt1"/>
+    </dgm:linClrLst>
+    <dgm:effectClrLst/>
+    <dgm:txLinClrLst/>
+    <dgm:txFillClrLst/>
+    <dgm:txEffectClrLst/>
+  </dgm:styleLbl>
+  <dgm:styleLbl name="parChTrans2D1">
+    <dgm:fillClrLst meth="repeat">
+      <a:schemeClr val="accent2"/>
+    </dgm:fillClrLst>
+    <dgm:linClrLst meth="repeat">
+      <a:schemeClr val="lt1"/>
+    </dgm:linClrLst>
+    <dgm:effectClrLst/>
+    <dgm:txLinClrLst/>
+    <dgm:txFillClrLst meth="repeat">
+      <a:schemeClr val="lt1"/>
+    </dgm:txFillClrLst>
+    <dgm:txEffectClrLst/>
+  </dgm:styleLbl>
+  <dgm:styleLbl name="parChTrans2D2">
+    <dgm:fillClrLst meth="repeat">
+      <a:schemeClr val="accent3"/>
+    </dgm:fillClrLst>
+    <dgm:linClrLst meth="repeat">
+      <a:schemeClr val="lt1"/>
+    </dgm:linClrLst>
+    <dgm:effectClrLst/>
+    <dgm:txLinClrLst/>
+    <dgm:txFillClrLst/>
+    <dgm:txEffectClrLst/>
+  </dgm:styleLbl>
+  <dgm:styleLbl name="parChTrans2D3">
+    <dgm:fillClrLst meth="repeat">
+      <a:schemeClr val="accent4"/>
+    </dgm:fillClrLst>
+    <dgm:linClrLst meth="repeat">
+      <a:schemeClr val="lt1"/>
+    </dgm:linClrLst>
+    <dgm:effectClrLst/>
+    <dgm:txLinClrLst/>
+    <dgm:txFillClrLst/>
+    <dgm:txEffectClrLst/>
+  </dgm:styleLbl>
+  <dgm:styleLbl name="parChTrans2D4">
+    <dgm:fillClrLst meth="repeat">
+      <a:schemeClr val="accent5"/>
+    </dgm:fillClrLst>
+    <dgm:linClrLst meth="repeat">
+      <a:schemeClr val="lt1"/>
+    </dgm:linClrLst>
+    <dgm:effectClrLst/>
+    <dgm:txLinClrLst/>
+    <dgm:txFillClrLst meth="repeat">
+      <a:schemeClr val="lt1"/>
+    </dgm:txFillClrLst>
+    <dgm:txEffectClrLst/>
+  </dgm:styleLbl>
+  <dgm:styleLbl name="parChTrans1D1">
+    <dgm:fillClrLst meth="repeat">
+      <a:schemeClr val="accent2"/>
+    </dgm:fillClrLst>
+    <dgm:linClrLst meth="repeat">
+      <a:schemeClr val="accent1"/>
+    </dgm:linClrLst>
+    <dgm:effectClrLst/>
+    <dgm:txLinClrLst/>
+    <dgm:txFillClrLst meth="repeat">
+      <a:schemeClr val="tx1"/>
+    </dgm:txFillClrLst>
+    <dgm:txEffectClrLst/>
+  </dgm:styleLbl>
+  <dgm:styleLbl name="parChTrans1D2">
+    <dgm:fillClrLst meth="repeat">
+      <a:schemeClr val="accent3">
+        <a:tint val="90000"/>
+      </a:schemeClr>
+    </dgm:fillClrLst>
+    <dgm:linClrLst meth="repeat">
+      <a:schemeClr val="accent2"/>
+    </dgm:linClrLst>
+    <dgm:effectClrLst/>
+    <dgm:txLinClrLst/>
+    <dgm:txFillClrLst meth="repeat">
+      <a:schemeClr val="tx1"/>
+    </dgm:txFillClrLst>
+    <dgm:txEffectClrLst/>
+  </dgm:styleLbl>
+  <dgm:styleLbl name="parChTrans1D3">
+    <dgm:fillClrLst meth="repeat">
+      <a:schemeClr val="accent4">
+        <a:tint val="70000"/>
+      </a:schemeClr>
+    </dgm:fillClrLst>
+    <dgm:linClrLst meth="repeat">
+      <a:schemeClr val="accent3"/>
+    </dgm:linClrLst>
+    <dgm:effectClrLst/>
+    <dgm:txLinClrLst/>
+    <dgm:txFillClrLst meth="repeat">
+      <a:schemeClr val="tx1"/>
+    </dgm:txFillClrLst>
+    <dgm:txEffectClrLst/>
+  </dgm:styleLbl>
+  <dgm:styleLbl name="parChTrans1D4">
+    <dgm:fillClrLst meth="repeat">
+      <a:schemeClr val="accent5">
+        <a:tint val="50000"/>
+      </a:schemeClr>
+    </dgm:fillClrLst>
+    <dgm:linClrLst meth="repeat">
+      <a:schemeClr val="accent4"/>
+    </dgm:linClrLst>
+    <dgm:effectClrLst/>
+    <dgm:txLinClrLst/>
+    <dgm:txFillClrLst meth="repeat">
+      <a:schemeClr val="tx1"/>
+    </dgm:txFillClrLst>
+    <dgm:txEffectClrLst/>
+  </dgm:styleLbl>
+  <dgm:styleLbl name="fgAcc1">
+    <dgm:fillClrLst meth="repeat">
+      <a:schemeClr val="lt1">
+        <a:alpha val="90000"/>
+      </a:schemeClr>
+    </dgm:fillClrLst>
+    <dgm:linClrLst meth="repeat">
+      <a:schemeClr val="accent2"/>
+      <a:schemeClr val="accent3"/>
+      <a:schemeClr val="accent4"/>
+      <a:schemeClr val="accent5"/>
+      <a:schemeClr val="accent6"/>
+    </dgm:linClrLst>
+    <dgm:effectClrLst/>
+    <dgm:txLinClrLst/>
+    <dgm:txFillClrLst meth="repeat">
+      <a:schemeClr val="dk1"/>
+    </dgm:txFillClrLst>
+    <dgm:txEffectClrLst/>
+  </dgm:styleLbl>
+  <dgm:styleLbl name="conFgAcc1">
+    <dgm:fillClrLst meth="repeat">
+      <a:schemeClr val="lt1">
+        <a:alpha val="90000"/>
+      </a:schemeClr>
+    </dgm:fillClrLst>
+    <dgm:linClrLst meth="repeat">
+      <a:schemeClr val="accent2"/>
+      <a:schemeClr val="accent3"/>
+      <a:schemeClr val="accent4"/>
+      <a:schemeClr val="accent5"/>
+      <a:schemeClr val="accent6"/>
+    </dgm:linClrLst>
+    <dgm:effectClrLst/>
+    <dgm:txLinClrLst/>
+    <dgm:txFillClrLst meth="repeat">
+      <a:schemeClr val="dk1"/>
+    </dgm:txFillClrLst>
+    <dgm:txEffectClrLst/>
+  </dgm:styleLbl>
+  <dgm:styleLbl name="alignAcc1">
+    <dgm:fillClrLst meth="repeat">
+      <a:schemeClr val="lt1">
+        <a:alpha val="90000"/>
+      </a:schemeClr>
+    </dgm:fillClrLst>
+    <dgm:linClrLst meth="repeat">
+      <a:schemeClr val="accent2"/>
+      <a:schemeClr val="accent3"/>
+      <a:schemeClr val="accent4"/>
+      <a:schemeClr val="accent5"/>
+      <a:schemeClr val="accent6"/>
+    </dgm:linClrLst>
+    <dgm:effectClrLst/>
+    <dgm:txLinClrLst/>
+    <dgm:txFillClrLst meth="repeat">
+      <a:schemeClr val="dk1"/>
+    </dgm:txFillClrLst>
+    <dgm:txEffectClrLst/>
+  </dgm:styleLbl>
+  <dgm:styleLbl name="trAlignAcc1">
+    <dgm:fillClrLst meth="repeat">
+      <a:schemeClr val="lt1">
+        <a:alpha val="40000"/>
+      </a:schemeClr>
+    </dgm:fillClrLst>
+    <dgm:linClrLst meth="repeat">
+      <a:schemeClr val="accent1"/>
+    </dgm:linClrLst>
+    <dgm:effectClrLst/>
+    <dgm:txLinClrLst/>
+    <dgm:txFillClrLst meth="repeat">
+      <a:schemeClr val="dk1"/>
+    </dgm:txFillClrLst>
+    <dgm:txEffectClrLst/>
+  </dgm:styleLbl>
+  <dgm:styleLbl name="bgAcc1">
+    <dgm:fillClrLst meth="repeat">
+      <a:schemeClr val="lt1">
+        <a:alpha val="90000"/>
+      </a:schemeClr>
+    </dgm:fillClrLst>
+    <dgm:linClrLst meth="repeat">
+      <a:schemeClr val="accent2"/>
+      <a:schemeClr val="accent3"/>
+      <a:schemeClr val="accent4"/>
+      <a:schemeClr val="accent5"/>
+      <a:schemeClr val="accent6"/>
+    </dgm:linClrLst>
+    <dgm:effectClrLst/>
+    <dgm:txLinClrLst/>
+    <dgm:txFillClrLst meth="repeat">
+      <a:schemeClr val="dk1"/>
+    </dgm:txFillClrLst>
+    <dgm:txEffectClrLst/>
+  </dgm:styleLbl>
+  <dgm:styleLbl name="solidFgAcc1">
+    <dgm:fillClrLst meth="repeat">
+      <a:schemeClr val="lt1"/>
+    </dgm:fillClrLst>
+    <dgm:linClrLst meth="repeat">
+      <a:schemeClr val="accent2"/>
+      <a:schemeClr val="accent3"/>
+      <a:schemeClr val="accent4"/>
+      <a:schemeClr val="accent5"/>
+      <a:schemeClr val="accent6"/>
+    </dgm:linClrLst>
+    <dgm:effectClrLst/>
+    <dgm:txLinClrLst/>
+    <dgm:txFillClrLst meth="repeat">
+      <a:schemeClr val="dk1"/>
+    </dgm:txFillClrLst>
+    <dgm:txEffectClrLst/>
+  </dgm:styleLbl>
+  <dgm:styleLbl name="solidAlignAcc1">
+    <dgm:fillClrLst meth="repeat">
+      <a:schemeClr val="lt1"/>
+    </dgm:fillClrLst>
+    <dgm:linClrLst meth="repeat">
+      <a:schemeClr val="accent2"/>
+      <a:schemeClr val="accent3"/>
+      <a:schemeClr val="accent4"/>
+      <a:schemeClr val="accent5"/>
+      <a:schemeClr val="accent6"/>
+    </dgm:linClrLst>
+    <dgm:effectClrLst/>
+    <dgm:txLinClrLst/>
+    <dgm:txFillClrLst meth="repeat">
+      <a:schemeClr val="dk1"/>
+    </dgm:txFillClrLst>
+    <dgm:txEffectClrLst/>
+  </dgm:styleLbl>
+  <dgm:styleLbl name="solidBgAcc1">
+    <dgm:fillClrLst meth="repeat">
+      <a:schemeClr val="lt1"/>
+    </dgm:fillClrLst>
+    <dgm:linClrLst meth="repeat">
+      <a:schemeClr val="accent2"/>
+      <a:schemeClr val="accent3"/>
+      <a:schemeClr val="accent4"/>
+      <a:schemeClr val="accent5"/>
+      <a:schemeClr val="accent6"/>
+    </dgm:linClrLst>
+    <dgm:effectClrLst/>
+    <dgm:txLinClrLst/>
+    <dgm:txFillClrLst meth="repeat">
+      <a:schemeClr val="dk1"/>
+    </dgm:txFillClrLst>
+    <dgm:txEffectClrLst/>
+  </dgm:styleLbl>
+  <dgm:styleLbl name="fgAccFollowNode1">
+    <dgm:fillClrLst meth="repeat">
+      <a:schemeClr val="accent2">
+        <a:tint val="40000"/>
+        <a:alpha val="90000"/>
+      </a:schemeClr>
+      <a:schemeClr val="accent3">
+        <a:tint val="40000"/>
+        <a:alpha val="90000"/>
+      </a:schemeClr>
+      <a:schemeClr val="accent4">
+        <a:tint val="40000"/>
+        <a:alpha val="90000"/>
+      </a:schemeClr>
+      <a:schemeClr val="accent5">
+        <a:tint val="40000"/>
+        <a:alpha val="90000"/>
+      </a:schemeClr>
+      <a:schemeClr val="accent6">
+        <a:tint val="40000"/>
+        <a:alpha val="90000"/>
+      </a:schemeClr>
+    </dgm:fillClrLst>
+    <dgm:linClrLst meth="repeat">
+      <a:schemeClr val="accent2">
+        <a:tint val="40000"/>
+        <a:alpha val="90000"/>
+      </a:schemeClr>
+      <a:schemeClr val="accent3">
+        <a:tint val="40000"/>
+        <a:alpha val="90000"/>
+      </a:schemeClr>
+      <a:schemeClr val="accent4">
+        <a:tint val="40000"/>
+        <a:alpha val="90000"/>
+      </a:schemeClr>
+      <a:schemeClr val="accent5">
+        <a:tint val="40000"/>
+        <a:alpha val="90000"/>
+      </a:schemeClr>
+      <a:schemeClr val="accent6">
+        <a:tint val="40000"/>
+        <a:alpha val="90000"/>
+      </a:schemeClr>
+    </dgm:linClrLst>
+    <dgm:effectClrLst/>
+    <dgm:txLinClrLst/>
+    <dgm:txFillClrLst meth="repeat">
+      <a:schemeClr val="dk1"/>
+    </dgm:txFillClrLst>
+    <dgm:txEffectClrLst/>
+  </dgm:styleLbl>
+  <dgm:styleLbl name="alignAccFollowNode1">
+    <dgm:fillClrLst meth="repeat">
+      <a:schemeClr val="accent2">
+        <a:tint val="40000"/>
+        <a:alpha val="90000"/>
+      </a:schemeClr>
+      <a:schemeClr val="accent3">
+        <a:tint val="40000"/>
+        <a:alpha val="90000"/>
+      </a:schemeClr>
+      <a:schemeClr val="accent4">
+        <a:tint val="40000"/>
+        <a:alpha val="90000"/>
+      </a:schemeClr>
+      <a:schemeClr val="accent5">
+        <a:tint val="40000"/>
+        <a:alpha val="90000"/>
+      </a:schemeClr>
+      <a:schemeClr val="accent6">
+        <a:tint val="40000"/>
+        <a:alpha val="90000"/>
+      </a:schemeClr>
+    </dgm:fillClrLst>
+    <dgm:linClrLst meth="repeat">
+      <a:schemeClr val="accent2">
+        <a:tint val="40000"/>
+        <a:alpha val="90000"/>
+      </a:schemeClr>
+      <a:schemeClr val="accent3">
+        <a:tint val="40000"/>
+        <a:alpha val="90000"/>
+      </a:schemeClr>
+      <a:schemeClr val="accent4">
+        <a:tint val="40000"/>
+        <a:alpha val="90000"/>
+      </a:schemeClr>
+      <a:schemeClr val="accent5">
+        <a:tint val="40000"/>
+        <a:alpha val="90000"/>
+      </a:schemeClr>
+      <a:schemeClr val="accent6">
+        <a:tint val="40000"/>
+        <a:alpha val="90000"/>
+      </a:schemeClr>
+    </dgm:linClrLst>
+    <dgm:effectClrLst/>
+    <dgm:txLinClrLst/>
+    <dgm:txFillClrLst meth="repeat">
+      <a:schemeClr val="dk1"/>
+    </dgm:txFillClrLst>
+    <dgm:txEffectClrLst/>
+  </dgm:styleLbl>
+  <dgm:styleLbl name="bgAccFollowNode1">
+    <dgm:fillClrLst meth="repeat">
+      <a:schemeClr val="accent2">
+        <a:tint val="40000"/>
+        <a:alpha val="90000"/>
+      </a:schemeClr>
+      <a:schemeClr val="accent3">
+        <a:tint val="40000"/>
+        <a:alpha val="90000"/>
+      </a:schemeClr>
+      <a:schemeClr val="accent4">
+        <a:tint val="40000"/>
+        <a:alpha val="90000"/>
+      </a:schemeClr>
+      <a:schemeClr val="accent5">
+        <a:tint val="40000"/>
+        <a:alpha val="90000"/>
+      </a:schemeClr>
+      <a:schemeClr val="accent6">
+        <a:tint val="40000"/>
+        <a:alpha val="90000"/>
+      </a:schemeClr>
+    </dgm:fillClrLst>
+    <dgm:linClrLst meth="repeat">
+      <a:schemeClr val="accent2">
+        <a:tint val="40000"/>
+        <a:alpha val="90000"/>
+      </a:schemeClr>
+      <a:schemeClr val="accent3">
+        <a:tint val="40000"/>
+        <a:alpha val="90000"/>
+      </a:schemeClr>
+      <a:schemeClr val="accent4">
+        <a:tint val="40000"/>
+        <a:alpha val="90000"/>
+      </a:schemeClr>
+      <a:schemeClr val="accent5">
+        <a:tint val="40000"/>
+        <a:alpha val="90000"/>
+      </a:schemeClr>
+      <a:schemeClr val="accent6">
+        <a:tint val="40000"/>
+        <a:alpha val="90000"/>
+      </a:schemeClr>
+    </dgm:linClrLst>
+    <dgm:effectClrLst/>
+    <dgm:txLinClrLst/>
+    <dgm:txFillClrLst meth="repeat">
+      <a:schemeClr val="dk1"/>
+    </dgm:txFillClrLst>
+    <dgm:txEffectClrLst/>
+  </dgm:styleLbl>
+  <dgm:styleLbl name="fgAcc0">
+    <dgm:fillClrLst meth="repeat">
+      <a:schemeClr val="lt1">
+        <a:alpha val="90000"/>
+      </a:schemeClr>
+    </dgm:fillClrLst>
+    <dgm:linClrLst>
+      <a:schemeClr val="accent1"/>
+    </dgm:linClrLst>
+    <dgm:effectClrLst/>
+    <dgm:txLinClrLst/>
+    <dgm:txFillClrLst meth="repeat">
+      <a:schemeClr val="dk1"/>
+    </dgm:txFillClrLst>
+    <dgm:txEffectClrLst/>
+  </dgm:styleLbl>
+  <dgm:styleLbl name="fgAcc2">
+    <dgm:fillClrLst meth="repeat">
+      <a:schemeClr val="lt1">
+        <a:alpha val="90000"/>
+      </a:schemeClr>
+    </dgm:fillClrLst>
+    <dgm:linClrLst>
+      <a:schemeClr val="accent2"/>
+    </dgm:linClrLst>
+    <dgm:effectClrLst/>
+    <dgm:txLinClrLst/>
+    <dgm:txFillClrLst meth="repeat">
+      <a:schemeClr val="dk1"/>
+    </dgm:txFillClrLst>
+    <dgm:txEffectClrLst/>
+  </dgm:styleLbl>
+  <dgm:styleLbl name="fgAcc3">
+    <dgm:fillClrLst meth="repeat">
+      <a:schemeClr val="lt1">
+        <a:alpha val="90000"/>
+      </a:schemeClr>
+    </dgm:fillClrLst>
+    <dgm:linClrLst>
+      <a:schemeClr val="accent3"/>
+    </dgm:linClrLst>
+    <dgm:effectClrLst/>
+    <dgm:txLinClrLst/>
+    <dgm:txFillClrLst meth="repeat">
+      <a:schemeClr val="dk1"/>
+    </dgm:txFillClrLst>
+    <dgm:txEffectClrLst/>
+  </dgm:styleLbl>
+  <dgm:styleLbl name="fgAcc4">
+    <dgm:fillClrLst meth="repeat">
+      <a:schemeClr val="lt1">
+        <a:alpha val="90000"/>
+      </a:schemeClr>
+    </dgm:fillClrLst>
+    <dgm:linClrLst>
+      <a:schemeClr val="accent4"/>
+    </dgm:linClrLst>
+    <dgm:effectClrLst/>
+    <dgm:txLinClrLst/>
+    <dgm:txFillClrLst meth="repeat">
+      <a:schemeClr val="dk1"/>
+    </dgm:txFillClrLst>
+    <dgm:txEffectClrLst/>
+  </dgm:styleLbl>
+  <dgm:styleLbl name="bgShp">
+    <dgm:fillClrLst meth="repeat">
+      <a:schemeClr val="accent2"/>
+      <a:schemeClr val="accent3"/>
+      <a:schemeClr val="accent4"/>
+      <a:schemeClr val="accent5"/>
+      <a:schemeClr val="accent6"/>
+    </dgm:fillClrLst>
+    <dgm:linClrLst meth="repeat">
+      <a:schemeClr val="lt1">
+        <a:alpha val="0"/>
+      </a:schemeClr>
+    </dgm:linClrLst>
+    <dgm:effectClrLst/>
+    <dgm:txLinClrLst/>
+    <dgm:txFillClrLst/>
+    <dgm:txEffectClrLst/>
+  </dgm:styleLbl>
+  <dgm:styleLbl name="dkBgShp">
+    <dgm:fillClrLst meth="repeat">
+      <a:schemeClr val="accent2">
+        <a:shade val="90000"/>
+      </a:schemeClr>
+    </dgm:fillClrLst>
+    <dgm:linClrLst meth="repeat">
+      <a:schemeClr val="dk1"/>
+    </dgm:linClrLst>
+    <dgm:effectClrLst/>
+    <dgm:txLinClrLst/>
+    <dgm:txFillClrLst meth="repeat">
+      <a:schemeClr val="lt1"/>
+    </dgm:txFillClrLst>
+    <dgm:txEffectClrLst/>
+  </dgm:styleLbl>
+  <dgm:styleLbl name="trBgShp">
+    <dgm:fillClrLst meth="repeat">
+      <a:schemeClr val="accent1">
+        <a:tint val="50000"/>
+        <a:alpha val="40000"/>
+      </a:schemeClr>
+    </dgm:fillClrLst>
+    <dgm:linClrLst meth="repeat">
+      <a:schemeClr val="accent2"/>
+    </dgm:linClrLst>
+    <dgm:effectClrLst/>
+    <dgm:txLinClrLst/>
+    <dgm:txFillClrLst meth="repeat">
+      <a:schemeClr val="lt1"/>
+    </dgm:txFillClrLst>
+    <dgm:txEffectClrLst/>
+  </dgm:styleLbl>
+  <dgm:styleLbl name="fgShp">
+    <dgm:fillClrLst meth="repeat">
+      <a:schemeClr val="accent2">
+        <a:tint val="40000"/>
+      </a:schemeClr>
+    </dgm:fillClrLst>
+    <dgm:linClrLst meth="repeat">
+      <a:schemeClr val="lt1"/>
+    </dgm:linClrLst>
+    <dgm:effectClrLst/>
+    <dgm:txLinClrLst/>
+    <dgm:txFillClrLst meth="repeat">
+      <a:schemeClr val="dk1"/>
+    </dgm:txFillClrLst>
+    <dgm:txEffectClrLst/>
+  </dgm:styleLbl>
+  <dgm:styleLbl name="revTx">
+    <dgm:fillClrLst meth="repeat">
+      <a:schemeClr val="lt1">
+        <a:alpha val="0"/>
+      </a:schemeClr>
+    </dgm:fillClrLst>
+    <dgm:linClrLst meth="repeat">
+      <a:schemeClr val="dk1">
+        <a:alpha val="0"/>
+      </a:schemeClr>
+    </dgm:linClrLst>
+    <dgm:effectClrLst/>
+    <dgm:txLinClrLst/>
+    <dgm:txFillClrLst meth="repeat">
+      <a:schemeClr val="bg1"/>
     </dgm:txFillClrLst>
     <dgm:txEffectClrLst/>
   </dgm:styleLbl>
@@ -2028,8 +2955,8 @@
             <a:defRPr cap="all"/>
           </a:pPr>
           <a:r>
-            <a:rPr lang="en-US"/>
-            <a:t>This paper was published in 2016, nearly a decade after smartphones were first introduced to the market</a:t>
+            <a:rPr lang="en-US" dirty="0"/>
+            <a:t>This paper was published in 2016, nearly a decade after the iPhone was first introduced to the market</a:t>
           </a:r>
         </a:p>
       </dgm:t>
@@ -2635,6 +3562,720 @@
 </dgm:dataModel>
 </file>
 
+<file path=ppt/diagrams/data3.xml><?xml version="1.0" encoding="utf-8"?>
+<dgm:dataModel xmlns:dgm="http://schemas.openxmlformats.org/drawingml/2006/diagram" xmlns:a="http://schemas.openxmlformats.org/drawingml/2006/main">
+  <dgm:ptLst>
+    <dgm:pt modelId="{65A9ADE6-6990-444B-A6C0-69ED434161AB}" type="doc">
+      <dgm:prSet loTypeId="urn:microsoft.com/office/officeart/2018/2/layout/IconVerticalSolidList" loCatId="icon" qsTypeId="urn:microsoft.com/office/officeart/2005/8/quickstyle/simple1" qsCatId="simple" csTypeId="urn:microsoft.com/office/officeart/2018/5/colors/Iconchunking_neutralicontext_colorful1" csCatId="colorful" phldr="1"/>
+      <dgm:spPr/>
+      <dgm:t>
+        <a:bodyPr/>
+        <a:lstStyle/>
+        <a:p>
+          <a:endParaRPr lang="en-US"/>
+        </a:p>
+      </dgm:t>
+    </dgm:pt>
+    <dgm:pt modelId="{640C1536-56B2-4E8E-93D3-3D1334D9F751}">
+      <dgm:prSet/>
+      <dgm:spPr/>
+      <dgm:t>
+        <a:bodyPr/>
+        <a:lstStyle/>
+        <a:p>
+          <a:r>
+            <a:rPr lang="en-US"/>
+            <a:t>Smartphone interruptions</a:t>
+          </a:r>
+        </a:p>
+      </dgm:t>
+    </dgm:pt>
+    <dgm:pt modelId="{484374B1-03B3-4780-AC5A-94BD5D339C2C}" type="parTrans" cxnId="{5A615200-C7F7-4AA8-87E9-BA8458546D6E}">
+      <dgm:prSet/>
+      <dgm:spPr/>
+      <dgm:t>
+        <a:bodyPr/>
+        <a:lstStyle/>
+        <a:p>
+          <a:endParaRPr lang="en-US"/>
+        </a:p>
+      </dgm:t>
+    </dgm:pt>
+    <dgm:pt modelId="{64FA61AD-B7D1-4AD6-B5B6-C90FA32F61A1}" type="sibTrans" cxnId="{5A615200-C7F7-4AA8-87E9-BA8458546D6E}">
+      <dgm:prSet/>
+      <dgm:spPr/>
+      <dgm:t>
+        <a:bodyPr/>
+        <a:lstStyle/>
+        <a:p>
+          <a:endParaRPr lang="en-US"/>
+        </a:p>
+      </dgm:t>
+    </dgm:pt>
+    <dgm:pt modelId="{4CF58115-0409-446C-AA0E-2E4B7EE585AB}">
+      <dgm:prSet/>
+      <dgm:spPr/>
+      <dgm:t>
+        <a:bodyPr/>
+        <a:lstStyle/>
+        <a:p>
+          <a:r>
+            <a:rPr lang="en-US"/>
+            <a:t>Ordinal (0-6)</a:t>
+          </a:r>
+        </a:p>
+      </dgm:t>
+    </dgm:pt>
+    <dgm:pt modelId="{5A60F3B8-C6B8-4BA3-BB10-CB8CFC46050C}" type="parTrans" cxnId="{32DF2645-2D0C-4C94-8315-52C5DFB314CB}">
+      <dgm:prSet/>
+      <dgm:spPr/>
+      <dgm:t>
+        <a:bodyPr/>
+        <a:lstStyle/>
+        <a:p>
+          <a:endParaRPr lang="en-US"/>
+        </a:p>
+      </dgm:t>
+    </dgm:pt>
+    <dgm:pt modelId="{D8C3F794-824A-4F6A-85B1-27500ABB025B}" type="sibTrans" cxnId="{32DF2645-2D0C-4C94-8315-52C5DFB314CB}">
+      <dgm:prSet/>
+      <dgm:spPr/>
+      <dgm:t>
+        <a:bodyPr/>
+        <a:lstStyle/>
+        <a:p>
+          <a:endParaRPr lang="en-US"/>
+        </a:p>
+      </dgm:t>
+    </dgm:pt>
+    <dgm:pt modelId="{F9570122-3D0C-4041-9B59-9ED4EF0005DB}">
+      <dgm:prSet/>
+      <dgm:spPr/>
+      <dgm:t>
+        <a:bodyPr/>
+        <a:lstStyle/>
+        <a:p>
+          <a:r>
+            <a:rPr lang="en-US"/>
+            <a:t>14 Different Daily Activities</a:t>
+          </a:r>
+        </a:p>
+      </dgm:t>
+    </dgm:pt>
+    <dgm:pt modelId="{7F60E6DB-1DB7-4B05-926C-C0F7E11248DC}" type="parTrans" cxnId="{A36183A8-FD74-40CB-BA49-6B7670E0B1AF}">
+      <dgm:prSet/>
+      <dgm:spPr/>
+      <dgm:t>
+        <a:bodyPr/>
+        <a:lstStyle/>
+        <a:p>
+          <a:endParaRPr lang="en-US"/>
+        </a:p>
+      </dgm:t>
+    </dgm:pt>
+    <dgm:pt modelId="{FB90A57D-0F1F-4F7F-AA54-534962684E1F}" type="sibTrans" cxnId="{A36183A8-FD74-40CB-BA49-6B7670E0B1AF}">
+      <dgm:prSet/>
+      <dgm:spPr/>
+      <dgm:t>
+        <a:bodyPr/>
+        <a:lstStyle/>
+        <a:p>
+          <a:endParaRPr lang="en-US"/>
+        </a:p>
+      </dgm:t>
+    </dgm:pt>
+    <dgm:pt modelId="{FED296E6-080F-4C1F-A577-9C775053BD5B}">
+      <dgm:prSet/>
+      <dgm:spPr/>
+      <dgm:t>
+        <a:bodyPr/>
+        <a:lstStyle/>
+        <a:p>
+          <a:r>
+            <a:rPr lang="en-US"/>
+            <a:t>Inattention and Hyperactivity</a:t>
+          </a:r>
+        </a:p>
+      </dgm:t>
+    </dgm:pt>
+    <dgm:pt modelId="{9CA8B61A-4ADA-47E6-B1DA-622D59DD071D}" type="parTrans" cxnId="{DE8BDCD2-3DC2-48AD-B499-DFC519BB1F76}">
+      <dgm:prSet/>
+      <dgm:spPr/>
+      <dgm:t>
+        <a:bodyPr/>
+        <a:lstStyle/>
+        <a:p>
+          <a:endParaRPr lang="en-US"/>
+        </a:p>
+      </dgm:t>
+    </dgm:pt>
+    <dgm:pt modelId="{9D8CA5AF-A577-4C24-8421-1D6FC84355A2}" type="sibTrans" cxnId="{DE8BDCD2-3DC2-48AD-B499-DFC519BB1F76}">
+      <dgm:prSet/>
+      <dgm:spPr/>
+      <dgm:t>
+        <a:bodyPr/>
+        <a:lstStyle/>
+        <a:p>
+          <a:endParaRPr lang="en-US"/>
+        </a:p>
+      </dgm:t>
+    </dgm:pt>
+    <dgm:pt modelId="{AA868E92-7467-4D77-8E9C-DF16F3A6CB66}">
+      <dgm:prSet/>
+      <dgm:spPr/>
+      <dgm:t>
+        <a:bodyPr/>
+        <a:lstStyle/>
+        <a:p>
+          <a:r>
+            <a:rPr lang="en-US"/>
+            <a:t>Ordinal (1-4)</a:t>
+          </a:r>
+        </a:p>
+      </dgm:t>
+    </dgm:pt>
+    <dgm:pt modelId="{73FF02C6-7B81-4C62-9A83-4555F9375A73}" type="parTrans" cxnId="{650E5818-7591-4B0E-8AA6-3E3DCF5EF094}">
+      <dgm:prSet/>
+      <dgm:spPr/>
+      <dgm:t>
+        <a:bodyPr/>
+        <a:lstStyle/>
+        <a:p>
+          <a:endParaRPr lang="en-US"/>
+        </a:p>
+      </dgm:t>
+    </dgm:pt>
+    <dgm:pt modelId="{85FBFF5B-F450-47D9-B584-C8B316E21F0F}" type="sibTrans" cxnId="{650E5818-7591-4B0E-8AA6-3E3DCF5EF094}">
+      <dgm:prSet/>
+      <dgm:spPr/>
+      <dgm:t>
+        <a:bodyPr/>
+        <a:lstStyle/>
+        <a:p>
+          <a:endParaRPr lang="en-US"/>
+        </a:p>
+      </dgm:t>
+    </dgm:pt>
+    <dgm:pt modelId="{2E5D8D6C-3094-40F7-B27D-12E3CABDBFF6}">
+      <dgm:prSet/>
+      <dgm:spPr/>
+      <dgm:t>
+        <a:bodyPr/>
+        <a:lstStyle/>
+        <a:p>
+          <a:r>
+            <a:rPr lang="en-US"/>
+            <a:t>18 Symptoms</a:t>
+          </a:r>
+        </a:p>
+      </dgm:t>
+    </dgm:pt>
+    <dgm:pt modelId="{529604CB-4B4A-4DD3-9527-5B588C2470CA}" type="parTrans" cxnId="{19C8FB91-039E-4C82-B95B-0C5157751A6A}">
+      <dgm:prSet/>
+      <dgm:spPr/>
+      <dgm:t>
+        <a:bodyPr/>
+        <a:lstStyle/>
+        <a:p>
+          <a:endParaRPr lang="en-US"/>
+        </a:p>
+      </dgm:t>
+    </dgm:pt>
+    <dgm:pt modelId="{5975251D-34AD-4315-AC00-5C4972CF13A0}" type="sibTrans" cxnId="{19C8FB91-039E-4C82-B95B-0C5157751A6A}">
+      <dgm:prSet/>
+      <dgm:spPr/>
+      <dgm:t>
+        <a:bodyPr/>
+        <a:lstStyle/>
+        <a:p>
+          <a:endParaRPr lang="en-US"/>
+        </a:p>
+      </dgm:t>
+    </dgm:pt>
+    <dgm:pt modelId="{8CA2CF7C-88F4-4BFF-8EDE-FD6130F21337}">
+      <dgm:prSet/>
+      <dgm:spPr/>
+      <dgm:t>
+        <a:bodyPr/>
+        <a:lstStyle/>
+        <a:p>
+          <a:r>
+            <a:rPr lang="en-US"/>
+            <a:t>Productivity</a:t>
+          </a:r>
+        </a:p>
+      </dgm:t>
+    </dgm:pt>
+    <dgm:pt modelId="{1855DB47-CB12-408E-AD21-B857ED955463}" type="parTrans" cxnId="{E3A12E89-A74A-4D0F-9863-20CF44CC6A0E}">
+      <dgm:prSet/>
+      <dgm:spPr/>
+      <dgm:t>
+        <a:bodyPr/>
+        <a:lstStyle/>
+        <a:p>
+          <a:endParaRPr lang="en-US"/>
+        </a:p>
+      </dgm:t>
+    </dgm:pt>
+    <dgm:pt modelId="{AD7C2D0D-D7F6-47B5-8E0B-82F9EF3D30F7}" type="sibTrans" cxnId="{E3A12E89-A74A-4D0F-9863-20CF44CC6A0E}">
+      <dgm:prSet/>
+      <dgm:spPr/>
+      <dgm:t>
+        <a:bodyPr/>
+        <a:lstStyle/>
+        <a:p>
+          <a:endParaRPr lang="en-US"/>
+        </a:p>
+      </dgm:t>
+    </dgm:pt>
+    <dgm:pt modelId="{EF186928-634B-4837-83AD-F76532C5D7A3}">
+      <dgm:prSet/>
+      <dgm:spPr/>
+      <dgm:t>
+        <a:bodyPr/>
+        <a:lstStyle/>
+        <a:p>
+          <a:r>
+            <a:rPr lang="en-US" dirty="0"/>
+            <a:t>Three question self-report based on previous research</a:t>
+          </a:r>
+        </a:p>
+      </dgm:t>
+    </dgm:pt>
+    <dgm:pt modelId="{68134F10-7D91-4590-A89E-12F739AFE7CA}" type="parTrans" cxnId="{FDCE3C50-2F26-410E-B701-1D8E3AD47C58}">
+      <dgm:prSet/>
+      <dgm:spPr/>
+      <dgm:t>
+        <a:bodyPr/>
+        <a:lstStyle/>
+        <a:p>
+          <a:endParaRPr lang="en-US"/>
+        </a:p>
+      </dgm:t>
+    </dgm:pt>
+    <dgm:pt modelId="{E3B5BAC3-7F5A-4189-B877-C0E050309F87}" type="sibTrans" cxnId="{FDCE3C50-2F26-410E-B701-1D8E3AD47C58}">
+      <dgm:prSet/>
+      <dgm:spPr/>
+      <dgm:t>
+        <a:bodyPr/>
+        <a:lstStyle/>
+        <a:p>
+          <a:endParaRPr lang="en-US"/>
+        </a:p>
+      </dgm:t>
+    </dgm:pt>
+    <dgm:pt modelId="{D8EE9197-406F-4389-BEB4-25E8894D88ED}">
+      <dgm:prSet/>
+      <dgm:spPr/>
+      <dgm:t>
+        <a:bodyPr/>
+        <a:lstStyle/>
+        <a:p>
+          <a:r>
+            <a:rPr lang="en-US"/>
+            <a:t>Psychological Well-Being</a:t>
+          </a:r>
+        </a:p>
+      </dgm:t>
+    </dgm:pt>
+    <dgm:pt modelId="{FB95C09F-456E-4922-AB1F-8FEC4A769EB8}" type="parTrans" cxnId="{8CBD4C61-6E70-45AA-B2CA-368AF9BF3434}">
+      <dgm:prSet/>
+      <dgm:spPr/>
+      <dgm:t>
+        <a:bodyPr/>
+        <a:lstStyle/>
+        <a:p>
+          <a:endParaRPr lang="en-US"/>
+        </a:p>
+      </dgm:t>
+    </dgm:pt>
+    <dgm:pt modelId="{598994A4-7E8B-4E7E-9173-740F0CC42D46}" type="sibTrans" cxnId="{8CBD4C61-6E70-45AA-B2CA-368AF9BF3434}">
+      <dgm:prSet/>
+      <dgm:spPr/>
+      <dgm:t>
+        <a:bodyPr/>
+        <a:lstStyle/>
+        <a:p>
+          <a:endParaRPr lang="en-US"/>
+        </a:p>
+      </dgm:t>
+    </dgm:pt>
+    <dgm:pt modelId="{4A7C653C-9C06-4475-8408-DF78CF330A97}">
+      <dgm:prSet/>
+      <dgm:spPr/>
+      <dgm:t>
+        <a:bodyPr/>
+        <a:lstStyle/>
+        <a:p>
+          <a:r>
+            <a:rPr lang="en-US"/>
+            <a:t>Based on Ryff’s six components of psychological well-being</a:t>
+          </a:r>
+        </a:p>
+      </dgm:t>
+    </dgm:pt>
+    <dgm:pt modelId="{C01DBC65-3EDB-4F8D-8C70-9164F5115470}" type="parTrans" cxnId="{84491330-446E-4749-A7F1-8B49D70F3320}">
+      <dgm:prSet/>
+      <dgm:spPr/>
+      <dgm:t>
+        <a:bodyPr/>
+        <a:lstStyle/>
+        <a:p>
+          <a:endParaRPr lang="en-US"/>
+        </a:p>
+      </dgm:t>
+    </dgm:pt>
+    <dgm:pt modelId="{8B486CBC-88E3-41DA-90BF-9E5E2217F843}" type="sibTrans" cxnId="{84491330-446E-4749-A7F1-8B49D70F3320}">
+      <dgm:prSet/>
+      <dgm:spPr/>
+      <dgm:t>
+        <a:bodyPr/>
+        <a:lstStyle/>
+        <a:p>
+          <a:endParaRPr lang="en-US"/>
+        </a:p>
+      </dgm:t>
+    </dgm:pt>
+    <dgm:pt modelId="{2C6602AD-B1EF-41B3-ABCC-C104C898B39A}">
+      <dgm:prSet/>
+      <dgm:spPr/>
+      <dgm:t>
+        <a:bodyPr/>
+        <a:lstStyle/>
+        <a:p>
+          <a:r>
+            <a:rPr lang="en-US"/>
+            <a:t>This measure alone is based on a ton of previous research, which could be an entire presentation in and of itself</a:t>
+          </a:r>
+        </a:p>
+      </dgm:t>
+    </dgm:pt>
+    <dgm:pt modelId="{F5428582-53AA-4485-9072-8B9C7C608B74}" type="parTrans" cxnId="{69AF6CEE-7C74-49CB-8559-43391672A973}">
+      <dgm:prSet/>
+      <dgm:spPr/>
+      <dgm:t>
+        <a:bodyPr/>
+        <a:lstStyle/>
+        <a:p>
+          <a:endParaRPr lang="en-US"/>
+        </a:p>
+      </dgm:t>
+    </dgm:pt>
+    <dgm:pt modelId="{C702581B-E5D2-4523-B1BE-144758773C9A}" type="sibTrans" cxnId="{69AF6CEE-7C74-49CB-8559-43391672A973}">
+      <dgm:prSet/>
+      <dgm:spPr/>
+      <dgm:t>
+        <a:bodyPr/>
+        <a:lstStyle/>
+        <a:p>
+          <a:endParaRPr lang="en-US"/>
+        </a:p>
+      </dgm:t>
+    </dgm:pt>
+    <dgm:pt modelId="{45B75012-50D6-4FA0-99E5-44872BC0B6C8}" type="pres">
+      <dgm:prSet presAssocID="{65A9ADE6-6990-444B-A6C0-69ED434161AB}" presName="root" presStyleCnt="0">
+        <dgm:presLayoutVars>
+          <dgm:dir/>
+          <dgm:resizeHandles val="exact"/>
+        </dgm:presLayoutVars>
+      </dgm:prSet>
+      <dgm:spPr/>
+    </dgm:pt>
+    <dgm:pt modelId="{57D11CA8-657D-40A7-89A4-E87E08D74E45}" type="pres">
+      <dgm:prSet presAssocID="{640C1536-56B2-4E8E-93D3-3D1334D9F751}" presName="compNode" presStyleCnt="0"/>
+      <dgm:spPr/>
+    </dgm:pt>
+    <dgm:pt modelId="{574C92DE-E2C4-4226-8EF0-4396A7735E5A}" type="pres">
+      <dgm:prSet presAssocID="{640C1536-56B2-4E8E-93D3-3D1334D9F751}" presName="bgRect" presStyleLbl="bgShp" presStyleIdx="0" presStyleCnt="4"/>
+      <dgm:spPr/>
+    </dgm:pt>
+    <dgm:pt modelId="{D6FEA984-16E6-42F6-8158-3B663489516F}" type="pres">
+      <dgm:prSet presAssocID="{640C1536-56B2-4E8E-93D3-3D1334D9F751}" presName="iconRect" presStyleLbl="node1" presStyleIdx="0" presStyleCnt="4"/>
+      <dgm:spPr>
+        <a:blipFill>
+          <a:blip xmlns:r="http://schemas.openxmlformats.org/officeDocument/2006/relationships" r:embed="rId1">
+            <a:extLst>
+              <a:ext uri="{28A0092B-C50C-407E-A947-70E740481C1C}">
+                <a14:useLocalDpi xmlns:a14="http://schemas.microsoft.com/office/drawing/2010/main" val="0"/>
+              </a:ext>
+              <a:ext uri="{96DAC541-7B7A-43D3-8B79-37D633B846F1}">
+                <asvg:svgBlip xmlns:asvg="http://schemas.microsoft.com/office/drawing/2016/SVG/main" r:embed="rId2"/>
+              </a:ext>
+            </a:extLst>
+          </a:blip>
+          <a:stretch>
+            <a:fillRect/>
+          </a:stretch>
+        </a:blipFill>
+        <a:ln>
+          <a:noFill/>
+        </a:ln>
+      </dgm:spPr>
+      <dgm:extLst>
+        <a:ext uri="{E40237B7-FDA0-4F09-8148-C483321AD2D9}">
+          <dgm14:cNvPr xmlns:dgm14="http://schemas.microsoft.com/office/drawing/2010/diagram" id="0" name="" descr="Smart Phone"/>
+        </a:ext>
+      </dgm:extLst>
+    </dgm:pt>
+    <dgm:pt modelId="{5A74E858-EA5D-4017-B214-CD7904176655}" type="pres">
+      <dgm:prSet presAssocID="{640C1536-56B2-4E8E-93D3-3D1334D9F751}" presName="spaceRect" presStyleCnt="0"/>
+      <dgm:spPr/>
+    </dgm:pt>
+    <dgm:pt modelId="{63F34D99-93B0-4D3E-9B5F-546998459B47}" type="pres">
+      <dgm:prSet presAssocID="{640C1536-56B2-4E8E-93D3-3D1334D9F751}" presName="parTx" presStyleLbl="revTx" presStyleIdx="0" presStyleCnt="8">
+        <dgm:presLayoutVars>
+          <dgm:chMax val="0"/>
+          <dgm:chPref val="0"/>
+        </dgm:presLayoutVars>
+      </dgm:prSet>
+      <dgm:spPr/>
+    </dgm:pt>
+    <dgm:pt modelId="{079DCCFE-1CFA-4884-899E-92B5DE07DA02}" type="pres">
+      <dgm:prSet presAssocID="{640C1536-56B2-4E8E-93D3-3D1334D9F751}" presName="desTx" presStyleLbl="revTx" presStyleIdx="1" presStyleCnt="8">
+        <dgm:presLayoutVars/>
+      </dgm:prSet>
+      <dgm:spPr/>
+    </dgm:pt>
+    <dgm:pt modelId="{D3EAB3D3-A419-437C-8799-FF8E9B02025B}" type="pres">
+      <dgm:prSet presAssocID="{64FA61AD-B7D1-4AD6-B5B6-C90FA32F61A1}" presName="sibTrans" presStyleCnt="0"/>
+      <dgm:spPr/>
+    </dgm:pt>
+    <dgm:pt modelId="{B010C4F7-4AFC-4AFD-BDC0-F27863C484A2}" type="pres">
+      <dgm:prSet presAssocID="{FED296E6-080F-4C1F-A577-9C775053BD5B}" presName="compNode" presStyleCnt="0"/>
+      <dgm:spPr/>
+    </dgm:pt>
+    <dgm:pt modelId="{5D1B5A1A-F987-47FE-8153-859B41269991}" type="pres">
+      <dgm:prSet presAssocID="{FED296E6-080F-4C1F-A577-9C775053BD5B}" presName="bgRect" presStyleLbl="bgShp" presStyleIdx="1" presStyleCnt="4"/>
+      <dgm:spPr/>
+    </dgm:pt>
+    <dgm:pt modelId="{9DCB5EA3-928B-446B-9BA3-6A95FA7A765F}" type="pres">
+      <dgm:prSet presAssocID="{FED296E6-080F-4C1F-A577-9C775053BD5B}" presName="iconRect" presStyleLbl="node1" presStyleIdx="1" presStyleCnt="4"/>
+      <dgm:spPr>
+        <a:blipFill>
+          <a:blip xmlns:r="http://schemas.openxmlformats.org/officeDocument/2006/relationships" r:embed="rId3">
+            <a:extLst>
+              <a:ext uri="{28A0092B-C50C-407E-A947-70E740481C1C}">
+                <a14:useLocalDpi xmlns:a14="http://schemas.microsoft.com/office/drawing/2010/main" val="0"/>
+              </a:ext>
+              <a:ext uri="{96DAC541-7B7A-43D3-8B79-37D633B846F1}">
+                <asvg:svgBlip xmlns:asvg="http://schemas.microsoft.com/office/drawing/2016/SVG/main" r:embed="rId4"/>
+              </a:ext>
+            </a:extLst>
+          </a:blip>
+          <a:stretch>
+            <a:fillRect/>
+          </a:stretch>
+        </a:blipFill>
+        <a:ln>
+          <a:noFill/>
+        </a:ln>
+      </dgm:spPr>
+      <dgm:extLst>
+        <a:ext uri="{E40237B7-FDA0-4F09-8148-C483321AD2D9}">
+          <dgm14:cNvPr xmlns:dgm14="http://schemas.microsoft.com/office/drawing/2010/diagram" id="0" name="" descr="Brain in head"/>
+        </a:ext>
+      </dgm:extLst>
+    </dgm:pt>
+    <dgm:pt modelId="{2AA2E81A-6C15-4824-A141-A85D9F5B8C9E}" type="pres">
+      <dgm:prSet presAssocID="{FED296E6-080F-4C1F-A577-9C775053BD5B}" presName="spaceRect" presStyleCnt="0"/>
+      <dgm:spPr/>
+    </dgm:pt>
+    <dgm:pt modelId="{303EB4F9-7F59-4FE0-A774-367554957FE4}" type="pres">
+      <dgm:prSet presAssocID="{FED296E6-080F-4C1F-A577-9C775053BD5B}" presName="parTx" presStyleLbl="revTx" presStyleIdx="2" presStyleCnt="8">
+        <dgm:presLayoutVars>
+          <dgm:chMax val="0"/>
+          <dgm:chPref val="0"/>
+        </dgm:presLayoutVars>
+      </dgm:prSet>
+      <dgm:spPr/>
+    </dgm:pt>
+    <dgm:pt modelId="{AB81BF54-F942-467D-A2AE-49388870E100}" type="pres">
+      <dgm:prSet presAssocID="{FED296E6-080F-4C1F-A577-9C775053BD5B}" presName="desTx" presStyleLbl="revTx" presStyleIdx="3" presStyleCnt="8">
+        <dgm:presLayoutVars/>
+      </dgm:prSet>
+      <dgm:spPr/>
+    </dgm:pt>
+    <dgm:pt modelId="{850B3934-CA58-4FB3-B936-0499D7EB5CE2}" type="pres">
+      <dgm:prSet presAssocID="{9D8CA5AF-A577-4C24-8421-1D6FC84355A2}" presName="sibTrans" presStyleCnt="0"/>
+      <dgm:spPr/>
+    </dgm:pt>
+    <dgm:pt modelId="{3E5AD443-4786-4475-87F3-FFE95830F3C1}" type="pres">
+      <dgm:prSet presAssocID="{8CA2CF7C-88F4-4BFF-8EDE-FD6130F21337}" presName="compNode" presStyleCnt="0"/>
+      <dgm:spPr/>
+    </dgm:pt>
+    <dgm:pt modelId="{51FCC470-FFF1-44A7-BF70-23CEA5767539}" type="pres">
+      <dgm:prSet presAssocID="{8CA2CF7C-88F4-4BFF-8EDE-FD6130F21337}" presName="bgRect" presStyleLbl="bgShp" presStyleIdx="2" presStyleCnt="4"/>
+      <dgm:spPr/>
+    </dgm:pt>
+    <dgm:pt modelId="{CF302248-A4F2-49A5-B936-22BD3589AF82}" type="pres">
+      <dgm:prSet presAssocID="{8CA2CF7C-88F4-4BFF-8EDE-FD6130F21337}" presName="iconRect" presStyleLbl="node1" presStyleIdx="2" presStyleCnt="4"/>
+      <dgm:spPr>
+        <a:blipFill>
+          <a:blip xmlns:r="http://schemas.openxmlformats.org/officeDocument/2006/relationships" r:embed="rId5">
+            <a:extLst>
+              <a:ext uri="{28A0092B-C50C-407E-A947-70E740481C1C}">
+                <a14:useLocalDpi xmlns:a14="http://schemas.microsoft.com/office/drawing/2010/main" val="0"/>
+              </a:ext>
+              <a:ext uri="{96DAC541-7B7A-43D3-8B79-37D633B846F1}">
+                <asvg:svgBlip xmlns:asvg="http://schemas.microsoft.com/office/drawing/2016/SVG/main" r:embed="rId6"/>
+              </a:ext>
+            </a:extLst>
+          </a:blip>
+          <a:stretch>
+            <a:fillRect/>
+          </a:stretch>
+        </a:blipFill>
+        <a:ln>
+          <a:noFill/>
+        </a:ln>
+      </dgm:spPr>
+      <dgm:extLst>
+        <a:ext uri="{E40237B7-FDA0-4F09-8148-C483321AD2D9}">
+          <dgm14:cNvPr xmlns:dgm14="http://schemas.microsoft.com/office/drawing/2010/diagram" id="0" name="" descr="Help"/>
+        </a:ext>
+      </dgm:extLst>
+    </dgm:pt>
+    <dgm:pt modelId="{B4F55D63-8F14-4461-8869-37FCAF3F360B}" type="pres">
+      <dgm:prSet presAssocID="{8CA2CF7C-88F4-4BFF-8EDE-FD6130F21337}" presName="spaceRect" presStyleCnt="0"/>
+      <dgm:spPr/>
+    </dgm:pt>
+    <dgm:pt modelId="{D47563E8-F4D8-4A58-995A-4B4AEB35F157}" type="pres">
+      <dgm:prSet presAssocID="{8CA2CF7C-88F4-4BFF-8EDE-FD6130F21337}" presName="parTx" presStyleLbl="revTx" presStyleIdx="4" presStyleCnt="8">
+        <dgm:presLayoutVars>
+          <dgm:chMax val="0"/>
+          <dgm:chPref val="0"/>
+        </dgm:presLayoutVars>
+      </dgm:prSet>
+      <dgm:spPr/>
+    </dgm:pt>
+    <dgm:pt modelId="{79FEC6A5-4C18-4B49-A4E5-E600F10F50EB}" type="pres">
+      <dgm:prSet presAssocID="{8CA2CF7C-88F4-4BFF-8EDE-FD6130F21337}" presName="desTx" presStyleLbl="revTx" presStyleIdx="5" presStyleCnt="8">
+        <dgm:presLayoutVars/>
+      </dgm:prSet>
+      <dgm:spPr/>
+    </dgm:pt>
+    <dgm:pt modelId="{E3827DC0-EC93-4BCC-9F96-B3A4D2095C9B}" type="pres">
+      <dgm:prSet presAssocID="{AD7C2D0D-D7F6-47B5-8E0B-82F9EF3D30F7}" presName="sibTrans" presStyleCnt="0"/>
+      <dgm:spPr/>
+    </dgm:pt>
+    <dgm:pt modelId="{1F3D47BB-880F-497A-BE69-21DB80DA4801}" type="pres">
+      <dgm:prSet presAssocID="{D8EE9197-406F-4389-BEB4-25E8894D88ED}" presName="compNode" presStyleCnt="0"/>
+      <dgm:spPr/>
+    </dgm:pt>
+    <dgm:pt modelId="{9285FAD6-8F3F-4D0E-84C0-FCBA296E2E87}" type="pres">
+      <dgm:prSet presAssocID="{D8EE9197-406F-4389-BEB4-25E8894D88ED}" presName="bgRect" presStyleLbl="bgShp" presStyleIdx="3" presStyleCnt="4"/>
+      <dgm:spPr/>
+    </dgm:pt>
+    <dgm:pt modelId="{4D907914-B7D7-4741-83C7-C87F2F5F0B7C}" type="pres">
+      <dgm:prSet presAssocID="{D8EE9197-406F-4389-BEB4-25E8894D88ED}" presName="iconRect" presStyleLbl="node1" presStyleIdx="3" presStyleCnt="4"/>
+      <dgm:spPr>
+        <a:blipFill>
+          <a:blip xmlns:r="http://schemas.openxmlformats.org/officeDocument/2006/relationships" r:embed="rId7">
+            <a:extLst>
+              <a:ext uri="{28A0092B-C50C-407E-A947-70E740481C1C}">
+                <a14:useLocalDpi xmlns:a14="http://schemas.microsoft.com/office/drawing/2010/main" val="0"/>
+              </a:ext>
+              <a:ext uri="{96DAC541-7B7A-43D3-8B79-37D633B846F1}">
+                <asvg:svgBlip xmlns:asvg="http://schemas.microsoft.com/office/drawing/2016/SVG/main" r:embed="rId8"/>
+              </a:ext>
+            </a:extLst>
+          </a:blip>
+          <a:stretch>
+            <a:fillRect/>
+          </a:stretch>
+        </a:blipFill>
+        <a:ln>
+          <a:noFill/>
+        </a:ln>
+      </dgm:spPr>
+      <dgm:extLst>
+        <a:ext uri="{E40237B7-FDA0-4F09-8148-C483321AD2D9}">
+          <dgm14:cNvPr xmlns:dgm14="http://schemas.microsoft.com/office/drawing/2010/diagram" id="0" name="" descr="Head with Gears"/>
+        </a:ext>
+      </dgm:extLst>
+    </dgm:pt>
+    <dgm:pt modelId="{9C09A81A-024E-41F2-8425-42A36FF0C2DC}" type="pres">
+      <dgm:prSet presAssocID="{D8EE9197-406F-4389-BEB4-25E8894D88ED}" presName="spaceRect" presStyleCnt="0"/>
+      <dgm:spPr/>
+    </dgm:pt>
+    <dgm:pt modelId="{8BD89270-7A4E-4E6E-955B-4D58DD5BE83F}" type="pres">
+      <dgm:prSet presAssocID="{D8EE9197-406F-4389-BEB4-25E8894D88ED}" presName="parTx" presStyleLbl="revTx" presStyleIdx="6" presStyleCnt="8">
+        <dgm:presLayoutVars>
+          <dgm:chMax val="0"/>
+          <dgm:chPref val="0"/>
+        </dgm:presLayoutVars>
+      </dgm:prSet>
+      <dgm:spPr/>
+    </dgm:pt>
+    <dgm:pt modelId="{917C1FB2-5245-4CA6-8480-23FB77A576FA}" type="pres">
+      <dgm:prSet presAssocID="{D8EE9197-406F-4389-BEB4-25E8894D88ED}" presName="desTx" presStyleLbl="revTx" presStyleIdx="7" presStyleCnt="8">
+        <dgm:presLayoutVars/>
+      </dgm:prSet>
+      <dgm:spPr/>
+    </dgm:pt>
+  </dgm:ptLst>
+  <dgm:cxnLst>
+    <dgm:cxn modelId="{5A615200-C7F7-4AA8-87E9-BA8458546D6E}" srcId="{65A9ADE6-6990-444B-A6C0-69ED434161AB}" destId="{640C1536-56B2-4E8E-93D3-3D1334D9F751}" srcOrd="0" destOrd="0" parTransId="{484374B1-03B3-4780-AC5A-94BD5D339C2C}" sibTransId="{64FA61AD-B7D1-4AD6-B5B6-C90FA32F61A1}"/>
+    <dgm:cxn modelId="{8FD0D80B-9760-486B-BC53-0A3121609C44}" type="presOf" srcId="{FED296E6-080F-4C1F-A577-9C775053BD5B}" destId="{303EB4F9-7F59-4FE0-A774-367554957FE4}" srcOrd="0" destOrd="0" presId="urn:microsoft.com/office/officeart/2018/2/layout/IconVerticalSolidList"/>
+    <dgm:cxn modelId="{BB754D16-6963-4A9A-BDC1-F1B5F0A4F962}" type="presOf" srcId="{4A7C653C-9C06-4475-8408-DF78CF330A97}" destId="{917C1FB2-5245-4CA6-8480-23FB77A576FA}" srcOrd="0" destOrd="0" presId="urn:microsoft.com/office/officeart/2018/2/layout/IconVerticalSolidList"/>
+    <dgm:cxn modelId="{650E5818-7591-4B0E-8AA6-3E3DCF5EF094}" srcId="{FED296E6-080F-4C1F-A577-9C775053BD5B}" destId="{AA868E92-7467-4D77-8E9C-DF16F3A6CB66}" srcOrd="0" destOrd="0" parTransId="{73FF02C6-7B81-4C62-9A83-4555F9375A73}" sibTransId="{85FBFF5B-F450-47D9-B584-C8B316E21F0F}"/>
+    <dgm:cxn modelId="{D2A8941D-B224-4F98-8B91-FC5DC78EF7E0}" type="presOf" srcId="{EF186928-634B-4837-83AD-F76532C5D7A3}" destId="{79FEC6A5-4C18-4B49-A4E5-E600F10F50EB}" srcOrd="0" destOrd="0" presId="urn:microsoft.com/office/officeart/2018/2/layout/IconVerticalSolidList"/>
+    <dgm:cxn modelId="{84491330-446E-4749-A7F1-8B49D70F3320}" srcId="{D8EE9197-406F-4389-BEB4-25E8894D88ED}" destId="{4A7C653C-9C06-4475-8408-DF78CF330A97}" srcOrd="0" destOrd="0" parTransId="{C01DBC65-3EDB-4F8D-8C70-9164F5115470}" sibTransId="{8B486CBC-88E3-41DA-90BF-9E5E2217F843}"/>
+    <dgm:cxn modelId="{8CBD4C61-6E70-45AA-B2CA-368AF9BF3434}" srcId="{65A9ADE6-6990-444B-A6C0-69ED434161AB}" destId="{D8EE9197-406F-4389-BEB4-25E8894D88ED}" srcOrd="3" destOrd="0" parTransId="{FB95C09F-456E-4922-AB1F-8FEC4A769EB8}" sibTransId="{598994A4-7E8B-4E7E-9173-740F0CC42D46}"/>
+    <dgm:cxn modelId="{32DF2645-2D0C-4C94-8315-52C5DFB314CB}" srcId="{640C1536-56B2-4E8E-93D3-3D1334D9F751}" destId="{4CF58115-0409-446C-AA0E-2E4B7EE585AB}" srcOrd="0" destOrd="0" parTransId="{5A60F3B8-C6B8-4BA3-BB10-CB8CFC46050C}" sibTransId="{D8C3F794-824A-4F6A-85B1-27500ABB025B}"/>
+    <dgm:cxn modelId="{4A03DE6B-CDE9-487D-9E18-998F0D15C7C7}" type="presOf" srcId="{8CA2CF7C-88F4-4BFF-8EDE-FD6130F21337}" destId="{D47563E8-F4D8-4A58-995A-4B4AEB35F157}" srcOrd="0" destOrd="0" presId="urn:microsoft.com/office/officeart/2018/2/layout/IconVerticalSolidList"/>
+    <dgm:cxn modelId="{C075DE6D-C12D-44A0-9AA4-DCB08EA8C5A7}" type="presOf" srcId="{D8EE9197-406F-4389-BEB4-25E8894D88ED}" destId="{8BD89270-7A4E-4E6E-955B-4D58DD5BE83F}" srcOrd="0" destOrd="0" presId="urn:microsoft.com/office/officeart/2018/2/layout/IconVerticalSolidList"/>
+    <dgm:cxn modelId="{FDCE3C50-2F26-410E-B701-1D8E3AD47C58}" srcId="{8CA2CF7C-88F4-4BFF-8EDE-FD6130F21337}" destId="{EF186928-634B-4837-83AD-F76532C5D7A3}" srcOrd="0" destOrd="0" parTransId="{68134F10-7D91-4590-A89E-12F739AFE7CA}" sibTransId="{E3B5BAC3-7F5A-4189-B877-C0E050309F87}"/>
+    <dgm:cxn modelId="{2496BD7E-4852-440B-8873-B3A4E33BDB1B}" type="presOf" srcId="{2E5D8D6C-3094-40F7-B27D-12E3CABDBFF6}" destId="{AB81BF54-F942-467D-A2AE-49388870E100}" srcOrd="0" destOrd="1" presId="urn:microsoft.com/office/officeart/2018/2/layout/IconVerticalSolidList"/>
+    <dgm:cxn modelId="{E3A12E89-A74A-4D0F-9863-20CF44CC6A0E}" srcId="{65A9ADE6-6990-444B-A6C0-69ED434161AB}" destId="{8CA2CF7C-88F4-4BFF-8EDE-FD6130F21337}" srcOrd="2" destOrd="0" parTransId="{1855DB47-CB12-408E-AD21-B857ED955463}" sibTransId="{AD7C2D0D-D7F6-47B5-8E0B-82F9EF3D30F7}"/>
+    <dgm:cxn modelId="{19C8FB91-039E-4C82-B95B-0C5157751A6A}" srcId="{FED296E6-080F-4C1F-A577-9C775053BD5B}" destId="{2E5D8D6C-3094-40F7-B27D-12E3CABDBFF6}" srcOrd="1" destOrd="0" parTransId="{529604CB-4B4A-4DD3-9527-5B588C2470CA}" sibTransId="{5975251D-34AD-4315-AC00-5C4972CF13A0}"/>
+    <dgm:cxn modelId="{DA024B98-7E2D-421C-A3CC-3B9611F52CAA}" type="presOf" srcId="{AA868E92-7467-4D77-8E9C-DF16F3A6CB66}" destId="{AB81BF54-F942-467D-A2AE-49388870E100}" srcOrd="0" destOrd="0" presId="urn:microsoft.com/office/officeart/2018/2/layout/IconVerticalSolidList"/>
+    <dgm:cxn modelId="{A36183A8-FD74-40CB-BA49-6B7670E0B1AF}" srcId="{640C1536-56B2-4E8E-93D3-3D1334D9F751}" destId="{F9570122-3D0C-4041-9B59-9ED4EF0005DB}" srcOrd="1" destOrd="0" parTransId="{7F60E6DB-1DB7-4B05-926C-C0F7E11248DC}" sibTransId="{FB90A57D-0F1F-4F7F-AA54-534962684E1F}"/>
+    <dgm:cxn modelId="{1013C8BF-6F72-4CE4-A611-FB6573EDE2E7}" type="presOf" srcId="{65A9ADE6-6990-444B-A6C0-69ED434161AB}" destId="{45B75012-50D6-4FA0-99E5-44872BC0B6C8}" srcOrd="0" destOrd="0" presId="urn:microsoft.com/office/officeart/2018/2/layout/IconVerticalSolidList"/>
+    <dgm:cxn modelId="{9C8A50CA-0285-4053-B913-21AD475D7387}" type="presOf" srcId="{4CF58115-0409-446C-AA0E-2E4B7EE585AB}" destId="{079DCCFE-1CFA-4884-899E-92B5DE07DA02}" srcOrd="0" destOrd="0" presId="urn:microsoft.com/office/officeart/2018/2/layout/IconVerticalSolidList"/>
+    <dgm:cxn modelId="{DE8BDCD2-3DC2-48AD-B499-DFC519BB1F76}" srcId="{65A9ADE6-6990-444B-A6C0-69ED434161AB}" destId="{FED296E6-080F-4C1F-A577-9C775053BD5B}" srcOrd="1" destOrd="0" parTransId="{9CA8B61A-4ADA-47E6-B1DA-622D59DD071D}" sibTransId="{9D8CA5AF-A577-4C24-8421-1D6FC84355A2}"/>
+    <dgm:cxn modelId="{9A41D0D7-0328-484B-B472-035A400BB48E}" type="presOf" srcId="{F9570122-3D0C-4041-9B59-9ED4EF0005DB}" destId="{079DCCFE-1CFA-4884-899E-92B5DE07DA02}" srcOrd="0" destOrd="1" presId="urn:microsoft.com/office/officeart/2018/2/layout/IconVerticalSolidList"/>
+    <dgm:cxn modelId="{F57954DC-590F-4F87-A8E2-DA88F3F7D62F}" type="presOf" srcId="{2C6602AD-B1EF-41B3-ABCC-C104C898B39A}" destId="{917C1FB2-5245-4CA6-8480-23FB77A576FA}" srcOrd="0" destOrd="1" presId="urn:microsoft.com/office/officeart/2018/2/layout/IconVerticalSolidList"/>
+    <dgm:cxn modelId="{157ED9DC-77FA-4484-8E07-6371D9CE6E20}" type="presOf" srcId="{640C1536-56B2-4E8E-93D3-3D1334D9F751}" destId="{63F34D99-93B0-4D3E-9B5F-546998459B47}" srcOrd="0" destOrd="0" presId="urn:microsoft.com/office/officeart/2018/2/layout/IconVerticalSolidList"/>
+    <dgm:cxn modelId="{69AF6CEE-7C74-49CB-8559-43391672A973}" srcId="{D8EE9197-406F-4389-BEB4-25E8894D88ED}" destId="{2C6602AD-B1EF-41B3-ABCC-C104C898B39A}" srcOrd="1" destOrd="0" parTransId="{F5428582-53AA-4485-9072-8B9C7C608B74}" sibTransId="{C702581B-E5D2-4523-B1BE-144758773C9A}"/>
+    <dgm:cxn modelId="{B4B1C884-01EA-4BA9-A33C-7CA8059674A5}" type="presParOf" srcId="{45B75012-50D6-4FA0-99E5-44872BC0B6C8}" destId="{57D11CA8-657D-40A7-89A4-E87E08D74E45}" srcOrd="0" destOrd="0" presId="urn:microsoft.com/office/officeart/2018/2/layout/IconVerticalSolidList"/>
+    <dgm:cxn modelId="{DF773FB5-4700-4621-824E-16A3BF735737}" type="presParOf" srcId="{57D11CA8-657D-40A7-89A4-E87E08D74E45}" destId="{574C92DE-E2C4-4226-8EF0-4396A7735E5A}" srcOrd="0" destOrd="0" presId="urn:microsoft.com/office/officeart/2018/2/layout/IconVerticalSolidList"/>
+    <dgm:cxn modelId="{DC3D0D9B-EEAC-4E06-ABF2-DE8F1F5B38E0}" type="presParOf" srcId="{57D11CA8-657D-40A7-89A4-E87E08D74E45}" destId="{D6FEA984-16E6-42F6-8158-3B663489516F}" srcOrd="1" destOrd="0" presId="urn:microsoft.com/office/officeart/2018/2/layout/IconVerticalSolidList"/>
+    <dgm:cxn modelId="{25D638EB-A01A-4D0B-BBCE-93A9044E011D}" type="presParOf" srcId="{57D11CA8-657D-40A7-89A4-E87E08D74E45}" destId="{5A74E858-EA5D-4017-B214-CD7904176655}" srcOrd="2" destOrd="0" presId="urn:microsoft.com/office/officeart/2018/2/layout/IconVerticalSolidList"/>
+    <dgm:cxn modelId="{9AADE723-C770-492C-B37B-28E90B327814}" type="presParOf" srcId="{57D11CA8-657D-40A7-89A4-E87E08D74E45}" destId="{63F34D99-93B0-4D3E-9B5F-546998459B47}" srcOrd="3" destOrd="0" presId="urn:microsoft.com/office/officeart/2018/2/layout/IconVerticalSolidList"/>
+    <dgm:cxn modelId="{4C077C48-85B3-4F76-BF92-4EED4689D9FE}" type="presParOf" srcId="{57D11CA8-657D-40A7-89A4-E87E08D74E45}" destId="{079DCCFE-1CFA-4884-899E-92B5DE07DA02}" srcOrd="4" destOrd="0" presId="urn:microsoft.com/office/officeart/2018/2/layout/IconVerticalSolidList"/>
+    <dgm:cxn modelId="{DC1E1F90-EB83-48AE-B498-A315F8195465}" type="presParOf" srcId="{45B75012-50D6-4FA0-99E5-44872BC0B6C8}" destId="{D3EAB3D3-A419-437C-8799-FF8E9B02025B}" srcOrd="1" destOrd="0" presId="urn:microsoft.com/office/officeart/2018/2/layout/IconVerticalSolidList"/>
+    <dgm:cxn modelId="{C54E0C8B-5DAC-4EC0-9285-B97E6D4C9A97}" type="presParOf" srcId="{45B75012-50D6-4FA0-99E5-44872BC0B6C8}" destId="{B010C4F7-4AFC-4AFD-BDC0-F27863C484A2}" srcOrd="2" destOrd="0" presId="urn:microsoft.com/office/officeart/2018/2/layout/IconVerticalSolidList"/>
+    <dgm:cxn modelId="{FAC69367-3D1B-4F39-A2ED-DD333C9AEC15}" type="presParOf" srcId="{B010C4F7-4AFC-4AFD-BDC0-F27863C484A2}" destId="{5D1B5A1A-F987-47FE-8153-859B41269991}" srcOrd="0" destOrd="0" presId="urn:microsoft.com/office/officeart/2018/2/layout/IconVerticalSolidList"/>
+    <dgm:cxn modelId="{188AE995-587B-4242-A7B6-422E8E858C1A}" type="presParOf" srcId="{B010C4F7-4AFC-4AFD-BDC0-F27863C484A2}" destId="{9DCB5EA3-928B-446B-9BA3-6A95FA7A765F}" srcOrd="1" destOrd="0" presId="urn:microsoft.com/office/officeart/2018/2/layout/IconVerticalSolidList"/>
+    <dgm:cxn modelId="{F946455D-83F1-4194-B318-1ABF905D5AE0}" type="presParOf" srcId="{B010C4F7-4AFC-4AFD-BDC0-F27863C484A2}" destId="{2AA2E81A-6C15-4824-A141-A85D9F5B8C9E}" srcOrd="2" destOrd="0" presId="urn:microsoft.com/office/officeart/2018/2/layout/IconVerticalSolidList"/>
+    <dgm:cxn modelId="{8D1B559B-39D8-441A-8E75-9A1992B1DA13}" type="presParOf" srcId="{B010C4F7-4AFC-4AFD-BDC0-F27863C484A2}" destId="{303EB4F9-7F59-4FE0-A774-367554957FE4}" srcOrd="3" destOrd="0" presId="urn:microsoft.com/office/officeart/2018/2/layout/IconVerticalSolidList"/>
+    <dgm:cxn modelId="{83C24E8B-C5A6-45F2-A720-5E2079BAA646}" type="presParOf" srcId="{B010C4F7-4AFC-4AFD-BDC0-F27863C484A2}" destId="{AB81BF54-F942-467D-A2AE-49388870E100}" srcOrd="4" destOrd="0" presId="urn:microsoft.com/office/officeart/2018/2/layout/IconVerticalSolidList"/>
+    <dgm:cxn modelId="{7C55188E-43A1-49B2-8ADA-37557CF9961B}" type="presParOf" srcId="{45B75012-50D6-4FA0-99E5-44872BC0B6C8}" destId="{850B3934-CA58-4FB3-B936-0499D7EB5CE2}" srcOrd="3" destOrd="0" presId="urn:microsoft.com/office/officeart/2018/2/layout/IconVerticalSolidList"/>
+    <dgm:cxn modelId="{023D082F-D780-4407-ACF3-A7F24539DD15}" type="presParOf" srcId="{45B75012-50D6-4FA0-99E5-44872BC0B6C8}" destId="{3E5AD443-4786-4475-87F3-FFE95830F3C1}" srcOrd="4" destOrd="0" presId="urn:microsoft.com/office/officeart/2018/2/layout/IconVerticalSolidList"/>
+    <dgm:cxn modelId="{BC4156FF-CA35-4377-B0B3-D99C41406418}" type="presParOf" srcId="{3E5AD443-4786-4475-87F3-FFE95830F3C1}" destId="{51FCC470-FFF1-44A7-BF70-23CEA5767539}" srcOrd="0" destOrd="0" presId="urn:microsoft.com/office/officeart/2018/2/layout/IconVerticalSolidList"/>
+    <dgm:cxn modelId="{A9761B5A-88FC-4984-9B71-7659BFE46DAB}" type="presParOf" srcId="{3E5AD443-4786-4475-87F3-FFE95830F3C1}" destId="{CF302248-A4F2-49A5-B936-22BD3589AF82}" srcOrd="1" destOrd="0" presId="urn:microsoft.com/office/officeart/2018/2/layout/IconVerticalSolidList"/>
+    <dgm:cxn modelId="{E1B49433-3D81-49BA-950C-29CAD7BFBF12}" type="presParOf" srcId="{3E5AD443-4786-4475-87F3-FFE95830F3C1}" destId="{B4F55D63-8F14-4461-8869-37FCAF3F360B}" srcOrd="2" destOrd="0" presId="urn:microsoft.com/office/officeart/2018/2/layout/IconVerticalSolidList"/>
+    <dgm:cxn modelId="{0745F0AB-3D8F-4358-9898-FF460F608753}" type="presParOf" srcId="{3E5AD443-4786-4475-87F3-FFE95830F3C1}" destId="{D47563E8-F4D8-4A58-995A-4B4AEB35F157}" srcOrd="3" destOrd="0" presId="urn:microsoft.com/office/officeart/2018/2/layout/IconVerticalSolidList"/>
+    <dgm:cxn modelId="{ED13AA3F-C3C5-4070-A5DD-90D15BA7D122}" type="presParOf" srcId="{3E5AD443-4786-4475-87F3-FFE95830F3C1}" destId="{79FEC6A5-4C18-4B49-A4E5-E600F10F50EB}" srcOrd="4" destOrd="0" presId="urn:microsoft.com/office/officeart/2018/2/layout/IconVerticalSolidList"/>
+    <dgm:cxn modelId="{236062C3-E658-4A63-A34E-6CBC1F2A2DF4}" type="presParOf" srcId="{45B75012-50D6-4FA0-99E5-44872BC0B6C8}" destId="{E3827DC0-EC93-4BCC-9F96-B3A4D2095C9B}" srcOrd="5" destOrd="0" presId="urn:microsoft.com/office/officeart/2018/2/layout/IconVerticalSolidList"/>
+    <dgm:cxn modelId="{F7CCBCE0-95E4-43D5-9D8A-D5D320A4BE3E}" type="presParOf" srcId="{45B75012-50D6-4FA0-99E5-44872BC0B6C8}" destId="{1F3D47BB-880F-497A-BE69-21DB80DA4801}" srcOrd="6" destOrd="0" presId="urn:microsoft.com/office/officeart/2018/2/layout/IconVerticalSolidList"/>
+    <dgm:cxn modelId="{2F1842C2-055D-40AF-A09C-A4C183109219}" type="presParOf" srcId="{1F3D47BB-880F-497A-BE69-21DB80DA4801}" destId="{9285FAD6-8F3F-4D0E-84C0-FCBA296E2E87}" srcOrd="0" destOrd="0" presId="urn:microsoft.com/office/officeart/2018/2/layout/IconVerticalSolidList"/>
+    <dgm:cxn modelId="{8D4DCD8B-134C-4B32-AD4C-46F798CF6D79}" type="presParOf" srcId="{1F3D47BB-880F-497A-BE69-21DB80DA4801}" destId="{4D907914-B7D7-4741-83C7-C87F2F5F0B7C}" srcOrd="1" destOrd="0" presId="urn:microsoft.com/office/officeart/2018/2/layout/IconVerticalSolidList"/>
+    <dgm:cxn modelId="{A9BC1CDD-ACB1-4A7A-B08B-0EDA89BF71A4}" type="presParOf" srcId="{1F3D47BB-880F-497A-BE69-21DB80DA4801}" destId="{9C09A81A-024E-41F2-8425-42A36FF0C2DC}" srcOrd="2" destOrd="0" presId="urn:microsoft.com/office/officeart/2018/2/layout/IconVerticalSolidList"/>
+    <dgm:cxn modelId="{8BFBA7FB-E91E-467A-96D0-3D59D68C1428}" type="presParOf" srcId="{1F3D47BB-880F-497A-BE69-21DB80DA4801}" destId="{8BD89270-7A4E-4E6E-955B-4D58DD5BE83F}" srcOrd="3" destOrd="0" presId="urn:microsoft.com/office/officeart/2018/2/layout/IconVerticalSolidList"/>
+    <dgm:cxn modelId="{07F88DAA-BC7F-4BC0-9390-8CADE3554181}" type="presParOf" srcId="{1F3D47BB-880F-497A-BE69-21DB80DA4801}" destId="{917C1FB2-5245-4CA6-8480-23FB77A576FA}" srcOrd="4" destOrd="0" presId="urn:microsoft.com/office/officeart/2018/2/layout/IconVerticalSolidList"/>
+  </dgm:cxnLst>
+  <dgm:bg/>
+  <dgm:whole/>
+  <dgm:extLst>
+    <a:ext uri="http://schemas.microsoft.com/office/drawing/2008/diagram">
+      <dsp:dataModelExt xmlns:dsp="http://schemas.microsoft.com/office/drawing/2008/diagram" relId="rId6" minVer="http://schemas.openxmlformats.org/drawingml/2006/diagram"/>
+    </a:ext>
+  </dgm:extLst>
+</dgm:dataModel>
+</file>
+
 <file path=ppt/diagrams/drawing1.xml><?xml version="1.0" encoding="utf-8"?>
 <dsp:drawing xmlns:dgm="http://schemas.openxmlformats.org/drawingml/2006/diagram" xmlns:dsp="http://schemas.microsoft.com/office/drawing/2008/diagram" xmlns:a="http://schemas.openxmlformats.org/drawingml/2006/main">
   <dsp:spTree>
@@ -2939,8 +4580,8 @@
             <a:defRPr cap="all"/>
           </a:pPr>
           <a:r>
-            <a:rPr lang="en-US" sz="1100" kern="1200"/>
-            <a:t>This paper was published in 2016, nearly a decade after smartphones were first introduced to the market</a:t>
+            <a:rPr lang="en-US" sz="1100" kern="1200" dirty="0"/>
+            <a:t>This paper was published in 2016, nearly a decade after the iPhone was first introduced to the market</a:t>
           </a:r>
         </a:p>
       </dsp:txBody>
@@ -3457,6 +5098,916 @@
 </dsp:drawing>
 </file>
 
+<file path=ppt/diagrams/drawing3.xml><?xml version="1.0" encoding="utf-8"?>
+<dsp:drawing xmlns:dgm="http://schemas.openxmlformats.org/drawingml/2006/diagram" xmlns:dsp="http://schemas.microsoft.com/office/drawing/2008/diagram" xmlns:a="http://schemas.openxmlformats.org/drawingml/2006/main">
+  <dsp:spTree>
+    <dsp:nvGrpSpPr>
+      <dsp:cNvPr id="0" name=""/>
+      <dsp:cNvGrpSpPr/>
+    </dsp:nvGrpSpPr>
+    <dsp:grpSpPr/>
+    <dsp:sp modelId="{574C92DE-E2C4-4226-8EF0-4396A7735E5A}">
+      <dsp:nvSpPr>
+        <dsp:cNvPr id="0" name=""/>
+        <dsp:cNvSpPr/>
+      </dsp:nvSpPr>
+      <dsp:spPr>
+        <a:xfrm>
+          <a:off x="0" y="4816"/>
+          <a:ext cx="6096000" cy="1120919"/>
+        </a:xfrm>
+        <a:prstGeom prst="roundRect">
+          <a:avLst>
+            <a:gd name="adj" fmla="val 10000"/>
+          </a:avLst>
+        </a:prstGeom>
+        <a:solidFill>
+          <a:schemeClr val="accent2">
+            <a:hueOff val="0"/>
+            <a:satOff val="0"/>
+            <a:lumOff val="0"/>
+            <a:alphaOff val="0"/>
+          </a:schemeClr>
+        </a:solidFill>
+        <a:ln>
+          <a:noFill/>
+        </a:ln>
+        <a:effectLst/>
+      </dsp:spPr>
+      <dsp:style>
+        <a:lnRef idx="0">
+          <a:scrgbClr r="0" g="0" b="0"/>
+        </a:lnRef>
+        <a:fillRef idx="1">
+          <a:scrgbClr r="0" g="0" b="0"/>
+        </a:fillRef>
+        <a:effectRef idx="0">
+          <a:scrgbClr r="0" g="0" b="0"/>
+        </a:effectRef>
+        <a:fontRef idx="minor"/>
+      </dsp:style>
+    </dsp:sp>
+    <dsp:sp modelId="{D6FEA984-16E6-42F6-8158-3B663489516F}">
+      <dsp:nvSpPr>
+        <dsp:cNvPr id="0" name=""/>
+        <dsp:cNvSpPr/>
+      </dsp:nvSpPr>
+      <dsp:spPr>
+        <a:xfrm>
+          <a:off x="339078" y="257023"/>
+          <a:ext cx="616505" cy="616505"/>
+        </a:xfrm>
+        <a:prstGeom prst="rect">
+          <a:avLst/>
+        </a:prstGeom>
+        <a:blipFill>
+          <a:blip xmlns:r="http://schemas.openxmlformats.org/officeDocument/2006/relationships" r:embed="rId1">
+            <a:extLst>
+              <a:ext uri="{28A0092B-C50C-407E-A947-70E740481C1C}">
+                <a14:useLocalDpi xmlns:a14="http://schemas.microsoft.com/office/drawing/2010/main" val="0"/>
+              </a:ext>
+              <a:ext uri="{96DAC541-7B7A-43D3-8B79-37D633B846F1}">
+                <asvg:svgBlip xmlns:asvg="http://schemas.microsoft.com/office/drawing/2016/SVG/main" r:embed="rId2"/>
+              </a:ext>
+            </a:extLst>
+          </a:blip>
+          <a:stretch>
+            <a:fillRect/>
+          </a:stretch>
+        </a:blipFill>
+        <a:ln w="12700" cap="flat" cmpd="sng" algn="ctr">
+          <a:noFill/>
+          <a:prstDash val="solid"/>
+          <a:miter lim="800000"/>
+        </a:ln>
+        <a:effectLst/>
+      </dsp:spPr>
+      <dsp:style>
+        <a:lnRef idx="2">
+          <a:scrgbClr r="0" g="0" b="0"/>
+        </a:lnRef>
+        <a:fillRef idx="1">
+          <a:scrgbClr r="0" g="0" b="0"/>
+        </a:fillRef>
+        <a:effectRef idx="0">
+          <a:scrgbClr r="0" g="0" b="0"/>
+        </a:effectRef>
+        <a:fontRef idx="minor">
+          <a:schemeClr val="lt1"/>
+        </a:fontRef>
+      </dsp:style>
+    </dsp:sp>
+    <dsp:sp modelId="{63F34D99-93B0-4D3E-9B5F-546998459B47}">
+      <dsp:nvSpPr>
+        <dsp:cNvPr id="0" name=""/>
+        <dsp:cNvSpPr/>
+      </dsp:nvSpPr>
+      <dsp:spPr>
+        <a:xfrm>
+          <a:off x="1294662" y="4816"/>
+          <a:ext cx="2743200" cy="1120919"/>
+        </a:xfrm>
+        <a:prstGeom prst="rect">
+          <a:avLst/>
+        </a:prstGeom>
+        <a:noFill/>
+        <a:ln>
+          <a:noFill/>
+        </a:ln>
+        <a:effectLst/>
+      </dsp:spPr>
+      <dsp:style>
+        <a:lnRef idx="0">
+          <a:scrgbClr r="0" g="0" b="0"/>
+        </a:lnRef>
+        <a:fillRef idx="0">
+          <a:scrgbClr r="0" g="0" b="0"/>
+        </a:fillRef>
+        <a:effectRef idx="0">
+          <a:scrgbClr r="0" g="0" b="0"/>
+        </a:effectRef>
+        <a:fontRef idx="minor"/>
+      </dsp:style>
+      <dsp:txBody>
+        <a:bodyPr spcFirstLastPara="0" vert="horz" wrap="square" lIns="118631" tIns="118631" rIns="118631" bIns="118631" numCol="1" spcCol="1270" anchor="ctr" anchorCtr="0">
+          <a:noAutofit/>
+        </a:bodyPr>
+        <a:lstStyle/>
+        <a:p>
+          <a:pPr marL="0" lvl="0" indent="0" algn="l" defTabSz="977900">
+            <a:lnSpc>
+              <a:spcPct val="90000"/>
+            </a:lnSpc>
+            <a:spcBef>
+              <a:spcPct val="0"/>
+            </a:spcBef>
+            <a:spcAft>
+              <a:spcPct val="35000"/>
+            </a:spcAft>
+            <a:buNone/>
+          </a:pPr>
+          <a:r>
+            <a:rPr lang="en-US" sz="2200" kern="1200"/>
+            <a:t>Smartphone interruptions</a:t>
+          </a:r>
+        </a:p>
+      </dsp:txBody>
+      <dsp:txXfrm>
+        <a:off x="1294662" y="4816"/>
+        <a:ext cx="2743200" cy="1120919"/>
+      </dsp:txXfrm>
+    </dsp:sp>
+    <dsp:sp modelId="{079DCCFE-1CFA-4884-899E-92B5DE07DA02}">
+      <dsp:nvSpPr>
+        <dsp:cNvPr id="0" name=""/>
+        <dsp:cNvSpPr/>
+      </dsp:nvSpPr>
+      <dsp:spPr>
+        <a:xfrm>
+          <a:off x="4037862" y="4816"/>
+          <a:ext cx="2056872" cy="1120919"/>
+        </a:xfrm>
+        <a:prstGeom prst="rect">
+          <a:avLst/>
+        </a:prstGeom>
+        <a:noFill/>
+        <a:ln>
+          <a:noFill/>
+        </a:ln>
+        <a:effectLst/>
+      </dsp:spPr>
+      <dsp:style>
+        <a:lnRef idx="0">
+          <a:scrgbClr r="0" g="0" b="0"/>
+        </a:lnRef>
+        <a:fillRef idx="0">
+          <a:scrgbClr r="0" g="0" b="0"/>
+        </a:fillRef>
+        <a:effectRef idx="0">
+          <a:scrgbClr r="0" g="0" b="0"/>
+        </a:effectRef>
+        <a:fontRef idx="minor"/>
+      </dsp:style>
+      <dsp:txBody>
+        <a:bodyPr spcFirstLastPara="0" vert="horz" wrap="square" lIns="118631" tIns="118631" rIns="118631" bIns="118631" numCol="1" spcCol="1270" anchor="ctr" anchorCtr="0">
+          <a:noAutofit/>
+        </a:bodyPr>
+        <a:lstStyle/>
+        <a:p>
+          <a:pPr marL="0" lvl="0" indent="0" algn="l" defTabSz="488950">
+            <a:lnSpc>
+              <a:spcPct val="90000"/>
+            </a:lnSpc>
+            <a:spcBef>
+              <a:spcPct val="0"/>
+            </a:spcBef>
+            <a:spcAft>
+              <a:spcPct val="35000"/>
+            </a:spcAft>
+            <a:buNone/>
+          </a:pPr>
+          <a:r>
+            <a:rPr lang="en-US" sz="1100" kern="1200"/>
+            <a:t>Ordinal (0-6)</a:t>
+          </a:r>
+        </a:p>
+        <a:p>
+          <a:pPr marL="0" lvl="0" indent="0" algn="l" defTabSz="488950">
+            <a:lnSpc>
+              <a:spcPct val="90000"/>
+            </a:lnSpc>
+            <a:spcBef>
+              <a:spcPct val="0"/>
+            </a:spcBef>
+            <a:spcAft>
+              <a:spcPct val="35000"/>
+            </a:spcAft>
+            <a:buNone/>
+          </a:pPr>
+          <a:r>
+            <a:rPr lang="en-US" sz="1100" kern="1200"/>
+            <a:t>14 Different Daily Activities</a:t>
+          </a:r>
+        </a:p>
+      </dsp:txBody>
+      <dsp:txXfrm>
+        <a:off x="4037862" y="4816"/>
+        <a:ext cx="2056872" cy="1120919"/>
+      </dsp:txXfrm>
+    </dsp:sp>
+    <dsp:sp modelId="{5D1B5A1A-F987-47FE-8153-859B41269991}">
+      <dsp:nvSpPr>
+        <dsp:cNvPr id="0" name=""/>
+        <dsp:cNvSpPr/>
+      </dsp:nvSpPr>
+      <dsp:spPr>
+        <a:xfrm>
+          <a:off x="0" y="1405965"/>
+          <a:ext cx="6096000" cy="1120919"/>
+        </a:xfrm>
+        <a:prstGeom prst="roundRect">
+          <a:avLst>
+            <a:gd name="adj" fmla="val 10000"/>
+          </a:avLst>
+        </a:prstGeom>
+        <a:solidFill>
+          <a:schemeClr val="accent3">
+            <a:hueOff val="0"/>
+            <a:satOff val="0"/>
+            <a:lumOff val="0"/>
+            <a:alphaOff val="0"/>
+          </a:schemeClr>
+        </a:solidFill>
+        <a:ln>
+          <a:noFill/>
+        </a:ln>
+        <a:effectLst/>
+      </dsp:spPr>
+      <dsp:style>
+        <a:lnRef idx="0">
+          <a:scrgbClr r="0" g="0" b="0"/>
+        </a:lnRef>
+        <a:fillRef idx="1">
+          <a:scrgbClr r="0" g="0" b="0"/>
+        </a:fillRef>
+        <a:effectRef idx="0">
+          <a:scrgbClr r="0" g="0" b="0"/>
+        </a:effectRef>
+        <a:fontRef idx="minor"/>
+      </dsp:style>
+    </dsp:sp>
+    <dsp:sp modelId="{9DCB5EA3-928B-446B-9BA3-6A95FA7A765F}">
+      <dsp:nvSpPr>
+        <dsp:cNvPr id="0" name=""/>
+        <dsp:cNvSpPr/>
+      </dsp:nvSpPr>
+      <dsp:spPr>
+        <a:xfrm>
+          <a:off x="339078" y="1658172"/>
+          <a:ext cx="616505" cy="616505"/>
+        </a:xfrm>
+        <a:prstGeom prst="rect">
+          <a:avLst/>
+        </a:prstGeom>
+        <a:blipFill>
+          <a:blip xmlns:r="http://schemas.openxmlformats.org/officeDocument/2006/relationships" r:embed="rId3">
+            <a:extLst>
+              <a:ext uri="{28A0092B-C50C-407E-A947-70E740481C1C}">
+                <a14:useLocalDpi xmlns:a14="http://schemas.microsoft.com/office/drawing/2010/main" val="0"/>
+              </a:ext>
+              <a:ext uri="{96DAC541-7B7A-43D3-8B79-37D633B846F1}">
+                <asvg:svgBlip xmlns:asvg="http://schemas.microsoft.com/office/drawing/2016/SVG/main" r:embed="rId4"/>
+              </a:ext>
+            </a:extLst>
+          </a:blip>
+          <a:stretch>
+            <a:fillRect/>
+          </a:stretch>
+        </a:blipFill>
+        <a:ln w="12700" cap="flat" cmpd="sng" algn="ctr">
+          <a:noFill/>
+          <a:prstDash val="solid"/>
+          <a:miter lim="800000"/>
+        </a:ln>
+        <a:effectLst/>
+      </dsp:spPr>
+      <dsp:style>
+        <a:lnRef idx="2">
+          <a:scrgbClr r="0" g="0" b="0"/>
+        </a:lnRef>
+        <a:fillRef idx="1">
+          <a:scrgbClr r="0" g="0" b="0"/>
+        </a:fillRef>
+        <a:effectRef idx="0">
+          <a:scrgbClr r="0" g="0" b="0"/>
+        </a:effectRef>
+        <a:fontRef idx="minor">
+          <a:schemeClr val="lt1"/>
+        </a:fontRef>
+      </dsp:style>
+    </dsp:sp>
+    <dsp:sp modelId="{303EB4F9-7F59-4FE0-A774-367554957FE4}">
+      <dsp:nvSpPr>
+        <dsp:cNvPr id="0" name=""/>
+        <dsp:cNvSpPr/>
+      </dsp:nvSpPr>
+      <dsp:spPr>
+        <a:xfrm>
+          <a:off x="1294662" y="1405965"/>
+          <a:ext cx="2743200" cy="1120919"/>
+        </a:xfrm>
+        <a:prstGeom prst="rect">
+          <a:avLst/>
+        </a:prstGeom>
+        <a:noFill/>
+        <a:ln>
+          <a:noFill/>
+        </a:ln>
+        <a:effectLst/>
+      </dsp:spPr>
+      <dsp:style>
+        <a:lnRef idx="0">
+          <a:scrgbClr r="0" g="0" b="0"/>
+        </a:lnRef>
+        <a:fillRef idx="0">
+          <a:scrgbClr r="0" g="0" b="0"/>
+        </a:fillRef>
+        <a:effectRef idx="0">
+          <a:scrgbClr r="0" g="0" b="0"/>
+        </a:effectRef>
+        <a:fontRef idx="minor"/>
+      </dsp:style>
+      <dsp:txBody>
+        <a:bodyPr spcFirstLastPara="0" vert="horz" wrap="square" lIns="118631" tIns="118631" rIns="118631" bIns="118631" numCol="1" spcCol="1270" anchor="ctr" anchorCtr="0">
+          <a:noAutofit/>
+        </a:bodyPr>
+        <a:lstStyle/>
+        <a:p>
+          <a:pPr marL="0" lvl="0" indent="0" algn="l" defTabSz="977900">
+            <a:lnSpc>
+              <a:spcPct val="90000"/>
+            </a:lnSpc>
+            <a:spcBef>
+              <a:spcPct val="0"/>
+            </a:spcBef>
+            <a:spcAft>
+              <a:spcPct val="35000"/>
+            </a:spcAft>
+            <a:buNone/>
+          </a:pPr>
+          <a:r>
+            <a:rPr lang="en-US" sz="2200" kern="1200"/>
+            <a:t>Inattention and Hyperactivity</a:t>
+          </a:r>
+        </a:p>
+      </dsp:txBody>
+      <dsp:txXfrm>
+        <a:off x="1294662" y="1405965"/>
+        <a:ext cx="2743200" cy="1120919"/>
+      </dsp:txXfrm>
+    </dsp:sp>
+    <dsp:sp modelId="{AB81BF54-F942-467D-A2AE-49388870E100}">
+      <dsp:nvSpPr>
+        <dsp:cNvPr id="0" name=""/>
+        <dsp:cNvSpPr/>
+      </dsp:nvSpPr>
+      <dsp:spPr>
+        <a:xfrm>
+          <a:off x="4037862" y="1405965"/>
+          <a:ext cx="2056872" cy="1120919"/>
+        </a:xfrm>
+        <a:prstGeom prst="rect">
+          <a:avLst/>
+        </a:prstGeom>
+        <a:noFill/>
+        <a:ln>
+          <a:noFill/>
+        </a:ln>
+        <a:effectLst/>
+      </dsp:spPr>
+      <dsp:style>
+        <a:lnRef idx="0">
+          <a:scrgbClr r="0" g="0" b="0"/>
+        </a:lnRef>
+        <a:fillRef idx="0">
+          <a:scrgbClr r="0" g="0" b="0"/>
+        </a:fillRef>
+        <a:effectRef idx="0">
+          <a:scrgbClr r="0" g="0" b="0"/>
+        </a:effectRef>
+        <a:fontRef idx="minor"/>
+      </dsp:style>
+      <dsp:txBody>
+        <a:bodyPr spcFirstLastPara="0" vert="horz" wrap="square" lIns="118631" tIns="118631" rIns="118631" bIns="118631" numCol="1" spcCol="1270" anchor="ctr" anchorCtr="0">
+          <a:noAutofit/>
+        </a:bodyPr>
+        <a:lstStyle/>
+        <a:p>
+          <a:pPr marL="0" lvl="0" indent="0" algn="l" defTabSz="488950">
+            <a:lnSpc>
+              <a:spcPct val="90000"/>
+            </a:lnSpc>
+            <a:spcBef>
+              <a:spcPct val="0"/>
+            </a:spcBef>
+            <a:spcAft>
+              <a:spcPct val="35000"/>
+            </a:spcAft>
+            <a:buNone/>
+          </a:pPr>
+          <a:r>
+            <a:rPr lang="en-US" sz="1100" kern="1200"/>
+            <a:t>Ordinal (1-4)</a:t>
+          </a:r>
+        </a:p>
+        <a:p>
+          <a:pPr marL="0" lvl="0" indent="0" algn="l" defTabSz="488950">
+            <a:lnSpc>
+              <a:spcPct val="90000"/>
+            </a:lnSpc>
+            <a:spcBef>
+              <a:spcPct val="0"/>
+            </a:spcBef>
+            <a:spcAft>
+              <a:spcPct val="35000"/>
+            </a:spcAft>
+            <a:buNone/>
+          </a:pPr>
+          <a:r>
+            <a:rPr lang="en-US" sz="1100" kern="1200"/>
+            <a:t>18 Symptoms</a:t>
+          </a:r>
+        </a:p>
+      </dsp:txBody>
+      <dsp:txXfrm>
+        <a:off x="4037862" y="1405965"/>
+        <a:ext cx="2056872" cy="1120919"/>
+      </dsp:txXfrm>
+    </dsp:sp>
+    <dsp:sp modelId="{51FCC470-FFF1-44A7-BF70-23CEA5767539}">
+      <dsp:nvSpPr>
+        <dsp:cNvPr id="0" name=""/>
+        <dsp:cNvSpPr/>
+      </dsp:nvSpPr>
+      <dsp:spPr>
+        <a:xfrm>
+          <a:off x="0" y="2807114"/>
+          <a:ext cx="6096000" cy="1120919"/>
+        </a:xfrm>
+        <a:prstGeom prst="roundRect">
+          <a:avLst>
+            <a:gd name="adj" fmla="val 10000"/>
+          </a:avLst>
+        </a:prstGeom>
+        <a:solidFill>
+          <a:schemeClr val="accent4">
+            <a:hueOff val="0"/>
+            <a:satOff val="0"/>
+            <a:lumOff val="0"/>
+            <a:alphaOff val="0"/>
+          </a:schemeClr>
+        </a:solidFill>
+        <a:ln>
+          <a:noFill/>
+        </a:ln>
+        <a:effectLst/>
+      </dsp:spPr>
+      <dsp:style>
+        <a:lnRef idx="0">
+          <a:scrgbClr r="0" g="0" b="0"/>
+        </a:lnRef>
+        <a:fillRef idx="1">
+          <a:scrgbClr r="0" g="0" b="0"/>
+        </a:fillRef>
+        <a:effectRef idx="0">
+          <a:scrgbClr r="0" g="0" b="0"/>
+        </a:effectRef>
+        <a:fontRef idx="minor"/>
+      </dsp:style>
+    </dsp:sp>
+    <dsp:sp modelId="{CF302248-A4F2-49A5-B936-22BD3589AF82}">
+      <dsp:nvSpPr>
+        <dsp:cNvPr id="0" name=""/>
+        <dsp:cNvSpPr/>
+      </dsp:nvSpPr>
+      <dsp:spPr>
+        <a:xfrm>
+          <a:off x="339078" y="3059321"/>
+          <a:ext cx="616505" cy="616505"/>
+        </a:xfrm>
+        <a:prstGeom prst="rect">
+          <a:avLst/>
+        </a:prstGeom>
+        <a:blipFill>
+          <a:blip xmlns:r="http://schemas.openxmlformats.org/officeDocument/2006/relationships" r:embed="rId5">
+            <a:extLst>
+              <a:ext uri="{28A0092B-C50C-407E-A947-70E740481C1C}">
+                <a14:useLocalDpi xmlns:a14="http://schemas.microsoft.com/office/drawing/2010/main" val="0"/>
+              </a:ext>
+              <a:ext uri="{96DAC541-7B7A-43D3-8B79-37D633B846F1}">
+                <asvg:svgBlip xmlns:asvg="http://schemas.microsoft.com/office/drawing/2016/SVG/main" r:embed="rId6"/>
+              </a:ext>
+            </a:extLst>
+          </a:blip>
+          <a:stretch>
+            <a:fillRect/>
+          </a:stretch>
+        </a:blipFill>
+        <a:ln w="12700" cap="flat" cmpd="sng" algn="ctr">
+          <a:noFill/>
+          <a:prstDash val="solid"/>
+          <a:miter lim="800000"/>
+        </a:ln>
+        <a:effectLst/>
+      </dsp:spPr>
+      <dsp:style>
+        <a:lnRef idx="2">
+          <a:scrgbClr r="0" g="0" b="0"/>
+        </a:lnRef>
+        <a:fillRef idx="1">
+          <a:scrgbClr r="0" g="0" b="0"/>
+        </a:fillRef>
+        <a:effectRef idx="0">
+          <a:scrgbClr r="0" g="0" b="0"/>
+        </a:effectRef>
+        <a:fontRef idx="minor">
+          <a:schemeClr val="lt1"/>
+        </a:fontRef>
+      </dsp:style>
+    </dsp:sp>
+    <dsp:sp modelId="{D47563E8-F4D8-4A58-995A-4B4AEB35F157}">
+      <dsp:nvSpPr>
+        <dsp:cNvPr id="0" name=""/>
+        <dsp:cNvSpPr/>
+      </dsp:nvSpPr>
+      <dsp:spPr>
+        <a:xfrm>
+          <a:off x="1294662" y="2807114"/>
+          <a:ext cx="2743200" cy="1120919"/>
+        </a:xfrm>
+        <a:prstGeom prst="rect">
+          <a:avLst/>
+        </a:prstGeom>
+        <a:noFill/>
+        <a:ln>
+          <a:noFill/>
+        </a:ln>
+        <a:effectLst/>
+      </dsp:spPr>
+      <dsp:style>
+        <a:lnRef idx="0">
+          <a:scrgbClr r="0" g="0" b="0"/>
+        </a:lnRef>
+        <a:fillRef idx="0">
+          <a:scrgbClr r="0" g="0" b="0"/>
+        </a:fillRef>
+        <a:effectRef idx="0">
+          <a:scrgbClr r="0" g="0" b="0"/>
+        </a:effectRef>
+        <a:fontRef idx="minor"/>
+      </dsp:style>
+      <dsp:txBody>
+        <a:bodyPr spcFirstLastPara="0" vert="horz" wrap="square" lIns="118631" tIns="118631" rIns="118631" bIns="118631" numCol="1" spcCol="1270" anchor="ctr" anchorCtr="0">
+          <a:noAutofit/>
+        </a:bodyPr>
+        <a:lstStyle/>
+        <a:p>
+          <a:pPr marL="0" lvl="0" indent="0" algn="l" defTabSz="977900">
+            <a:lnSpc>
+              <a:spcPct val="90000"/>
+            </a:lnSpc>
+            <a:spcBef>
+              <a:spcPct val="0"/>
+            </a:spcBef>
+            <a:spcAft>
+              <a:spcPct val="35000"/>
+            </a:spcAft>
+            <a:buNone/>
+          </a:pPr>
+          <a:r>
+            <a:rPr lang="en-US" sz="2200" kern="1200"/>
+            <a:t>Productivity</a:t>
+          </a:r>
+        </a:p>
+      </dsp:txBody>
+      <dsp:txXfrm>
+        <a:off x="1294662" y="2807114"/>
+        <a:ext cx="2743200" cy="1120919"/>
+      </dsp:txXfrm>
+    </dsp:sp>
+    <dsp:sp modelId="{79FEC6A5-4C18-4B49-A4E5-E600F10F50EB}">
+      <dsp:nvSpPr>
+        <dsp:cNvPr id="0" name=""/>
+        <dsp:cNvSpPr/>
+      </dsp:nvSpPr>
+      <dsp:spPr>
+        <a:xfrm>
+          <a:off x="4037862" y="2807114"/>
+          <a:ext cx="2056872" cy="1120919"/>
+        </a:xfrm>
+        <a:prstGeom prst="rect">
+          <a:avLst/>
+        </a:prstGeom>
+        <a:noFill/>
+        <a:ln>
+          <a:noFill/>
+        </a:ln>
+        <a:effectLst/>
+      </dsp:spPr>
+      <dsp:style>
+        <a:lnRef idx="0">
+          <a:scrgbClr r="0" g="0" b="0"/>
+        </a:lnRef>
+        <a:fillRef idx="0">
+          <a:scrgbClr r="0" g="0" b="0"/>
+        </a:fillRef>
+        <a:effectRef idx="0">
+          <a:scrgbClr r="0" g="0" b="0"/>
+        </a:effectRef>
+        <a:fontRef idx="minor"/>
+      </dsp:style>
+      <dsp:txBody>
+        <a:bodyPr spcFirstLastPara="0" vert="horz" wrap="square" lIns="118631" tIns="118631" rIns="118631" bIns="118631" numCol="1" spcCol="1270" anchor="ctr" anchorCtr="0">
+          <a:noAutofit/>
+        </a:bodyPr>
+        <a:lstStyle/>
+        <a:p>
+          <a:pPr marL="0" lvl="0" indent="0" algn="l" defTabSz="488950">
+            <a:lnSpc>
+              <a:spcPct val="90000"/>
+            </a:lnSpc>
+            <a:spcBef>
+              <a:spcPct val="0"/>
+            </a:spcBef>
+            <a:spcAft>
+              <a:spcPct val="35000"/>
+            </a:spcAft>
+            <a:buNone/>
+          </a:pPr>
+          <a:r>
+            <a:rPr lang="en-US" sz="1100" kern="1200" dirty="0"/>
+            <a:t>Three question self-report based on previous research</a:t>
+          </a:r>
+        </a:p>
+      </dsp:txBody>
+      <dsp:txXfrm>
+        <a:off x="4037862" y="2807114"/>
+        <a:ext cx="2056872" cy="1120919"/>
+      </dsp:txXfrm>
+    </dsp:sp>
+    <dsp:sp modelId="{9285FAD6-8F3F-4D0E-84C0-FCBA296E2E87}">
+      <dsp:nvSpPr>
+        <dsp:cNvPr id="0" name=""/>
+        <dsp:cNvSpPr/>
+      </dsp:nvSpPr>
+      <dsp:spPr>
+        <a:xfrm>
+          <a:off x="0" y="4208264"/>
+          <a:ext cx="6096000" cy="1120919"/>
+        </a:xfrm>
+        <a:prstGeom prst="roundRect">
+          <a:avLst>
+            <a:gd name="adj" fmla="val 10000"/>
+          </a:avLst>
+        </a:prstGeom>
+        <a:solidFill>
+          <a:schemeClr val="accent5">
+            <a:hueOff val="0"/>
+            <a:satOff val="0"/>
+            <a:lumOff val="0"/>
+            <a:alphaOff val="0"/>
+          </a:schemeClr>
+        </a:solidFill>
+        <a:ln>
+          <a:noFill/>
+        </a:ln>
+        <a:effectLst/>
+      </dsp:spPr>
+      <dsp:style>
+        <a:lnRef idx="0">
+          <a:scrgbClr r="0" g="0" b="0"/>
+        </a:lnRef>
+        <a:fillRef idx="1">
+          <a:scrgbClr r="0" g="0" b="0"/>
+        </a:fillRef>
+        <a:effectRef idx="0">
+          <a:scrgbClr r="0" g="0" b="0"/>
+        </a:effectRef>
+        <a:fontRef idx="minor"/>
+      </dsp:style>
+    </dsp:sp>
+    <dsp:sp modelId="{4D907914-B7D7-4741-83C7-C87F2F5F0B7C}">
+      <dsp:nvSpPr>
+        <dsp:cNvPr id="0" name=""/>
+        <dsp:cNvSpPr/>
+      </dsp:nvSpPr>
+      <dsp:spPr>
+        <a:xfrm>
+          <a:off x="339078" y="4460471"/>
+          <a:ext cx="616505" cy="616505"/>
+        </a:xfrm>
+        <a:prstGeom prst="rect">
+          <a:avLst/>
+        </a:prstGeom>
+        <a:blipFill>
+          <a:blip xmlns:r="http://schemas.openxmlformats.org/officeDocument/2006/relationships" r:embed="rId7">
+            <a:extLst>
+              <a:ext uri="{28A0092B-C50C-407E-A947-70E740481C1C}">
+                <a14:useLocalDpi xmlns:a14="http://schemas.microsoft.com/office/drawing/2010/main" val="0"/>
+              </a:ext>
+              <a:ext uri="{96DAC541-7B7A-43D3-8B79-37D633B846F1}">
+                <asvg:svgBlip xmlns:asvg="http://schemas.microsoft.com/office/drawing/2016/SVG/main" r:embed="rId8"/>
+              </a:ext>
+            </a:extLst>
+          </a:blip>
+          <a:stretch>
+            <a:fillRect/>
+          </a:stretch>
+        </a:blipFill>
+        <a:ln w="12700" cap="flat" cmpd="sng" algn="ctr">
+          <a:noFill/>
+          <a:prstDash val="solid"/>
+          <a:miter lim="800000"/>
+        </a:ln>
+        <a:effectLst/>
+      </dsp:spPr>
+      <dsp:style>
+        <a:lnRef idx="2">
+          <a:scrgbClr r="0" g="0" b="0"/>
+        </a:lnRef>
+        <a:fillRef idx="1">
+          <a:scrgbClr r="0" g="0" b="0"/>
+        </a:fillRef>
+        <a:effectRef idx="0">
+          <a:scrgbClr r="0" g="0" b="0"/>
+        </a:effectRef>
+        <a:fontRef idx="minor">
+          <a:schemeClr val="lt1"/>
+        </a:fontRef>
+      </dsp:style>
+    </dsp:sp>
+    <dsp:sp modelId="{8BD89270-7A4E-4E6E-955B-4D58DD5BE83F}">
+      <dsp:nvSpPr>
+        <dsp:cNvPr id="0" name=""/>
+        <dsp:cNvSpPr/>
+      </dsp:nvSpPr>
+      <dsp:spPr>
+        <a:xfrm>
+          <a:off x="1294662" y="4208264"/>
+          <a:ext cx="2743200" cy="1120919"/>
+        </a:xfrm>
+        <a:prstGeom prst="rect">
+          <a:avLst/>
+        </a:prstGeom>
+        <a:noFill/>
+        <a:ln>
+          <a:noFill/>
+        </a:ln>
+        <a:effectLst/>
+      </dsp:spPr>
+      <dsp:style>
+        <a:lnRef idx="0">
+          <a:scrgbClr r="0" g="0" b="0"/>
+        </a:lnRef>
+        <a:fillRef idx="0">
+          <a:scrgbClr r="0" g="0" b="0"/>
+        </a:fillRef>
+        <a:effectRef idx="0">
+          <a:scrgbClr r="0" g="0" b="0"/>
+        </a:effectRef>
+        <a:fontRef idx="minor"/>
+      </dsp:style>
+      <dsp:txBody>
+        <a:bodyPr spcFirstLastPara="0" vert="horz" wrap="square" lIns="118631" tIns="118631" rIns="118631" bIns="118631" numCol="1" spcCol="1270" anchor="ctr" anchorCtr="0">
+          <a:noAutofit/>
+        </a:bodyPr>
+        <a:lstStyle/>
+        <a:p>
+          <a:pPr marL="0" lvl="0" indent="0" algn="l" defTabSz="977900">
+            <a:lnSpc>
+              <a:spcPct val="90000"/>
+            </a:lnSpc>
+            <a:spcBef>
+              <a:spcPct val="0"/>
+            </a:spcBef>
+            <a:spcAft>
+              <a:spcPct val="35000"/>
+            </a:spcAft>
+            <a:buNone/>
+          </a:pPr>
+          <a:r>
+            <a:rPr lang="en-US" sz="2200" kern="1200"/>
+            <a:t>Psychological Well-Being</a:t>
+          </a:r>
+        </a:p>
+      </dsp:txBody>
+      <dsp:txXfrm>
+        <a:off x="1294662" y="4208264"/>
+        <a:ext cx="2743200" cy="1120919"/>
+      </dsp:txXfrm>
+    </dsp:sp>
+    <dsp:sp modelId="{917C1FB2-5245-4CA6-8480-23FB77A576FA}">
+      <dsp:nvSpPr>
+        <dsp:cNvPr id="0" name=""/>
+        <dsp:cNvSpPr/>
+      </dsp:nvSpPr>
+      <dsp:spPr>
+        <a:xfrm>
+          <a:off x="4037862" y="4208264"/>
+          <a:ext cx="2056872" cy="1120919"/>
+        </a:xfrm>
+        <a:prstGeom prst="rect">
+          <a:avLst/>
+        </a:prstGeom>
+        <a:noFill/>
+        <a:ln>
+          <a:noFill/>
+        </a:ln>
+        <a:effectLst/>
+      </dsp:spPr>
+      <dsp:style>
+        <a:lnRef idx="0">
+          <a:scrgbClr r="0" g="0" b="0"/>
+        </a:lnRef>
+        <a:fillRef idx="0">
+          <a:scrgbClr r="0" g="0" b="0"/>
+        </a:fillRef>
+        <a:effectRef idx="0">
+          <a:scrgbClr r="0" g="0" b="0"/>
+        </a:effectRef>
+        <a:fontRef idx="minor"/>
+      </dsp:style>
+      <dsp:txBody>
+        <a:bodyPr spcFirstLastPara="0" vert="horz" wrap="square" lIns="118631" tIns="118631" rIns="118631" bIns="118631" numCol="1" spcCol="1270" anchor="ctr" anchorCtr="0">
+          <a:noAutofit/>
+        </a:bodyPr>
+        <a:lstStyle/>
+        <a:p>
+          <a:pPr marL="0" lvl="0" indent="0" algn="l" defTabSz="488950">
+            <a:lnSpc>
+              <a:spcPct val="90000"/>
+            </a:lnSpc>
+            <a:spcBef>
+              <a:spcPct val="0"/>
+            </a:spcBef>
+            <a:spcAft>
+              <a:spcPct val="35000"/>
+            </a:spcAft>
+            <a:buNone/>
+          </a:pPr>
+          <a:r>
+            <a:rPr lang="en-US" sz="1100" kern="1200"/>
+            <a:t>Based on Ryff’s six components of psychological well-being</a:t>
+          </a:r>
+        </a:p>
+        <a:p>
+          <a:pPr marL="0" lvl="0" indent="0" algn="l" defTabSz="488950">
+            <a:lnSpc>
+              <a:spcPct val="90000"/>
+            </a:lnSpc>
+            <a:spcBef>
+              <a:spcPct val="0"/>
+            </a:spcBef>
+            <a:spcAft>
+              <a:spcPct val="35000"/>
+            </a:spcAft>
+            <a:buNone/>
+          </a:pPr>
+          <a:r>
+            <a:rPr lang="en-US" sz="1100" kern="1200"/>
+            <a:t>This measure alone is based on a ton of previous research, which could be an entire presentation in and of itself</a:t>
+          </a:r>
+        </a:p>
+      </dsp:txBody>
+      <dsp:txXfrm>
+        <a:off x="4037862" y="4208264"/>
+        <a:ext cx="2056872" cy="1120919"/>
+      </dsp:txXfrm>
+    </dsp:sp>
+  </dsp:spTree>
+</dsp:drawing>
+</file>
+
 <file path=ppt/diagrams/layout1.xml><?xml version="1.0" encoding="utf-8"?>
 <dgm:layoutDef xmlns:dgm="http://schemas.openxmlformats.org/drawingml/2006/diagram" xmlns:a="http://schemas.openxmlformats.org/drawingml/2006/main" uniqueId="urn:microsoft.com/office/officeart/2018/5/layout/IconCircleLabelList">
   <dgm:title val="Icon Circle Label List"/>
@@ -3873,6 +6424,300 @@
 </dgm:layoutDef>
 </file>
 
+<file path=ppt/diagrams/layout3.xml><?xml version="1.0" encoding="utf-8"?>
+<dgm:layoutDef xmlns:dgm="http://schemas.openxmlformats.org/drawingml/2006/diagram" xmlns:a="http://schemas.openxmlformats.org/drawingml/2006/main" uniqueId="urn:microsoft.com/office/officeart/2018/2/layout/IconVerticalSolidList">
+  <dgm:title val="Icon Vertical Solid List"/>
+  <dgm:desc val="Use to show a series of visuals from top to bottom with Level 1 or Level 1 and Level 2 text grouped in a shape. Works best with icons or small pictures with lengthier descriptions."/>
+  <dgm:catLst>
+    <dgm:cat type="icon" pri="500"/>
+  </dgm:catLst>
+  <dgm:sampData useDef="1">
+    <dgm:dataModel>
+      <dgm:ptLst/>
+      <dgm:bg/>
+      <dgm:whole/>
+    </dgm:dataModel>
+  </dgm:sampData>
+  <dgm:styleData useDef="1">
+    <dgm:dataModel>
+      <dgm:ptLst/>
+      <dgm:bg/>
+      <dgm:whole/>
+    </dgm:dataModel>
+  </dgm:styleData>
+  <dgm:clrData useDef="1">
+    <dgm:dataModel>
+      <dgm:ptLst/>
+      <dgm:bg/>
+      <dgm:whole/>
+    </dgm:dataModel>
+  </dgm:clrData>
+  <dgm:layoutNode name="root">
+    <dgm:varLst>
+      <dgm:dir/>
+      <dgm:resizeHandles val="exact"/>
+    </dgm:varLst>
+    <dgm:choose name="Name0">
+      <dgm:if name="Name1" axis="self" func="var" arg="dir" op="equ" val="norm">
+        <dgm:alg type="lin">
+          <dgm:param type="linDir" val="fromT"/>
+          <dgm:param type="nodeHorzAlign" val="l"/>
+        </dgm:alg>
+      </dgm:if>
+      <dgm:else name="Name2">
+        <dgm:alg type="lin">
+          <dgm:param type="linDir" val="fromT"/>
+          <dgm:param type="nodeHorzAlign" val="r"/>
+        </dgm:alg>
+      </dgm:else>
+    </dgm:choose>
+    <dgm:shape xmlns:r="http://schemas.openxmlformats.org/officeDocument/2006/relationships" r:blip="">
+      <dgm:adjLst/>
+    </dgm:shape>
+    <dgm:presOf/>
+    <dgm:choose name="Name3">
+      <dgm:if name="Name4" axis="ch" ptType="node" func="cnt" op="lte" val="3">
+        <dgm:constrLst>
+          <dgm:constr type="h" for="ch" forName="compNode" refType="h" fact="0.3"/>
+          <dgm:constr type="w" for="ch" forName="compNode" refType="w"/>
+          <dgm:constr type="h" for="ch" forName="sibTrans" refType="h" refFor="ch" refForName="compNode" fact="0.25"/>
+          <dgm:constr type="primFontSz" for="des" forName="parTx" val="25"/>
+          <dgm:constr type="primFontSz" for="des" forName="desTx" refType="primFontSz" refFor="des" refForName="parTx" op="lte" fact="0.75"/>
+          <dgm:constr type="h" for="des" forName="compNode" op="equ"/>
+          <dgm:constr type="h" for="des" forName="bgRect" op="equ"/>
+          <dgm:constr type="h" for="des" forName="iconRect" op="equ"/>
+          <dgm:constr type="w" for="des" forName="iconRect" op="equ"/>
+          <dgm:constr type="h" for="des" forName="spaceRect" op="equ"/>
+          <dgm:constr type="h" for="des" forName="parTx" op="equ"/>
+          <dgm:constr type="h" for="des" forName="desTx" op="equ"/>
+        </dgm:constrLst>
+      </dgm:if>
+      <dgm:if name="Name5" axis="ch" ptType="node" func="cnt" op="lte" val="4">
+        <dgm:constrLst>
+          <dgm:constr type="h" for="ch" forName="compNode" refType="h" fact="0.3"/>
+          <dgm:constr type="w" for="ch" forName="compNode" refType="w"/>
+          <dgm:constr type="h" for="ch" forName="sibTrans" refType="h" refFor="ch" refForName="compNode" fact="0.25"/>
+          <dgm:constr type="primFontSz" for="des" forName="parTx" val="22"/>
+          <dgm:constr type="primFontSz" for="des" forName="desTx" refType="primFontSz" refFor="des" refForName="parTx" op="lte" fact="0.75"/>
+          <dgm:constr type="h" for="des" forName="compNode" op="equ"/>
+          <dgm:constr type="h" for="des" forName="bgRect" op="equ"/>
+          <dgm:constr type="h" for="des" forName="iconRect" op="equ"/>
+          <dgm:constr type="w" for="des" forName="iconRect" op="equ"/>
+          <dgm:constr type="h" for="des" forName="spaceRect" op="equ"/>
+          <dgm:constr type="h" for="des" forName="parTx" op="equ"/>
+          <dgm:constr type="h" for="des" forName="desTx" op="equ"/>
+        </dgm:constrLst>
+      </dgm:if>
+      <dgm:if name="Name6" axis="ch" ptType="node" func="cnt" op="lte" val="6">
+        <dgm:constrLst>
+          <dgm:constr type="h" for="ch" forName="compNode" refType="h" fact="0.3"/>
+          <dgm:constr type="w" for="ch" forName="compNode" refType="w"/>
+          <dgm:constr type="h" for="ch" forName="sibTrans" refType="h" refFor="ch" refForName="compNode" fact="0.25"/>
+          <dgm:constr type="primFontSz" for="des" forName="parTx" val="19"/>
+          <dgm:constr type="primFontSz" for="des" forName="desTx" refType="primFontSz" refFor="des" refForName="parTx" op="lte" fact="0.75"/>
+          <dgm:constr type="h" for="des" forName="compNode" op="equ"/>
+          <dgm:constr type="h" for="des" forName="bgRect" op="equ"/>
+          <dgm:constr type="h" for="des" forName="iconRect" op="equ"/>
+          <dgm:constr type="w" for="des" forName="iconRect" op="equ"/>
+          <dgm:constr type="h" for="des" forName="spaceRect" op="equ"/>
+          <dgm:constr type="h" for="des" forName="parTx" op="equ"/>
+          <dgm:constr type="h" for="des" forName="desTx" op="equ"/>
+        </dgm:constrLst>
+      </dgm:if>
+      <dgm:else name="Name7">
+        <dgm:constrLst>
+          <dgm:constr type="h" for="ch" forName="compNode" refType="h" fact="0.3"/>
+          <dgm:constr type="w" for="ch" forName="compNode" refType="w"/>
+          <dgm:constr type="h" for="ch" forName="sibTrans" refType="h" refFor="ch" refForName="compNode" fact="0.25"/>
+          <dgm:constr type="primFontSz" for="des" forName="parTx" val="16"/>
+          <dgm:constr type="primFontSz" for="des" forName="desTx" refType="primFontSz" refFor="des" refForName="parTx" op="lte" fact="0.75"/>
+          <dgm:constr type="h" for="des" forName="compNode" op="equ"/>
+          <dgm:constr type="h" for="des" forName="bgRect" op="equ"/>
+          <dgm:constr type="h" for="des" forName="iconRect" op="equ"/>
+          <dgm:constr type="w" for="des" forName="iconRect" op="equ"/>
+          <dgm:constr type="h" for="des" forName="spaceRect" op="equ"/>
+          <dgm:constr type="h" for="des" forName="parTx" op="equ"/>
+          <dgm:constr type="h" for="des" forName="desTx" op="equ"/>
+        </dgm:constrLst>
+      </dgm:else>
+    </dgm:choose>
+    <dgm:ruleLst>
+      <dgm:rule type="h" for="ch" forName="compNode" val="0" fact="NaN" max="NaN"/>
+    </dgm:ruleLst>
+    <dgm:forEach name="Name8" axis="ch" ptType="node">
+      <dgm:layoutNode name="compNode">
+        <dgm:alg type="composite"/>
+        <dgm:shape xmlns:r="http://schemas.openxmlformats.org/officeDocument/2006/relationships" r:blip="">
+          <dgm:adjLst/>
+        </dgm:shape>
+        <dgm:presOf axis="self"/>
+        <dgm:choose name="Name9">
+          <dgm:if name="Name10" axis="ch" ptType="node" func="cnt" op="gte" val="1">
+            <dgm:constrLst>
+              <dgm:constr type="w" for="ch" forName="bgRect" refType="w"/>
+              <dgm:constr type="h" for="ch" forName="bgRect" refType="h"/>
+              <dgm:constr type="l" for="ch" forName="bgRect"/>
+              <dgm:constr type="t" for="ch" forName="bgRect"/>
+              <dgm:constr type="h" for="ch" forName="iconRect" refType="h" fact="0.55"/>
+              <dgm:constr type="w" for="ch" forName="iconRect" refType="h" refFor="ch" refForName="iconRect"/>
+              <dgm:constr type="l" for="ch" forName="iconRect" refType="h" refFor="ch" refForName="iconRect" fact="0.55"/>
+              <dgm:constr type="ctrY" for="ch" forName="iconRect" refType="ctrY" refFor="ch" refForName="bgRect"/>
+              <dgm:constr type="w" for="ch" forName="spaceRect" refType="l" refFor="ch" refForName="iconRect"/>
+              <dgm:constr type="h" for="ch" forName="spaceRect" refType="h"/>
+              <dgm:constr type="l" for="ch" forName="spaceRect" refType="r" refFor="ch" refForName="iconRect"/>
+              <dgm:constr type="t" for="ch" forName="spaceRect"/>
+              <dgm:constr type="w" for="ch" forName="parTx" refType="w" fact="0.45"/>
+              <dgm:constr type="h" for="ch" forName="parTx" refType="h"/>
+              <dgm:constr type="l" for="ch" forName="parTx" refType="r" refFor="ch" refForName="spaceRect"/>
+              <dgm:constr type="t" for="ch" forName="parTx"/>
+              <dgm:constr type="h" for="ch" forName="desTx" refType="h"/>
+              <dgm:constr type="l" for="ch" forName="desTx" refType="r" refFor="ch" refForName="parTx"/>
+              <dgm:constr type="t" for="ch" forName="desTx"/>
+            </dgm:constrLst>
+          </dgm:if>
+          <dgm:else name="Name11">
+            <dgm:constrLst>
+              <dgm:constr type="w" for="ch" forName="bgRect" refType="w"/>
+              <dgm:constr type="h" for="ch" forName="bgRect" refType="h"/>
+              <dgm:constr type="l" for="ch" forName="bgRect"/>
+              <dgm:constr type="t" for="ch" forName="bgRect"/>
+              <dgm:constr type="h" for="ch" forName="iconRect" refType="h" fact="0.55"/>
+              <dgm:constr type="w" for="ch" forName="iconRect" refType="h" refFor="ch" refForName="iconRect"/>
+              <dgm:constr type="l" for="ch" forName="iconRect" refType="h" refFor="ch" refForName="iconRect" fact="0.55"/>
+              <dgm:constr type="ctrY" for="ch" forName="iconRect" refType="ctrY" refFor="ch" refForName="bgRect"/>
+              <dgm:constr type="w" for="ch" forName="spaceRect" refType="l" refFor="ch" refForName="iconRect"/>
+              <dgm:constr type="h" for="ch" forName="spaceRect" refType="h"/>
+              <dgm:constr type="l" for="ch" forName="spaceRect" refType="r" refFor="ch" refForName="iconRect"/>
+              <dgm:constr type="t" for="ch" forName="spaceRect"/>
+              <dgm:constr type="h" for="ch" forName="parTx" refType="h"/>
+              <dgm:constr type="l" for="ch" forName="parTx" refType="r" refFor="ch" refForName="spaceRect"/>
+              <dgm:constr type="t" for="ch" forName="parTx"/>
+            </dgm:constrLst>
+          </dgm:else>
+        </dgm:choose>
+        <dgm:ruleLst>
+          <dgm:rule type="h" val="INF" fact="NaN" max="NaN"/>
+        </dgm:ruleLst>
+        <dgm:layoutNode name="bgRect" styleLbl="bgShp">
+          <dgm:alg type="sp"/>
+          <dgm:shape xmlns:r="http://schemas.openxmlformats.org/officeDocument/2006/relationships" type="roundRect" r:blip="">
+            <dgm:adjLst>
+              <dgm:adj idx="1" val="0.1"/>
+            </dgm:adjLst>
+          </dgm:shape>
+          <dgm:presOf/>
+          <dgm:constrLst/>
+          <dgm:ruleLst/>
+        </dgm:layoutNode>
+        <dgm:layoutNode name="iconRect" styleLbl="node1">
+          <dgm:alg type="sp"/>
+          <dgm:shape xmlns:r="http://schemas.openxmlformats.org/officeDocument/2006/relationships" type="rect" r:blip="" blipPhldr="1">
+            <dgm:adjLst/>
+          </dgm:shape>
+          <dgm:presOf/>
+          <dgm:constrLst/>
+          <dgm:ruleLst/>
+        </dgm:layoutNode>
+        <dgm:layoutNode name="spaceRect">
+          <dgm:alg type="sp"/>
+          <dgm:shape xmlns:r="http://schemas.openxmlformats.org/officeDocument/2006/relationships" r:blip="">
+            <dgm:adjLst/>
+          </dgm:shape>
+          <dgm:presOf/>
+          <dgm:constrLst/>
+          <dgm:ruleLst/>
+        </dgm:layoutNode>
+        <dgm:layoutNode name="parTx" styleLbl="revTx">
+          <dgm:varLst>
+            <dgm:chMax val="0"/>
+            <dgm:chPref val="0"/>
+          </dgm:varLst>
+          <dgm:alg type="tx">
+            <dgm:param type="txAnchorVert" val="mid"/>
+            <dgm:param type="parTxLTRAlign" val="l"/>
+            <dgm:param type="shpTxLTRAlignCh" val="l"/>
+            <dgm:param type="parTxRTLAlign" val="r"/>
+            <dgm:param type="shpTxRTLAlignCh" val="r"/>
+          </dgm:alg>
+          <dgm:shape xmlns:r="http://schemas.openxmlformats.org/officeDocument/2006/relationships" type="rect" r:blip="">
+            <dgm:adjLst/>
+          </dgm:shape>
+          <dgm:presOf axis="self" ptType="node"/>
+          <dgm:constrLst>
+            <dgm:constr type="lMarg" refType="h" fact="0.3"/>
+            <dgm:constr type="rMarg" refType="h" fact="0.3"/>
+            <dgm:constr type="tMarg" refType="h" fact="0.3"/>
+            <dgm:constr type="bMarg" refType="h" fact="0.3"/>
+          </dgm:constrLst>
+          <dgm:ruleLst>
+            <dgm:rule type="primFontSz" val="14" fact="NaN" max="NaN"/>
+            <dgm:rule type="h" val="INF" fact="NaN" max="NaN"/>
+          </dgm:ruleLst>
+        </dgm:layoutNode>
+        <dgm:choose name="Name12">
+          <dgm:if name="Name13" axis="ch" ptType="node" func="cnt" op="gte" val="1">
+            <dgm:layoutNode name="desTx" styleLbl="revTx">
+              <dgm:varLst/>
+              <dgm:alg type="tx">
+                <dgm:param type="txAnchorVertCh" val="mid"/>
+                <dgm:param type="parTxLTRAlign" val="l"/>
+                <dgm:param type="shpTxLTRAlignCh" val="l"/>
+                <dgm:param type="parTxRTLAlign" val="r"/>
+                <dgm:param type="shpTxRTLAlignCh" val="r"/>
+                <dgm:param type="stBulletLvl" val="0"/>
+              </dgm:alg>
+              <dgm:shape xmlns:r="http://schemas.openxmlformats.org/officeDocument/2006/relationships" type="rect" r:blip="">
+                <dgm:adjLst/>
+              </dgm:shape>
+              <dgm:presOf axis="des" ptType="node"/>
+              <dgm:constrLst>
+                <dgm:constr type="primFontSz" val="18"/>
+                <dgm:constr type="secFontSz" refType="primFontSz"/>
+                <dgm:constr type="lMarg" refType="h" fact="0.3"/>
+                <dgm:constr type="rMarg" refType="h" fact="0.3"/>
+                <dgm:constr type="tMarg" refType="h" fact="0.3"/>
+                <dgm:constr type="bMarg" refType="h" fact="0.3"/>
+              </dgm:constrLst>
+              <dgm:ruleLst>
+                <dgm:rule type="primFontSz" val="11" fact="NaN" max="NaN"/>
+              </dgm:ruleLst>
+            </dgm:layoutNode>
+          </dgm:if>
+          <dgm:else name="Name14"/>
+        </dgm:choose>
+      </dgm:layoutNode>
+      <dgm:forEach name="Name15" axis="followSib" ptType="sibTrans" cnt="1">
+        <dgm:layoutNode name="sibTrans">
+          <dgm:alg type="sp"/>
+          <dgm:shape xmlns:r="http://schemas.openxmlformats.org/officeDocument/2006/relationships" r:blip="">
+            <dgm:adjLst/>
+          </dgm:shape>
+          <dgm:presOf axis="self"/>
+          <dgm:constrLst/>
+          <dgm:ruleLst/>
+        </dgm:layoutNode>
+      </dgm:forEach>
+    </dgm:forEach>
+  </dgm:layoutNode>
+  <dgm:extLst>
+    <a:ext uri="{68A01E43-0DF5-4B5B-8FA6-DAF915123BFB}">
+      <dgm1612:lstStyle xmlns:dgm1612="http://schemas.microsoft.com/office/drawing/2016/12/diagram">
+        <a:lvl1pPr>
+          <a:lnSpc>
+            <a:spcPct val="100000"/>
+          </a:lnSpc>
+        </a:lvl1pPr>
+        <a:lvl2pPr>
+          <a:lnSpc>
+            <a:spcPct val="100000"/>
+          </a:lnSpc>
+        </a:lvl2pPr>
+      </dgm1612:lstStyle>
+    </a:ext>
+  </dgm:extLst>
+</dgm:layoutDef>
+</file>
+
 <file path=ppt/diagrams/quickStyle1.xml><?xml version="1.0" encoding="utf-8"?>
 <dgm:styleDef xmlns:dgm="http://schemas.openxmlformats.org/drawingml/2006/diagram" xmlns:a="http://schemas.openxmlformats.org/drawingml/2006/main" uniqueId="urn:microsoft.com/office/officeart/2005/8/quickstyle/simple1">
   <dgm:title val=""/>
@@ -4908,6 +7753,1040 @@
 </file>
 
 <file path=ppt/diagrams/quickStyle2.xml><?xml version="1.0" encoding="utf-8"?>
+<dgm:styleDef xmlns:dgm="http://schemas.openxmlformats.org/drawingml/2006/diagram" xmlns:a="http://schemas.openxmlformats.org/drawingml/2006/main" uniqueId="urn:microsoft.com/office/officeart/2005/8/quickstyle/simple1">
+  <dgm:title val=""/>
+  <dgm:desc val=""/>
+  <dgm:catLst>
+    <dgm:cat type="simple" pri="10100"/>
+  </dgm:catLst>
+  <dgm:scene3d>
+    <a:camera prst="orthographicFront"/>
+    <a:lightRig rig="threePt" dir="t"/>
+  </dgm:scene3d>
+  <dgm:styleLbl name="node0">
+    <dgm:scene3d>
+      <a:camera prst="orthographicFront"/>
+      <a:lightRig rig="threePt" dir="t"/>
+    </dgm:scene3d>
+    <dgm:sp3d/>
+    <dgm:txPr/>
+    <dgm:style>
+      <a:lnRef idx="2">
+        <a:scrgbClr r="0" g="0" b="0"/>
+      </a:lnRef>
+      <a:fillRef idx="1">
+        <a:scrgbClr r="0" g="0" b="0"/>
+      </a:fillRef>
+      <a:effectRef idx="0">
+        <a:scrgbClr r="0" g="0" b="0"/>
+      </a:effectRef>
+      <a:fontRef idx="minor">
+        <a:schemeClr val="lt1"/>
+      </a:fontRef>
+    </dgm:style>
+  </dgm:styleLbl>
+  <dgm:styleLbl name="lnNode1">
+    <dgm:scene3d>
+      <a:camera prst="orthographicFront"/>
+      <a:lightRig rig="threePt" dir="t"/>
+    </dgm:scene3d>
+    <dgm:sp3d/>
+    <dgm:txPr/>
+    <dgm:style>
+      <a:lnRef idx="2">
+        <a:scrgbClr r="0" g="0" b="0"/>
+      </a:lnRef>
+      <a:fillRef idx="1">
+        <a:scrgbClr r="0" g="0" b="0"/>
+      </a:fillRef>
+      <a:effectRef idx="0">
+        <a:scrgbClr r="0" g="0" b="0"/>
+      </a:effectRef>
+      <a:fontRef idx="minor">
+        <a:schemeClr val="lt1"/>
+      </a:fontRef>
+    </dgm:style>
+  </dgm:styleLbl>
+  <dgm:styleLbl name="vennNode1">
+    <dgm:scene3d>
+      <a:camera prst="orthographicFront"/>
+      <a:lightRig rig="threePt" dir="t"/>
+    </dgm:scene3d>
+    <dgm:sp3d/>
+    <dgm:txPr/>
+    <dgm:style>
+      <a:lnRef idx="2">
+        <a:scrgbClr r="0" g="0" b="0"/>
+      </a:lnRef>
+      <a:fillRef idx="1">
+        <a:scrgbClr r="0" g="0" b="0"/>
+      </a:fillRef>
+      <a:effectRef idx="0">
+        <a:scrgbClr r="0" g="0" b="0"/>
+      </a:effectRef>
+      <a:fontRef idx="minor">
+        <a:schemeClr val="tx1"/>
+      </a:fontRef>
+    </dgm:style>
+  </dgm:styleLbl>
+  <dgm:styleLbl name="alignNode1">
+    <dgm:scene3d>
+      <a:camera prst="orthographicFront"/>
+      <a:lightRig rig="threePt" dir="t"/>
+    </dgm:scene3d>
+    <dgm:sp3d/>
+    <dgm:txPr/>
+    <dgm:style>
+      <a:lnRef idx="2">
+        <a:scrgbClr r="0" g="0" b="0"/>
+      </a:lnRef>
+      <a:fillRef idx="1">
+        <a:scrgbClr r="0" g="0" b="0"/>
+      </a:fillRef>
+      <a:effectRef idx="0">
+        <a:scrgbClr r="0" g="0" b="0"/>
+      </a:effectRef>
+      <a:fontRef idx="minor">
+        <a:schemeClr val="lt1"/>
+      </a:fontRef>
+    </dgm:style>
+  </dgm:styleLbl>
+  <dgm:styleLbl name="node1">
+    <dgm:scene3d>
+      <a:camera prst="orthographicFront"/>
+      <a:lightRig rig="threePt" dir="t"/>
+    </dgm:scene3d>
+    <dgm:sp3d/>
+    <dgm:txPr/>
+    <dgm:style>
+      <a:lnRef idx="2">
+        <a:scrgbClr r="0" g="0" b="0"/>
+      </a:lnRef>
+      <a:fillRef idx="1">
+        <a:scrgbClr r="0" g="0" b="0"/>
+      </a:fillRef>
+      <a:effectRef idx="0">
+        <a:scrgbClr r="0" g="0" b="0"/>
+      </a:effectRef>
+      <a:fontRef idx="minor">
+        <a:schemeClr val="lt1"/>
+      </a:fontRef>
+    </dgm:style>
+  </dgm:styleLbl>
+  <dgm:styleLbl name="node2">
+    <dgm:scene3d>
+      <a:camera prst="orthographicFront"/>
+      <a:lightRig rig="threePt" dir="t"/>
+    </dgm:scene3d>
+    <dgm:sp3d/>
+    <dgm:txPr/>
+    <dgm:style>
+      <a:lnRef idx="2">
+        <a:scrgbClr r="0" g="0" b="0"/>
+      </a:lnRef>
+      <a:fillRef idx="1">
+        <a:scrgbClr r="0" g="0" b="0"/>
+      </a:fillRef>
+      <a:effectRef idx="0">
+        <a:scrgbClr r="0" g="0" b="0"/>
+      </a:effectRef>
+      <a:fontRef idx="minor">
+        <a:schemeClr val="lt1"/>
+      </a:fontRef>
+    </dgm:style>
+  </dgm:styleLbl>
+  <dgm:styleLbl name="node3">
+    <dgm:scene3d>
+      <a:camera prst="orthographicFront"/>
+      <a:lightRig rig="threePt" dir="t"/>
+    </dgm:scene3d>
+    <dgm:sp3d/>
+    <dgm:txPr/>
+    <dgm:style>
+      <a:lnRef idx="2">
+        <a:scrgbClr r="0" g="0" b="0"/>
+      </a:lnRef>
+      <a:fillRef idx="1">
+        <a:scrgbClr r="0" g="0" b="0"/>
+      </a:fillRef>
+      <a:effectRef idx="0">
+        <a:scrgbClr r="0" g="0" b="0"/>
+      </a:effectRef>
+      <a:fontRef idx="minor">
+        <a:schemeClr val="lt1"/>
+      </a:fontRef>
+    </dgm:style>
+  </dgm:styleLbl>
+  <dgm:styleLbl name="node4">
+    <dgm:scene3d>
+      <a:camera prst="orthographicFront"/>
+      <a:lightRig rig="threePt" dir="t"/>
+    </dgm:scene3d>
+    <dgm:sp3d/>
+    <dgm:txPr/>
+    <dgm:style>
+      <a:lnRef idx="2">
+        <a:scrgbClr r="0" g="0" b="0"/>
+      </a:lnRef>
+      <a:fillRef idx="1">
+        <a:scrgbClr r="0" g="0" b="0"/>
+      </a:fillRef>
+      <a:effectRef idx="0">
+        <a:scrgbClr r="0" g="0" b="0"/>
+      </a:effectRef>
+      <a:fontRef idx="minor">
+        <a:schemeClr val="lt1"/>
+      </a:fontRef>
+    </dgm:style>
+  </dgm:styleLbl>
+  <dgm:styleLbl name="fgImgPlace1">
+    <dgm:scene3d>
+      <a:camera prst="orthographicFront"/>
+      <a:lightRig rig="threePt" dir="t"/>
+    </dgm:scene3d>
+    <dgm:sp3d/>
+    <dgm:txPr/>
+    <dgm:style>
+      <a:lnRef idx="2">
+        <a:scrgbClr r="0" g="0" b="0"/>
+      </a:lnRef>
+      <a:fillRef idx="1">
+        <a:scrgbClr r="0" g="0" b="0"/>
+      </a:fillRef>
+      <a:effectRef idx="0">
+        <a:scrgbClr r="0" g="0" b="0"/>
+      </a:effectRef>
+      <a:fontRef idx="minor"/>
+    </dgm:style>
+  </dgm:styleLbl>
+  <dgm:styleLbl name="alignImgPlace1">
+    <dgm:scene3d>
+      <a:camera prst="orthographicFront"/>
+      <a:lightRig rig="threePt" dir="t"/>
+    </dgm:scene3d>
+    <dgm:sp3d/>
+    <dgm:txPr/>
+    <dgm:style>
+      <a:lnRef idx="2">
+        <a:scrgbClr r="0" g="0" b="0"/>
+      </a:lnRef>
+      <a:fillRef idx="1">
+        <a:scrgbClr r="0" g="0" b="0"/>
+      </a:fillRef>
+      <a:effectRef idx="0">
+        <a:scrgbClr r="0" g="0" b="0"/>
+      </a:effectRef>
+      <a:fontRef idx="minor"/>
+    </dgm:style>
+  </dgm:styleLbl>
+  <dgm:styleLbl name="bgImgPlace1">
+    <dgm:scene3d>
+      <a:camera prst="orthographicFront"/>
+      <a:lightRig rig="threePt" dir="t"/>
+    </dgm:scene3d>
+    <dgm:sp3d/>
+    <dgm:txPr/>
+    <dgm:style>
+      <a:lnRef idx="2">
+        <a:scrgbClr r="0" g="0" b="0"/>
+      </a:lnRef>
+      <a:fillRef idx="1">
+        <a:scrgbClr r="0" g="0" b="0"/>
+      </a:fillRef>
+      <a:effectRef idx="0">
+        <a:scrgbClr r="0" g="0" b="0"/>
+      </a:effectRef>
+      <a:fontRef idx="minor"/>
+    </dgm:style>
+  </dgm:styleLbl>
+  <dgm:styleLbl name="sibTrans2D1">
+    <dgm:scene3d>
+      <a:camera prst="orthographicFront"/>
+      <a:lightRig rig="threePt" dir="t"/>
+    </dgm:scene3d>
+    <dgm:sp3d/>
+    <dgm:txPr/>
+    <dgm:style>
+      <a:lnRef idx="0">
+        <a:scrgbClr r="0" g="0" b="0"/>
+      </a:lnRef>
+      <a:fillRef idx="1">
+        <a:scrgbClr r="0" g="0" b="0"/>
+      </a:fillRef>
+      <a:effectRef idx="0">
+        <a:scrgbClr r="0" g="0" b="0"/>
+      </a:effectRef>
+      <a:fontRef idx="minor">
+        <a:schemeClr val="lt1"/>
+      </a:fontRef>
+    </dgm:style>
+  </dgm:styleLbl>
+  <dgm:styleLbl name="fgSibTrans2D1">
+    <dgm:scene3d>
+      <a:camera prst="orthographicFront"/>
+      <a:lightRig rig="threePt" dir="t"/>
+    </dgm:scene3d>
+    <dgm:sp3d/>
+    <dgm:txPr/>
+    <dgm:style>
+      <a:lnRef idx="0">
+        <a:scrgbClr r="0" g="0" b="0"/>
+      </a:lnRef>
+      <a:fillRef idx="1">
+        <a:scrgbClr r="0" g="0" b="0"/>
+      </a:fillRef>
+      <a:effectRef idx="0">
+        <a:scrgbClr r="0" g="0" b="0"/>
+      </a:effectRef>
+      <a:fontRef idx="minor">
+        <a:schemeClr val="lt1"/>
+      </a:fontRef>
+    </dgm:style>
+  </dgm:styleLbl>
+  <dgm:styleLbl name="bgSibTrans2D1">
+    <dgm:scene3d>
+      <a:camera prst="orthographicFront"/>
+      <a:lightRig rig="threePt" dir="t"/>
+    </dgm:scene3d>
+    <dgm:sp3d/>
+    <dgm:txPr/>
+    <dgm:style>
+      <a:lnRef idx="0">
+        <a:scrgbClr r="0" g="0" b="0"/>
+      </a:lnRef>
+      <a:fillRef idx="1">
+        <a:scrgbClr r="0" g="0" b="0"/>
+      </a:fillRef>
+      <a:effectRef idx="0">
+        <a:scrgbClr r="0" g="0" b="0"/>
+      </a:effectRef>
+      <a:fontRef idx="minor">
+        <a:schemeClr val="lt1"/>
+      </a:fontRef>
+    </dgm:style>
+  </dgm:styleLbl>
+  <dgm:styleLbl name="sibTrans1D1">
+    <dgm:scene3d>
+      <a:camera prst="orthographicFront"/>
+      <a:lightRig rig="threePt" dir="t"/>
+    </dgm:scene3d>
+    <dgm:sp3d/>
+    <dgm:txPr/>
+    <dgm:style>
+      <a:lnRef idx="1">
+        <a:scrgbClr r="0" g="0" b="0"/>
+      </a:lnRef>
+      <a:fillRef idx="0">
+        <a:scrgbClr r="0" g="0" b="0"/>
+      </a:fillRef>
+      <a:effectRef idx="0">
+        <a:scrgbClr r="0" g="0" b="0"/>
+      </a:effectRef>
+      <a:fontRef idx="minor"/>
+    </dgm:style>
+  </dgm:styleLbl>
+  <dgm:styleLbl name="callout">
+    <dgm:scene3d>
+      <a:camera prst="orthographicFront"/>
+      <a:lightRig rig="threePt" dir="t"/>
+    </dgm:scene3d>
+    <dgm:sp3d/>
+    <dgm:txPr/>
+    <dgm:style>
+      <a:lnRef idx="2">
+        <a:scrgbClr r="0" g="0" b="0"/>
+      </a:lnRef>
+      <a:fillRef idx="1">
+        <a:scrgbClr r="0" g="0" b="0"/>
+      </a:fillRef>
+      <a:effectRef idx="0">
+        <a:scrgbClr r="0" g="0" b="0"/>
+      </a:effectRef>
+      <a:fontRef idx="minor"/>
+    </dgm:style>
+  </dgm:styleLbl>
+  <dgm:styleLbl name="asst0">
+    <dgm:scene3d>
+      <a:camera prst="orthographicFront"/>
+      <a:lightRig rig="threePt" dir="t"/>
+    </dgm:scene3d>
+    <dgm:sp3d/>
+    <dgm:txPr/>
+    <dgm:style>
+      <a:lnRef idx="2">
+        <a:scrgbClr r="0" g="0" b="0"/>
+      </a:lnRef>
+      <a:fillRef idx="1">
+        <a:scrgbClr r="0" g="0" b="0"/>
+      </a:fillRef>
+      <a:effectRef idx="0">
+        <a:scrgbClr r="0" g="0" b="0"/>
+      </a:effectRef>
+      <a:fontRef idx="minor">
+        <a:schemeClr val="lt1"/>
+      </a:fontRef>
+    </dgm:style>
+  </dgm:styleLbl>
+  <dgm:styleLbl name="asst1">
+    <dgm:scene3d>
+      <a:camera prst="orthographicFront"/>
+      <a:lightRig rig="threePt" dir="t"/>
+    </dgm:scene3d>
+    <dgm:sp3d/>
+    <dgm:txPr/>
+    <dgm:style>
+      <a:lnRef idx="2">
+        <a:scrgbClr r="0" g="0" b="0"/>
+      </a:lnRef>
+      <a:fillRef idx="1">
+        <a:scrgbClr r="0" g="0" b="0"/>
+      </a:fillRef>
+      <a:effectRef idx="0">
+        <a:scrgbClr r="0" g="0" b="0"/>
+      </a:effectRef>
+      <a:fontRef idx="minor">
+        <a:schemeClr val="lt1"/>
+      </a:fontRef>
+    </dgm:style>
+  </dgm:styleLbl>
+  <dgm:styleLbl name="asst2">
+    <dgm:scene3d>
+      <a:camera prst="orthographicFront"/>
+      <a:lightRig rig="threePt" dir="t"/>
+    </dgm:scene3d>
+    <dgm:sp3d/>
+    <dgm:txPr/>
+    <dgm:style>
+      <a:lnRef idx="2">
+        <a:scrgbClr r="0" g="0" b="0"/>
+      </a:lnRef>
+      <a:fillRef idx="1">
+        <a:scrgbClr r="0" g="0" b="0"/>
+      </a:fillRef>
+      <a:effectRef idx="0">
+        <a:scrgbClr r="0" g="0" b="0"/>
+      </a:effectRef>
+      <a:fontRef idx="minor">
+        <a:schemeClr val="lt1"/>
+      </a:fontRef>
+    </dgm:style>
+  </dgm:styleLbl>
+  <dgm:styleLbl name="asst3">
+    <dgm:scene3d>
+      <a:camera prst="orthographicFront"/>
+      <a:lightRig rig="threePt" dir="t"/>
+    </dgm:scene3d>
+    <dgm:sp3d/>
+    <dgm:txPr/>
+    <dgm:style>
+      <a:lnRef idx="2">
+        <a:scrgbClr r="0" g="0" b="0"/>
+      </a:lnRef>
+      <a:fillRef idx="1">
+        <a:scrgbClr r="0" g="0" b="0"/>
+      </a:fillRef>
+      <a:effectRef idx="0">
+        <a:scrgbClr r="0" g="0" b="0"/>
+      </a:effectRef>
+      <a:fontRef idx="minor">
+        <a:schemeClr val="lt1"/>
+      </a:fontRef>
+    </dgm:style>
+  </dgm:styleLbl>
+  <dgm:styleLbl name="asst4">
+    <dgm:scene3d>
+      <a:camera prst="orthographicFront"/>
+      <a:lightRig rig="threePt" dir="t"/>
+    </dgm:scene3d>
+    <dgm:sp3d/>
+    <dgm:txPr/>
+    <dgm:style>
+      <a:lnRef idx="2">
+        <a:scrgbClr r="0" g="0" b="0"/>
+      </a:lnRef>
+      <a:fillRef idx="1">
+        <a:scrgbClr r="0" g="0" b="0"/>
+      </a:fillRef>
+      <a:effectRef idx="0">
+        <a:scrgbClr r="0" g="0" b="0"/>
+      </a:effectRef>
+      <a:fontRef idx="minor">
+        <a:schemeClr val="lt1"/>
+      </a:fontRef>
+    </dgm:style>
+  </dgm:styleLbl>
+  <dgm:styleLbl name="parChTrans2D1">
+    <dgm:scene3d>
+      <a:camera prst="orthographicFront"/>
+      <a:lightRig rig="threePt" dir="t"/>
+    </dgm:scene3d>
+    <dgm:sp3d/>
+    <dgm:txPr/>
+    <dgm:style>
+      <a:lnRef idx="2">
+        <a:scrgbClr r="0" g="0" b="0"/>
+      </a:lnRef>
+      <a:fillRef idx="1">
+        <a:scrgbClr r="0" g="0" b="0"/>
+      </a:fillRef>
+      <a:effectRef idx="0">
+        <a:scrgbClr r="0" g="0" b="0"/>
+      </a:effectRef>
+      <a:fontRef idx="minor">
+        <a:schemeClr val="lt1"/>
+      </a:fontRef>
+    </dgm:style>
+  </dgm:styleLbl>
+  <dgm:styleLbl name="parChTrans2D2">
+    <dgm:scene3d>
+      <a:camera prst="orthographicFront"/>
+      <a:lightRig rig="threePt" dir="t"/>
+    </dgm:scene3d>
+    <dgm:sp3d/>
+    <dgm:txPr/>
+    <dgm:style>
+      <a:lnRef idx="2">
+        <a:scrgbClr r="0" g="0" b="0"/>
+      </a:lnRef>
+      <a:fillRef idx="1">
+        <a:scrgbClr r="0" g="0" b="0"/>
+      </a:fillRef>
+      <a:effectRef idx="0">
+        <a:scrgbClr r="0" g="0" b="0"/>
+      </a:effectRef>
+      <a:fontRef idx="minor">
+        <a:schemeClr val="lt1"/>
+      </a:fontRef>
+    </dgm:style>
+  </dgm:styleLbl>
+  <dgm:styleLbl name="parChTrans2D3">
+    <dgm:scene3d>
+      <a:camera prst="orthographicFront"/>
+      <a:lightRig rig="threePt" dir="t"/>
+    </dgm:scene3d>
+    <dgm:sp3d/>
+    <dgm:txPr/>
+    <dgm:style>
+      <a:lnRef idx="2">
+        <a:scrgbClr r="0" g="0" b="0"/>
+      </a:lnRef>
+      <a:fillRef idx="1">
+        <a:scrgbClr r="0" g="0" b="0"/>
+      </a:fillRef>
+      <a:effectRef idx="0">
+        <a:scrgbClr r="0" g="0" b="0"/>
+      </a:effectRef>
+      <a:fontRef idx="minor">
+        <a:schemeClr val="lt1"/>
+      </a:fontRef>
+    </dgm:style>
+  </dgm:styleLbl>
+  <dgm:styleLbl name="parChTrans2D4">
+    <dgm:scene3d>
+      <a:camera prst="orthographicFront"/>
+      <a:lightRig rig="threePt" dir="t"/>
+    </dgm:scene3d>
+    <dgm:sp3d/>
+    <dgm:txPr/>
+    <dgm:style>
+      <a:lnRef idx="2">
+        <a:scrgbClr r="0" g="0" b="0"/>
+      </a:lnRef>
+      <a:fillRef idx="1">
+        <a:scrgbClr r="0" g="0" b="0"/>
+      </a:fillRef>
+      <a:effectRef idx="0">
+        <a:scrgbClr r="0" g="0" b="0"/>
+      </a:effectRef>
+      <a:fontRef idx="minor">
+        <a:schemeClr val="lt1"/>
+      </a:fontRef>
+    </dgm:style>
+  </dgm:styleLbl>
+  <dgm:styleLbl name="parChTrans1D1">
+    <dgm:scene3d>
+      <a:camera prst="orthographicFront"/>
+      <a:lightRig rig="threePt" dir="t"/>
+    </dgm:scene3d>
+    <dgm:sp3d/>
+    <dgm:txPr/>
+    <dgm:style>
+      <a:lnRef idx="2">
+        <a:scrgbClr r="0" g="0" b="0"/>
+      </a:lnRef>
+      <a:fillRef idx="0">
+        <a:scrgbClr r="0" g="0" b="0"/>
+      </a:fillRef>
+      <a:effectRef idx="0">
+        <a:scrgbClr r="0" g="0" b="0"/>
+      </a:effectRef>
+      <a:fontRef idx="minor"/>
+    </dgm:style>
+  </dgm:styleLbl>
+  <dgm:styleLbl name="parChTrans1D2">
+    <dgm:scene3d>
+      <a:camera prst="orthographicFront"/>
+      <a:lightRig rig="threePt" dir="t"/>
+    </dgm:scene3d>
+    <dgm:sp3d/>
+    <dgm:txPr/>
+    <dgm:style>
+      <a:lnRef idx="2">
+        <a:scrgbClr r="0" g="0" b="0"/>
+      </a:lnRef>
+      <a:fillRef idx="0">
+        <a:scrgbClr r="0" g="0" b="0"/>
+      </a:fillRef>
+      <a:effectRef idx="0">
+        <a:scrgbClr r="0" g="0" b="0"/>
+      </a:effectRef>
+      <a:fontRef idx="minor"/>
+    </dgm:style>
+  </dgm:styleLbl>
+  <dgm:styleLbl name="parChTrans1D3">
+    <dgm:scene3d>
+      <a:camera prst="orthographicFront"/>
+      <a:lightRig rig="threePt" dir="t"/>
+    </dgm:scene3d>
+    <dgm:sp3d/>
+    <dgm:txPr/>
+    <dgm:style>
+      <a:lnRef idx="2">
+        <a:scrgbClr r="0" g="0" b="0"/>
+      </a:lnRef>
+      <a:fillRef idx="0">
+        <a:scrgbClr r="0" g="0" b="0"/>
+      </a:fillRef>
+      <a:effectRef idx="0">
+        <a:scrgbClr r="0" g="0" b="0"/>
+      </a:effectRef>
+      <a:fontRef idx="minor"/>
+    </dgm:style>
+  </dgm:styleLbl>
+  <dgm:styleLbl name="parChTrans1D4">
+    <dgm:scene3d>
+      <a:camera prst="orthographicFront"/>
+      <a:lightRig rig="threePt" dir="t"/>
+    </dgm:scene3d>
+    <dgm:sp3d/>
+    <dgm:txPr/>
+    <dgm:style>
+      <a:lnRef idx="2">
+        <a:scrgbClr r="0" g="0" b="0"/>
+      </a:lnRef>
+      <a:fillRef idx="0">
+        <a:scrgbClr r="0" g="0" b="0"/>
+      </a:fillRef>
+      <a:effectRef idx="0">
+        <a:scrgbClr r="0" g="0" b="0"/>
+      </a:effectRef>
+      <a:fontRef idx="minor"/>
+    </dgm:style>
+  </dgm:styleLbl>
+  <dgm:styleLbl name="fgAcc1">
+    <dgm:scene3d>
+      <a:camera prst="orthographicFront"/>
+      <a:lightRig rig="threePt" dir="t"/>
+    </dgm:scene3d>
+    <dgm:sp3d/>
+    <dgm:txPr/>
+    <dgm:style>
+      <a:lnRef idx="2">
+        <a:scrgbClr r="0" g="0" b="0"/>
+      </a:lnRef>
+      <a:fillRef idx="1">
+        <a:scrgbClr r="0" g="0" b="0"/>
+      </a:fillRef>
+      <a:effectRef idx="0">
+        <a:scrgbClr r="0" g="0" b="0"/>
+      </a:effectRef>
+      <a:fontRef idx="minor"/>
+    </dgm:style>
+  </dgm:styleLbl>
+  <dgm:styleLbl name="conFgAcc1">
+    <dgm:scene3d>
+      <a:camera prst="orthographicFront"/>
+      <a:lightRig rig="threePt" dir="t"/>
+    </dgm:scene3d>
+    <dgm:sp3d/>
+    <dgm:txPr/>
+    <dgm:style>
+      <a:lnRef idx="2">
+        <a:scrgbClr r="0" g="0" b="0"/>
+      </a:lnRef>
+      <a:fillRef idx="1">
+        <a:scrgbClr r="0" g="0" b="0"/>
+      </a:fillRef>
+      <a:effectRef idx="0">
+        <a:scrgbClr r="0" g="0" b="0"/>
+      </a:effectRef>
+      <a:fontRef idx="minor"/>
+    </dgm:style>
+  </dgm:styleLbl>
+  <dgm:styleLbl name="alignAcc1">
+    <dgm:scene3d>
+      <a:camera prst="orthographicFront"/>
+      <a:lightRig rig="threePt" dir="t"/>
+    </dgm:scene3d>
+    <dgm:sp3d/>
+    <dgm:txPr/>
+    <dgm:style>
+      <a:lnRef idx="2">
+        <a:scrgbClr r="0" g="0" b="0"/>
+      </a:lnRef>
+      <a:fillRef idx="1">
+        <a:scrgbClr r="0" g="0" b="0"/>
+      </a:fillRef>
+      <a:effectRef idx="0">
+        <a:scrgbClr r="0" g="0" b="0"/>
+      </a:effectRef>
+      <a:fontRef idx="minor"/>
+    </dgm:style>
+  </dgm:styleLbl>
+  <dgm:styleLbl name="trAlignAcc1">
+    <dgm:scene3d>
+      <a:camera prst="orthographicFront"/>
+      <a:lightRig rig="threePt" dir="t"/>
+    </dgm:scene3d>
+    <dgm:sp3d/>
+    <dgm:txPr/>
+    <dgm:style>
+      <a:lnRef idx="1">
+        <a:scrgbClr r="0" g="0" b="0"/>
+      </a:lnRef>
+      <a:fillRef idx="1">
+        <a:scrgbClr r="0" g="0" b="0"/>
+      </a:fillRef>
+      <a:effectRef idx="0">
+        <a:scrgbClr r="0" g="0" b="0"/>
+      </a:effectRef>
+      <a:fontRef idx="minor"/>
+    </dgm:style>
+  </dgm:styleLbl>
+  <dgm:styleLbl name="bgAcc1">
+    <dgm:scene3d>
+      <a:camera prst="orthographicFront"/>
+      <a:lightRig rig="threePt" dir="t"/>
+    </dgm:scene3d>
+    <dgm:sp3d/>
+    <dgm:txPr/>
+    <dgm:style>
+      <a:lnRef idx="2">
+        <a:scrgbClr r="0" g="0" b="0"/>
+      </a:lnRef>
+      <a:fillRef idx="1">
+        <a:scrgbClr r="0" g="0" b="0"/>
+      </a:fillRef>
+      <a:effectRef idx="0">
+        <a:scrgbClr r="0" g="0" b="0"/>
+      </a:effectRef>
+      <a:fontRef idx="minor"/>
+    </dgm:style>
+  </dgm:styleLbl>
+  <dgm:styleLbl name="solidFgAcc1">
+    <dgm:scene3d>
+      <a:camera prst="orthographicFront"/>
+      <a:lightRig rig="threePt" dir="t"/>
+    </dgm:scene3d>
+    <dgm:sp3d/>
+    <dgm:txPr/>
+    <dgm:style>
+      <a:lnRef idx="2">
+        <a:scrgbClr r="0" g="0" b="0"/>
+      </a:lnRef>
+      <a:fillRef idx="1">
+        <a:scrgbClr r="0" g="0" b="0"/>
+      </a:fillRef>
+      <a:effectRef idx="0">
+        <a:scrgbClr r="0" g="0" b="0"/>
+      </a:effectRef>
+      <a:fontRef idx="minor"/>
+    </dgm:style>
+  </dgm:styleLbl>
+  <dgm:styleLbl name="solidAlignAcc1">
+    <dgm:scene3d>
+      <a:camera prst="orthographicFront"/>
+      <a:lightRig rig="threePt" dir="t"/>
+    </dgm:scene3d>
+    <dgm:sp3d/>
+    <dgm:txPr/>
+    <dgm:style>
+      <a:lnRef idx="2">
+        <a:scrgbClr r="0" g="0" b="0"/>
+      </a:lnRef>
+      <a:fillRef idx="1">
+        <a:scrgbClr r="0" g="0" b="0"/>
+      </a:fillRef>
+      <a:effectRef idx="0">
+        <a:scrgbClr r="0" g="0" b="0"/>
+      </a:effectRef>
+      <a:fontRef idx="minor"/>
+    </dgm:style>
+  </dgm:styleLbl>
+  <dgm:styleLbl name="solidBgAcc1">
+    <dgm:scene3d>
+      <a:camera prst="orthographicFront"/>
+      <a:lightRig rig="threePt" dir="t"/>
+    </dgm:scene3d>
+    <dgm:sp3d/>
+    <dgm:txPr/>
+    <dgm:style>
+      <a:lnRef idx="2">
+        <a:scrgbClr r="0" g="0" b="0"/>
+      </a:lnRef>
+      <a:fillRef idx="1">
+        <a:scrgbClr r="0" g="0" b="0"/>
+      </a:fillRef>
+      <a:effectRef idx="0">
+        <a:scrgbClr r="0" g="0" b="0"/>
+      </a:effectRef>
+      <a:fontRef idx="minor"/>
+    </dgm:style>
+  </dgm:styleLbl>
+  <dgm:styleLbl name="fgAccFollowNode1">
+    <dgm:scene3d>
+      <a:camera prst="orthographicFront"/>
+      <a:lightRig rig="threePt" dir="t"/>
+    </dgm:scene3d>
+    <dgm:sp3d/>
+    <dgm:txPr/>
+    <dgm:style>
+      <a:lnRef idx="2">
+        <a:scrgbClr r="0" g="0" b="0"/>
+      </a:lnRef>
+      <a:fillRef idx="1">
+        <a:scrgbClr r="0" g="0" b="0"/>
+      </a:fillRef>
+      <a:effectRef idx="0">
+        <a:scrgbClr r="0" g="0" b="0"/>
+      </a:effectRef>
+      <a:fontRef idx="minor"/>
+    </dgm:style>
+  </dgm:styleLbl>
+  <dgm:styleLbl name="alignAccFollowNode1">
+    <dgm:scene3d>
+      <a:camera prst="orthographicFront"/>
+      <a:lightRig rig="threePt" dir="t"/>
+    </dgm:scene3d>
+    <dgm:sp3d/>
+    <dgm:txPr/>
+    <dgm:style>
+      <a:lnRef idx="2">
+        <a:scrgbClr r="0" g="0" b="0"/>
+      </a:lnRef>
+      <a:fillRef idx="1">
+        <a:scrgbClr r="0" g="0" b="0"/>
+      </a:fillRef>
+      <a:effectRef idx="0">
+        <a:scrgbClr r="0" g="0" b="0"/>
+      </a:effectRef>
+      <a:fontRef idx="minor"/>
+    </dgm:style>
+  </dgm:styleLbl>
+  <dgm:styleLbl name="bgAccFollowNode1">
+    <dgm:scene3d>
+      <a:camera prst="orthographicFront"/>
+      <a:lightRig rig="threePt" dir="t"/>
+    </dgm:scene3d>
+    <dgm:sp3d/>
+    <dgm:txPr/>
+    <dgm:style>
+      <a:lnRef idx="2">
+        <a:scrgbClr r="0" g="0" b="0"/>
+      </a:lnRef>
+      <a:fillRef idx="1">
+        <a:scrgbClr r="0" g="0" b="0"/>
+      </a:fillRef>
+      <a:effectRef idx="0">
+        <a:scrgbClr r="0" g="0" b="0"/>
+      </a:effectRef>
+      <a:fontRef idx="minor"/>
+    </dgm:style>
+  </dgm:styleLbl>
+  <dgm:styleLbl name="fgAcc0">
+    <dgm:scene3d>
+      <a:camera prst="orthographicFront"/>
+      <a:lightRig rig="threePt" dir="t"/>
+    </dgm:scene3d>
+    <dgm:sp3d/>
+    <dgm:txPr/>
+    <dgm:style>
+      <a:lnRef idx="2">
+        <a:scrgbClr r="0" g="0" b="0"/>
+      </a:lnRef>
+      <a:fillRef idx="1">
+        <a:scrgbClr r="0" g="0" b="0"/>
+      </a:fillRef>
+      <a:effectRef idx="0">
+        <a:scrgbClr r="0" g="0" b="0"/>
+      </a:effectRef>
+      <a:fontRef idx="minor"/>
+    </dgm:style>
+  </dgm:styleLbl>
+  <dgm:styleLbl name="fgAcc2">
+    <dgm:scene3d>
+      <a:camera prst="orthographicFront"/>
+      <a:lightRig rig="threePt" dir="t"/>
+    </dgm:scene3d>
+    <dgm:sp3d/>
+    <dgm:txPr/>
+    <dgm:style>
+      <a:lnRef idx="2">
+        <a:scrgbClr r="0" g="0" b="0"/>
+      </a:lnRef>
+      <a:fillRef idx="1">
+        <a:scrgbClr r="0" g="0" b="0"/>
+      </a:fillRef>
+      <a:effectRef idx="0">
+        <a:scrgbClr r="0" g="0" b="0"/>
+      </a:effectRef>
+      <a:fontRef idx="minor"/>
+    </dgm:style>
+  </dgm:styleLbl>
+  <dgm:styleLbl name="fgAcc3">
+    <dgm:scene3d>
+      <a:camera prst="orthographicFront"/>
+      <a:lightRig rig="threePt" dir="t"/>
+    </dgm:scene3d>
+    <dgm:sp3d/>
+    <dgm:txPr/>
+    <dgm:style>
+      <a:lnRef idx="2">
+        <a:scrgbClr r="0" g="0" b="0"/>
+      </a:lnRef>
+      <a:fillRef idx="1">
+        <a:scrgbClr r="0" g="0" b="0"/>
+      </a:fillRef>
+      <a:effectRef idx="0">
+        <a:scrgbClr r="0" g="0" b="0"/>
+      </a:effectRef>
+      <a:fontRef idx="minor"/>
+    </dgm:style>
+  </dgm:styleLbl>
+  <dgm:styleLbl name="fgAcc4">
+    <dgm:scene3d>
+      <a:camera prst="orthographicFront"/>
+      <a:lightRig rig="threePt" dir="t"/>
+    </dgm:scene3d>
+    <dgm:sp3d/>
+    <dgm:txPr/>
+    <dgm:style>
+      <a:lnRef idx="2">
+        <a:scrgbClr r="0" g="0" b="0"/>
+      </a:lnRef>
+      <a:fillRef idx="1">
+        <a:scrgbClr r="0" g="0" b="0"/>
+      </a:fillRef>
+      <a:effectRef idx="0">
+        <a:scrgbClr r="0" g="0" b="0"/>
+      </a:effectRef>
+      <a:fontRef idx="minor"/>
+    </dgm:style>
+  </dgm:styleLbl>
+  <dgm:styleLbl name="bgShp">
+    <dgm:scene3d>
+      <a:camera prst="orthographicFront"/>
+      <a:lightRig rig="threePt" dir="t"/>
+    </dgm:scene3d>
+    <dgm:sp3d/>
+    <dgm:txPr/>
+    <dgm:style>
+      <a:lnRef idx="0">
+        <a:scrgbClr r="0" g="0" b="0"/>
+      </a:lnRef>
+      <a:fillRef idx="1">
+        <a:scrgbClr r="0" g="0" b="0"/>
+      </a:fillRef>
+      <a:effectRef idx="0">
+        <a:scrgbClr r="0" g="0" b="0"/>
+      </a:effectRef>
+      <a:fontRef idx="minor"/>
+    </dgm:style>
+  </dgm:styleLbl>
+  <dgm:styleLbl name="dkBgShp">
+    <dgm:scene3d>
+      <a:camera prst="orthographicFront"/>
+      <a:lightRig rig="threePt" dir="t"/>
+    </dgm:scene3d>
+    <dgm:sp3d/>
+    <dgm:txPr/>
+    <dgm:style>
+      <a:lnRef idx="0">
+        <a:scrgbClr r="0" g="0" b="0"/>
+      </a:lnRef>
+      <a:fillRef idx="1">
+        <a:scrgbClr r="0" g="0" b="0"/>
+      </a:fillRef>
+      <a:effectRef idx="0">
+        <a:scrgbClr r="0" g="0" b="0"/>
+      </a:effectRef>
+      <a:fontRef idx="minor"/>
+    </dgm:style>
+  </dgm:styleLbl>
+  <dgm:styleLbl name="trBgShp">
+    <dgm:scene3d>
+      <a:camera prst="orthographicFront"/>
+      <a:lightRig rig="threePt" dir="t"/>
+    </dgm:scene3d>
+    <dgm:sp3d/>
+    <dgm:txPr/>
+    <dgm:style>
+      <a:lnRef idx="0">
+        <a:scrgbClr r="0" g="0" b="0"/>
+      </a:lnRef>
+      <a:fillRef idx="1">
+        <a:scrgbClr r="0" g="0" b="0"/>
+      </a:fillRef>
+      <a:effectRef idx="0">
+        <a:scrgbClr r="0" g="0" b="0"/>
+      </a:effectRef>
+      <a:fontRef idx="minor"/>
+    </dgm:style>
+  </dgm:styleLbl>
+  <dgm:styleLbl name="fgShp">
+    <dgm:scene3d>
+      <a:camera prst="orthographicFront"/>
+      <a:lightRig rig="threePt" dir="t"/>
+    </dgm:scene3d>
+    <dgm:sp3d/>
+    <dgm:txPr/>
+    <dgm:style>
+      <a:lnRef idx="2">
+        <a:scrgbClr r="0" g="0" b="0"/>
+      </a:lnRef>
+      <a:fillRef idx="1">
+        <a:scrgbClr r="0" g="0" b="0"/>
+      </a:fillRef>
+      <a:effectRef idx="0">
+        <a:scrgbClr r="0" g="0" b="0"/>
+      </a:effectRef>
+      <a:fontRef idx="minor"/>
+    </dgm:style>
+  </dgm:styleLbl>
+  <dgm:styleLbl name="revTx">
+    <dgm:scene3d>
+      <a:camera prst="orthographicFront"/>
+      <a:lightRig rig="threePt" dir="t"/>
+    </dgm:scene3d>
+    <dgm:sp3d/>
+    <dgm:txPr/>
+    <dgm:style>
+      <a:lnRef idx="0">
+        <a:scrgbClr r="0" g="0" b="0"/>
+      </a:lnRef>
+      <a:fillRef idx="0">
+        <a:scrgbClr r="0" g="0" b="0"/>
+      </a:fillRef>
+      <a:effectRef idx="0">
+        <a:scrgbClr r="0" g="0" b="0"/>
+      </a:effectRef>
+      <a:fontRef idx="minor"/>
+    </dgm:style>
+  </dgm:styleLbl>
+</dgm:styleDef>
+</file>
+
+<file path=ppt/diagrams/quickStyle3.xml><?xml version="1.0" encoding="utf-8"?>
 <dgm:styleDef xmlns:dgm="http://schemas.openxmlformats.org/drawingml/2006/diagram" xmlns:a="http://schemas.openxmlformats.org/drawingml/2006/main" uniqueId="urn:microsoft.com/office/officeart/2005/8/quickstyle/simple1">
   <dgm:title val=""/>
   <dgm:desc val=""/>
@@ -10291,6 +14170,824 @@
 <file path=ppt/slides/slide11.xml><?xml version="1.0" encoding="utf-8"?>
 <p:sld xmlns:a="http://schemas.openxmlformats.org/drawingml/2006/main" xmlns:r="http://schemas.openxmlformats.org/officeDocument/2006/relationships" xmlns:p="http://schemas.openxmlformats.org/presentationml/2006/main">
   <p:cSld>
+    <p:bg>
+      <p:bgPr>
+        <a:solidFill>
+          <a:schemeClr val="bg2"/>
+        </a:solidFill>
+        <a:effectLst/>
+      </p:bgPr>
+    </p:bg>
+    <p:spTree>
+      <p:nvGrpSpPr>
+        <p:cNvPr id="1" name=""/>
+        <p:cNvGrpSpPr/>
+        <p:nvPr/>
+      </p:nvGrpSpPr>
+      <p:grpSpPr>
+        <a:xfrm>
+          <a:off x="0" y="0"/>
+          <a:ext cx="0" cy="0"/>
+          <a:chOff x="0" y="0"/>
+          <a:chExt cx="0" cy="0"/>
+        </a:xfrm>
+      </p:grpSpPr>
+      <p:sp>
+        <p:nvSpPr>
+          <p:cNvPr id="9" name="Freeform: Shape 8">
+            <a:extLst>
+              <a:ext uri="{FF2B5EF4-FFF2-40B4-BE49-F238E27FC236}">
+                <a16:creationId xmlns:a16="http://schemas.microsoft.com/office/drawing/2014/main" id="{A6EF5A53-0A64-4CA5-B9C7-1CB97CB5CF1C}"/>
+              </a:ext>
+              <a:ext uri="{C183D7F6-B498-43B3-948B-1728B52AA6E4}">
+                <adec:decorative xmlns:adec="http://schemas.microsoft.com/office/drawing/2017/decorative" val="1"/>
+              </a:ext>
+            </a:extLst>
+          </p:cNvPr>
+          <p:cNvSpPr>
+            <a:spLocks noGrp="1" noRot="1" noChangeAspect="1" noMove="1" noResize="1" noEditPoints="1" noAdjustHandles="1" noChangeArrowheads="1" noChangeShapeType="1" noTextEdit="1"/>
+          </p:cNvSpPr>
+          <p:nvPr>
+            <p:extLst>
+              <p:ext uri="{386F3935-93C4-4BCD-93E2-E3B085C9AB24}">
+                <p16:designElem xmlns:p16="http://schemas.microsoft.com/office/powerpoint/2015/main" val="1"/>
+              </p:ext>
+            </p:extLst>
+          </p:nvPr>
+        </p:nvSpPr>
+        <p:spPr>
+          <a:xfrm>
+            <a:off x="8157843" y="6244836"/>
+            <a:ext cx="4034156" cy="613164"/>
+          </a:xfrm>
+          <a:custGeom>
+            <a:avLst/>
+            <a:gdLst>
+              <a:gd name="connsiteX0" fmla="*/ 1479137 w 4034156"/>
+              <a:gd name="connsiteY0" fmla="*/ 230 h 613164"/>
+              <a:gd name="connsiteX1" fmla="*/ 3482844 w 4034156"/>
+              <a:gd name="connsiteY1" fmla="*/ 298555 h 613164"/>
+              <a:gd name="connsiteX2" fmla="*/ 3831590 w 4034156"/>
+              <a:gd name="connsiteY2" fmla="*/ 425010 h 613164"/>
+              <a:gd name="connsiteX3" fmla="*/ 4034156 w 4034156"/>
+              <a:gd name="connsiteY3" fmla="*/ 494088 h 613164"/>
+              <a:gd name="connsiteX4" fmla="*/ 4034156 w 4034156"/>
+              <a:gd name="connsiteY4" fmla="*/ 613164 h 613164"/>
+              <a:gd name="connsiteX5" fmla="*/ 0 w 4034156"/>
+              <a:gd name="connsiteY5" fmla="*/ 613164 h 613164"/>
+              <a:gd name="connsiteX6" fmla="*/ 54792 w 4034156"/>
+              <a:gd name="connsiteY6" fmla="*/ 512415 h 613164"/>
+              <a:gd name="connsiteX7" fmla="*/ 168327 w 4034156"/>
+              <a:gd name="connsiteY7" fmla="*/ 366637 h 613164"/>
+              <a:gd name="connsiteX8" fmla="*/ 1192562 w 4034156"/>
+              <a:gd name="connsiteY8" fmla="*/ 1522 h 613164"/>
+              <a:gd name="connsiteX9" fmla="*/ 1479137 w 4034156"/>
+              <a:gd name="connsiteY9" fmla="*/ 230 h 613164"/>
+            </a:gdLst>
+            <a:ahLst/>
+            <a:cxnLst>
+              <a:cxn ang="0">
+                <a:pos x="connsiteX0" y="connsiteY0"/>
+              </a:cxn>
+              <a:cxn ang="0">
+                <a:pos x="connsiteX1" y="connsiteY1"/>
+              </a:cxn>
+              <a:cxn ang="0">
+                <a:pos x="connsiteX2" y="connsiteY2"/>
+              </a:cxn>
+              <a:cxn ang="0">
+                <a:pos x="connsiteX3" y="connsiteY3"/>
+              </a:cxn>
+              <a:cxn ang="0">
+                <a:pos x="connsiteX4" y="connsiteY4"/>
+              </a:cxn>
+              <a:cxn ang="0">
+                <a:pos x="connsiteX5" y="connsiteY5"/>
+              </a:cxn>
+              <a:cxn ang="0">
+                <a:pos x="connsiteX6" y="connsiteY6"/>
+              </a:cxn>
+              <a:cxn ang="0">
+                <a:pos x="connsiteX7" y="connsiteY7"/>
+              </a:cxn>
+              <a:cxn ang="0">
+                <a:pos x="connsiteX8" y="connsiteY8"/>
+              </a:cxn>
+              <a:cxn ang="0">
+                <a:pos x="connsiteX9" y="connsiteY9"/>
+              </a:cxn>
+            </a:cxnLst>
+            <a:rect l="l" t="t" r="r" b="b"/>
+            <a:pathLst>
+              <a:path w="4034156" h="613164">
+                <a:moveTo>
+                  <a:pt x="1479137" y="230"/>
+                </a:moveTo>
+                <a:cubicBezTo>
+                  <a:pt x="2152575" y="4287"/>
+                  <a:pt x="2854487" y="63583"/>
+                  <a:pt x="3482844" y="298555"/>
+                </a:cubicBezTo>
+                <a:cubicBezTo>
+                  <a:pt x="3599338" y="342114"/>
+                  <a:pt x="3715540" y="384216"/>
+                  <a:pt x="3831590" y="425010"/>
+                </a:cubicBezTo>
+                <a:lnTo>
+                  <a:pt x="4034156" y="494088"/>
+                </a:lnTo>
+                <a:lnTo>
+                  <a:pt x="4034156" y="613164"/>
+                </a:lnTo>
+                <a:lnTo>
+                  <a:pt x="0" y="613164"/>
+                </a:lnTo>
+                <a:lnTo>
+                  <a:pt x="54792" y="512415"/>
+                </a:lnTo>
+                <a:cubicBezTo>
+                  <a:pt x="88888" y="459433"/>
+                  <a:pt x="126502" y="410480"/>
+                  <a:pt x="168327" y="366637"/>
+                </a:cubicBezTo>
+                <a:cubicBezTo>
+                  <a:pt x="428292" y="94062"/>
+                  <a:pt x="821899" y="6565"/>
+                  <a:pt x="1192562" y="1522"/>
+                </a:cubicBezTo>
+                <a:cubicBezTo>
+                  <a:pt x="1287308" y="198"/>
+                  <a:pt x="1382932" y="-349"/>
+                  <a:pt x="1479137" y="230"/>
+                </a:cubicBezTo>
+                <a:close/>
+              </a:path>
+            </a:pathLst>
+          </a:custGeom>
+          <a:solidFill>
+            <a:schemeClr val="accent6"/>
+          </a:solidFill>
+          <a:ln>
+            <a:noFill/>
+          </a:ln>
+        </p:spPr>
+        <p:style>
+          <a:lnRef idx="2">
+            <a:schemeClr val="accent1">
+              <a:shade val="50000"/>
+            </a:schemeClr>
+          </a:lnRef>
+          <a:fillRef idx="1">
+            <a:schemeClr val="accent1"/>
+          </a:fillRef>
+          <a:effectRef idx="0">
+            <a:schemeClr val="accent1"/>
+          </a:effectRef>
+          <a:fontRef idx="minor">
+            <a:schemeClr val="lt1"/>
+          </a:fontRef>
+        </p:style>
+        <p:txBody>
+          <a:bodyPr wrap="square" rtlCol="0" anchor="ctr">
+            <a:noAutofit/>
+          </a:bodyPr>
+          <a:lstStyle/>
+          <a:p>
+            <a:pPr marL="0" marR="0" lvl="0" indent="0" algn="ctr" defTabSz="914400" rtl="0" eaLnBrk="1" fontAlgn="auto" latinLnBrk="0" hangingPunct="1">
+              <a:lnSpc>
+                <a:spcPct val="100000"/>
+              </a:lnSpc>
+              <a:spcBef>
+                <a:spcPts val="0"/>
+              </a:spcBef>
+              <a:spcAft>
+                <a:spcPts val="0"/>
+              </a:spcAft>
+              <a:buClrTx/>
+              <a:buSzTx/>
+              <a:buFontTx/>
+              <a:buNone/>
+              <a:tabLst/>
+              <a:defRPr/>
+            </a:pPr>
+            <a:endParaRPr kumimoji="0" lang="en-US" sz="1500" b="0" i="0" u="none" strike="noStrike" kern="1200" cap="none" spc="0" normalizeH="0" baseline="0" noProof="0">
+              <a:ln>
+                <a:noFill/>
+              </a:ln>
+              <a:solidFill>
+                <a:prstClr val="white"/>
+              </a:solidFill>
+              <a:effectLst/>
+              <a:uLnTx/>
+              <a:uFillTx/>
+              <a:latin typeface="Avenir Next LT Pro" panose="020B0504020202020204" pitchFamily="34" charset="0"/>
+              <a:ea typeface="+mn-ea"/>
+              <a:cs typeface="+mn-cs"/>
+            </a:endParaRPr>
+          </a:p>
+        </p:txBody>
+      </p:sp>
+      <p:sp>
+        <p:nvSpPr>
+          <p:cNvPr id="11" name="Freeform: Shape 10">
+            <a:extLst>
+              <a:ext uri="{FF2B5EF4-FFF2-40B4-BE49-F238E27FC236}">
+                <a16:creationId xmlns:a16="http://schemas.microsoft.com/office/drawing/2014/main" id="{34ABFBEA-4EB0-4D02-A2C0-1733CD3D6F12}"/>
+              </a:ext>
+              <a:ext uri="{C183D7F6-B498-43B3-948B-1728B52AA6E4}">
+                <adec:decorative xmlns:adec="http://schemas.microsoft.com/office/drawing/2017/decorative" val="1"/>
+              </a:ext>
+            </a:extLst>
+          </p:cNvPr>
+          <p:cNvSpPr>
+            <a:spLocks noGrp="1" noRot="1" noChangeAspect="1" noMove="1" noResize="1" noEditPoints="1" noAdjustHandles="1" noChangeArrowheads="1" noChangeShapeType="1" noTextEdit="1"/>
+          </p:cNvSpPr>
+          <p:nvPr>
+            <p:extLst>
+              <p:ext uri="{386F3935-93C4-4BCD-93E2-E3B085C9AB24}">
+                <p16:designElem xmlns:p16="http://schemas.microsoft.com/office/powerpoint/2015/main" val="1"/>
+              </p:ext>
+            </p:extLst>
+          </p:nvPr>
+        </p:nvSpPr>
+        <p:spPr>
+          <a:xfrm>
+            <a:off x="1" y="688126"/>
+            <a:ext cx="448491" cy="1634252"/>
+          </a:xfrm>
+          <a:custGeom>
+            <a:avLst/>
+            <a:gdLst>
+              <a:gd name="connsiteX0" fmla="*/ 0 w 448491"/>
+              <a:gd name="connsiteY0" fmla="*/ 0 h 1634252"/>
+              <a:gd name="connsiteX1" fmla="*/ 12983 w 448491"/>
+              <a:gd name="connsiteY1" fmla="*/ 10508 h 1634252"/>
+              <a:gd name="connsiteX2" fmla="*/ 441611 w 448491"/>
+              <a:gd name="connsiteY2" fmla="*/ 863751 h 1634252"/>
+              <a:gd name="connsiteX3" fmla="*/ 251011 w 448491"/>
+              <a:gd name="connsiteY3" fmla="*/ 1302895 h 1634252"/>
+              <a:gd name="connsiteX4" fmla="*/ 74605 w 448491"/>
+              <a:gd name="connsiteY4" fmla="*/ 1543249 h 1634252"/>
+              <a:gd name="connsiteX5" fmla="*/ 0 w 448491"/>
+              <a:gd name="connsiteY5" fmla="*/ 1634252 h 1634252"/>
+            </a:gdLst>
+            <a:ahLst/>
+            <a:cxnLst>
+              <a:cxn ang="0">
+                <a:pos x="connsiteX0" y="connsiteY0"/>
+              </a:cxn>
+              <a:cxn ang="0">
+                <a:pos x="connsiteX1" y="connsiteY1"/>
+              </a:cxn>
+              <a:cxn ang="0">
+                <a:pos x="connsiteX2" y="connsiteY2"/>
+              </a:cxn>
+              <a:cxn ang="0">
+                <a:pos x="connsiteX3" y="connsiteY3"/>
+              </a:cxn>
+              <a:cxn ang="0">
+                <a:pos x="connsiteX4" y="connsiteY4"/>
+              </a:cxn>
+              <a:cxn ang="0">
+                <a:pos x="connsiteX5" y="connsiteY5"/>
+              </a:cxn>
+            </a:cxnLst>
+            <a:rect l="l" t="t" r="r" b="b"/>
+            <a:pathLst>
+              <a:path w="448491" h="1634252">
+                <a:moveTo>
+                  <a:pt x="0" y="0"/>
+                </a:moveTo>
+                <a:lnTo>
+                  <a:pt x="12983" y="10508"/>
+                </a:lnTo>
+                <a:cubicBezTo>
+                  <a:pt x="278410" y="241022"/>
+                  <a:pt x="489787" y="530267"/>
+                  <a:pt x="441611" y="863751"/>
+                </a:cubicBezTo>
+                <a:cubicBezTo>
+                  <a:pt x="418542" y="1022632"/>
+                  <a:pt x="337007" y="1166302"/>
+                  <a:pt x="251011" y="1302895"/>
+                </a:cubicBezTo>
+                <a:cubicBezTo>
+                  <a:pt x="215138" y="1359902"/>
+                  <a:pt x="154723" y="1442480"/>
+                  <a:pt x="74605" y="1543249"/>
+                </a:cubicBezTo>
+                <a:lnTo>
+                  <a:pt x="0" y="1634252"/>
+                </a:lnTo>
+                <a:close/>
+              </a:path>
+            </a:pathLst>
+          </a:custGeom>
+          <a:solidFill>
+            <a:schemeClr val="accent1"/>
+          </a:solidFill>
+          <a:ln>
+            <a:noFill/>
+          </a:ln>
+        </p:spPr>
+        <p:style>
+          <a:lnRef idx="2">
+            <a:schemeClr val="accent1">
+              <a:shade val="50000"/>
+            </a:schemeClr>
+          </a:lnRef>
+          <a:fillRef idx="1">
+            <a:schemeClr val="accent1"/>
+          </a:fillRef>
+          <a:effectRef idx="0">
+            <a:schemeClr val="accent1"/>
+          </a:effectRef>
+          <a:fontRef idx="minor">
+            <a:schemeClr val="lt1"/>
+          </a:fontRef>
+        </p:style>
+        <p:txBody>
+          <a:bodyPr wrap="square" rtlCol="0" anchor="ctr">
+            <a:noAutofit/>
+          </a:bodyPr>
+          <a:lstStyle/>
+          <a:p>
+            <a:pPr algn="ctr"/>
+            <a:endParaRPr lang="en-US" sz="900">
+              <a:solidFill>
+                <a:prstClr val="white"/>
+              </a:solidFill>
+              <a:latin typeface="Avenir Next LT Pro" panose="020B0504020202020204" pitchFamily="34" charset="0"/>
+            </a:endParaRPr>
+          </a:p>
+        </p:txBody>
+      </p:sp>
+      <p:sp>
+        <p:nvSpPr>
+          <p:cNvPr id="13" name="Freeform: Shape 12">
+            <a:extLst>
+              <a:ext uri="{FF2B5EF4-FFF2-40B4-BE49-F238E27FC236}">
+                <a16:creationId xmlns:a16="http://schemas.microsoft.com/office/drawing/2014/main" id="{19E083F6-57F4-487B-A766-EA0462B1EED8}"/>
+              </a:ext>
+              <a:ext uri="{C183D7F6-B498-43B3-948B-1728B52AA6E4}">
+                <adec:decorative xmlns:adec="http://schemas.microsoft.com/office/drawing/2017/decorative" val="1"/>
+              </a:ext>
+            </a:extLst>
+          </p:cNvPr>
+          <p:cNvSpPr>
+            <a:spLocks noGrp="1" noRot="1" noChangeAspect="1" noMove="1" noResize="1" noEditPoints="1" noAdjustHandles="1" noChangeArrowheads="1" noChangeShapeType="1" noTextEdit="1"/>
+          </p:cNvSpPr>
+          <p:nvPr>
+            <p:extLst>
+              <p:ext uri="{386F3935-93C4-4BCD-93E2-E3B085C9AB24}">
+                <p16:designElem xmlns:p16="http://schemas.microsoft.com/office/powerpoint/2015/main" val="1"/>
+              </p:ext>
+            </p:extLst>
+          </p:nvPr>
+        </p:nvSpPr>
+        <p:spPr>
+          <a:xfrm>
+            <a:off x="7309459" y="6144069"/>
+            <a:ext cx="4418271" cy="718159"/>
+          </a:xfrm>
+          <a:custGeom>
+            <a:avLst/>
+            <a:gdLst>
+              <a:gd name="connsiteX0" fmla="*/ 1421452 w 4590626"/>
+              <a:gd name="connsiteY0" fmla="*/ 0 h 713930"/>
+              <a:gd name="connsiteX1" fmla="*/ 3247781 w 4590626"/>
+              <a:gd name="connsiteY1" fmla="*/ 271915 h 713930"/>
+              <a:gd name="connsiteX2" fmla="*/ 4517331 w 4590626"/>
+              <a:gd name="connsiteY2" fmla="*/ 693394 h 713930"/>
+              <a:gd name="connsiteX3" fmla="*/ 4590626 w 4590626"/>
+              <a:gd name="connsiteY3" fmla="*/ 713930 h 713930"/>
+              <a:gd name="connsiteX4" fmla="*/ 0 w 4590626"/>
+              <a:gd name="connsiteY4" fmla="*/ 713930 h 713930"/>
+              <a:gd name="connsiteX5" fmla="*/ 2854 w 4590626"/>
+              <a:gd name="connsiteY5" fmla="*/ 705624 h 713930"/>
+              <a:gd name="connsiteX6" fmla="*/ 226680 w 4590626"/>
+              <a:gd name="connsiteY6" fmla="*/ 333970 h 713930"/>
+              <a:gd name="connsiteX7" fmla="*/ 1160245 w 4590626"/>
+              <a:gd name="connsiteY7" fmla="*/ 1178 h 713930"/>
+              <a:gd name="connsiteX8" fmla="*/ 1421452 w 4590626"/>
+              <a:gd name="connsiteY8" fmla="*/ 0 h 713930"/>
+              <a:gd name="connsiteX0" fmla="*/ 1421452 w 4517331"/>
+              <a:gd name="connsiteY0" fmla="*/ 0 h 713930"/>
+              <a:gd name="connsiteX1" fmla="*/ 3247781 w 4517331"/>
+              <a:gd name="connsiteY1" fmla="*/ 271915 h 713930"/>
+              <a:gd name="connsiteX2" fmla="*/ 4517331 w 4517331"/>
+              <a:gd name="connsiteY2" fmla="*/ 693394 h 713930"/>
+              <a:gd name="connsiteX3" fmla="*/ 0 w 4517331"/>
+              <a:gd name="connsiteY3" fmla="*/ 713930 h 713930"/>
+              <a:gd name="connsiteX4" fmla="*/ 2854 w 4517331"/>
+              <a:gd name="connsiteY4" fmla="*/ 705624 h 713930"/>
+              <a:gd name="connsiteX5" fmla="*/ 226680 w 4517331"/>
+              <a:gd name="connsiteY5" fmla="*/ 333970 h 713930"/>
+              <a:gd name="connsiteX6" fmla="*/ 1160245 w 4517331"/>
+              <a:gd name="connsiteY6" fmla="*/ 1178 h 713930"/>
+              <a:gd name="connsiteX7" fmla="*/ 1421452 w 4517331"/>
+              <a:gd name="connsiteY7" fmla="*/ 0 h 713930"/>
+              <a:gd name="connsiteX0" fmla="*/ 0 w 4608771"/>
+              <a:gd name="connsiteY0" fmla="*/ 713930 h 784834"/>
+              <a:gd name="connsiteX1" fmla="*/ 2854 w 4608771"/>
+              <a:gd name="connsiteY1" fmla="*/ 705624 h 784834"/>
+              <a:gd name="connsiteX2" fmla="*/ 226680 w 4608771"/>
+              <a:gd name="connsiteY2" fmla="*/ 333970 h 784834"/>
+              <a:gd name="connsiteX3" fmla="*/ 1160245 w 4608771"/>
+              <a:gd name="connsiteY3" fmla="*/ 1178 h 784834"/>
+              <a:gd name="connsiteX4" fmla="*/ 1421452 w 4608771"/>
+              <a:gd name="connsiteY4" fmla="*/ 0 h 784834"/>
+              <a:gd name="connsiteX5" fmla="*/ 3247781 w 4608771"/>
+              <a:gd name="connsiteY5" fmla="*/ 271915 h 784834"/>
+              <a:gd name="connsiteX6" fmla="*/ 4608771 w 4608771"/>
+              <a:gd name="connsiteY6" fmla="*/ 784834 h 784834"/>
+              <a:gd name="connsiteX0" fmla="*/ 0 w 4418271"/>
+              <a:gd name="connsiteY0" fmla="*/ 713930 h 718159"/>
+              <a:gd name="connsiteX1" fmla="*/ 2854 w 4418271"/>
+              <a:gd name="connsiteY1" fmla="*/ 705624 h 718159"/>
+              <a:gd name="connsiteX2" fmla="*/ 226680 w 4418271"/>
+              <a:gd name="connsiteY2" fmla="*/ 333970 h 718159"/>
+              <a:gd name="connsiteX3" fmla="*/ 1160245 w 4418271"/>
+              <a:gd name="connsiteY3" fmla="*/ 1178 h 718159"/>
+              <a:gd name="connsiteX4" fmla="*/ 1421452 w 4418271"/>
+              <a:gd name="connsiteY4" fmla="*/ 0 h 718159"/>
+              <a:gd name="connsiteX5" fmla="*/ 3247781 w 4418271"/>
+              <a:gd name="connsiteY5" fmla="*/ 271915 h 718159"/>
+              <a:gd name="connsiteX6" fmla="*/ 4418271 w 4418271"/>
+              <a:gd name="connsiteY6" fmla="*/ 718159 h 718159"/>
+            </a:gdLst>
+            <a:ahLst/>
+            <a:cxnLst>
+              <a:cxn ang="0">
+                <a:pos x="connsiteX0" y="connsiteY0"/>
+              </a:cxn>
+              <a:cxn ang="0">
+                <a:pos x="connsiteX1" y="connsiteY1"/>
+              </a:cxn>
+              <a:cxn ang="0">
+                <a:pos x="connsiteX2" y="connsiteY2"/>
+              </a:cxn>
+              <a:cxn ang="0">
+                <a:pos x="connsiteX3" y="connsiteY3"/>
+              </a:cxn>
+              <a:cxn ang="0">
+                <a:pos x="connsiteX4" y="connsiteY4"/>
+              </a:cxn>
+              <a:cxn ang="0">
+                <a:pos x="connsiteX5" y="connsiteY5"/>
+              </a:cxn>
+              <a:cxn ang="0">
+                <a:pos x="connsiteX6" y="connsiteY6"/>
+              </a:cxn>
+            </a:cxnLst>
+            <a:rect l="l" t="t" r="r" b="b"/>
+            <a:pathLst>
+              <a:path w="4418271" h="718159">
+                <a:moveTo>
+                  <a:pt x="0" y="713930"/>
+                </a:moveTo>
+                <a:lnTo>
+                  <a:pt x="2854" y="705624"/>
+                </a:lnTo>
+                <a:cubicBezTo>
+                  <a:pt x="60059" y="562888"/>
+                  <a:pt x="131373" y="433874"/>
+                  <a:pt x="226680" y="333970"/>
+                </a:cubicBezTo>
+                <a:cubicBezTo>
+                  <a:pt x="463632" y="85526"/>
+                  <a:pt x="822395" y="5774"/>
+                  <a:pt x="1160245" y="1178"/>
+                </a:cubicBezTo>
+                <a:lnTo>
+                  <a:pt x="1421452" y="0"/>
+                </a:lnTo>
+                <a:cubicBezTo>
+                  <a:pt x="2035274" y="3698"/>
+                  <a:pt x="2748311" y="152222"/>
+                  <a:pt x="3247781" y="271915"/>
+                </a:cubicBezTo>
+                <a:cubicBezTo>
+                  <a:pt x="3747251" y="391608"/>
+                  <a:pt x="3902480" y="501606"/>
+                  <a:pt x="4418271" y="718159"/>
+                </a:cubicBezTo>
+              </a:path>
+            </a:pathLst>
+          </a:custGeom>
+          <a:noFill/>
+          <a:ln>
+            <a:solidFill>
+              <a:schemeClr val="accent4"/>
+            </a:solidFill>
+          </a:ln>
+        </p:spPr>
+        <p:style>
+          <a:lnRef idx="2">
+            <a:schemeClr val="accent1">
+              <a:shade val="50000"/>
+            </a:schemeClr>
+          </a:lnRef>
+          <a:fillRef idx="1">
+            <a:schemeClr val="accent1"/>
+          </a:fillRef>
+          <a:effectRef idx="0">
+            <a:schemeClr val="accent1"/>
+          </a:effectRef>
+          <a:fontRef idx="minor">
+            <a:schemeClr val="lt1"/>
+          </a:fontRef>
+        </p:style>
+        <p:txBody>
+          <a:bodyPr rtlCol="0" anchor="ctr"/>
+          <a:lstStyle/>
+          <a:p>
+            <a:pPr marL="0" marR="0" lvl="0" indent="0" algn="ctr" defTabSz="914400" rtl="0" eaLnBrk="1" fontAlgn="auto" latinLnBrk="0" hangingPunct="1">
+              <a:lnSpc>
+                <a:spcPct val="100000"/>
+              </a:lnSpc>
+              <a:spcBef>
+                <a:spcPts val="0"/>
+              </a:spcBef>
+              <a:spcAft>
+                <a:spcPts val="0"/>
+              </a:spcAft>
+              <a:buClrTx/>
+              <a:buSzTx/>
+              <a:buFontTx/>
+              <a:buNone/>
+              <a:tabLst/>
+              <a:defRPr/>
+            </a:pPr>
+            <a:endParaRPr kumimoji="0" lang="en-US" sz="1800" b="0" i="0" u="none" strike="noStrike" kern="1200" cap="none" spc="0" normalizeH="0" baseline="0" noProof="0">
+              <a:ln>
+                <a:noFill/>
+              </a:ln>
+              <a:solidFill>
+                <a:prstClr val="white"/>
+              </a:solidFill>
+              <a:effectLst/>
+              <a:uLnTx/>
+              <a:uFillTx/>
+              <a:latin typeface="Avenir Next LT Pro Light"/>
+              <a:ea typeface="+mn-ea"/>
+              <a:cs typeface="+mn-cs"/>
+            </a:endParaRPr>
+          </a:p>
+        </p:txBody>
+      </p:sp>
+      <p:sp useBgFill="1">
+        <p:nvSpPr>
+          <p:cNvPr id="15" name="Rectangle 14">
+            <a:extLst>
+              <a:ext uri="{FF2B5EF4-FFF2-40B4-BE49-F238E27FC236}">
+                <a16:creationId xmlns:a16="http://schemas.microsoft.com/office/drawing/2014/main" id="{7A18C9FB-EC4C-4DAE-8F7D-C6E5AF607958}"/>
+              </a:ext>
+              <a:ext uri="{C183D7F6-B498-43B3-948B-1728B52AA6E4}">
+                <adec:decorative xmlns:adec="http://schemas.microsoft.com/office/drawing/2017/decorative" val="1"/>
+              </a:ext>
+            </a:extLst>
+          </p:cNvPr>
+          <p:cNvSpPr>
+            <a:spLocks noGrp="1" noRot="1" noChangeAspect="1" noMove="1" noResize="1" noEditPoints="1" noAdjustHandles="1" noChangeArrowheads="1" noChangeShapeType="1" noTextEdit="1"/>
+          </p:cNvSpPr>
+          <p:nvPr>
+            <p:extLst>
+              <p:ext uri="{386F3935-93C4-4BCD-93E2-E3B085C9AB24}">
+                <p16:designElem xmlns:p16="http://schemas.microsoft.com/office/powerpoint/2015/main" val="1"/>
+              </p:ext>
+            </p:extLst>
+          </p:nvPr>
+        </p:nvSpPr>
+        <p:spPr>
+          <a:xfrm>
+            <a:off x="0" y="0"/>
+            <a:ext cx="12192000" cy="6858000"/>
+          </a:xfrm>
+          <a:prstGeom prst="rect">
+            <a:avLst/>
+          </a:prstGeom>
+          <a:ln w="12700" cap="flat" cmpd="sng" algn="ctr">
+            <a:noFill/>
+            <a:prstDash val="solid"/>
+            <a:miter lim="800000"/>
+          </a:ln>
+          <a:effectLst/>
+          <a:extLst>
+            <a:ext uri="{91240B29-F687-4F45-9708-019B960494DF}">
+              <a14:hiddenLine xmlns:a14="http://schemas.microsoft.com/office/drawing/2010/main" w="12700" cap="flat" cmpd="sng" algn="ctr">
+                <a:solidFill>
+                  <a:schemeClr val="accent1">
+                    <a:shade val="50000"/>
+                  </a:schemeClr>
+                </a:solidFill>
+                <a:prstDash val="solid"/>
+                <a:miter lim="800000"/>
+              </a14:hiddenLine>
+            </a:ext>
+          </a:extLst>
+        </p:spPr>
+        <p:style>
+          <a:lnRef idx="2">
+            <a:schemeClr val="accent1">
+              <a:shade val="50000"/>
+            </a:schemeClr>
+          </a:lnRef>
+          <a:fillRef idx="1">
+            <a:schemeClr val="accent1"/>
+          </a:fillRef>
+          <a:effectRef idx="0">
+            <a:schemeClr val="accent1"/>
+          </a:effectRef>
+          <a:fontRef idx="minor">
+            <a:schemeClr val="lt1"/>
+          </a:fontRef>
+        </p:style>
+        <p:txBody>
+          <a:bodyPr rtlCol="0" anchor="ctr"/>
+          <a:lstStyle/>
+          <a:p>
+            <a:endParaRPr lang="en-US" dirty="0"/>
+          </a:p>
+        </p:txBody>
+      </p:sp>
+      <p:pic>
+        <p:nvPicPr>
+          <p:cNvPr id="5" name="Picture 4" descr="Yellow question mark">
+            <a:extLst>
+              <a:ext uri="{FF2B5EF4-FFF2-40B4-BE49-F238E27FC236}">
+                <a16:creationId xmlns:a16="http://schemas.microsoft.com/office/drawing/2014/main" id="{40D6D0BB-A88C-42D7-BEE7-C9B43601BAC6}"/>
+              </a:ext>
+            </a:extLst>
+          </p:cNvPr>
+          <p:cNvPicPr>
+            <a:picLocks noChangeAspect="1"/>
+          </p:cNvPicPr>
+          <p:nvPr/>
+        </p:nvPicPr>
+        <p:blipFill rotWithShape="1">
+          <a:blip r:embed="rId2"/>
+          <a:srcRect b="6367"/>
+          <a:stretch/>
+        </p:blipFill>
+        <p:spPr>
+          <a:xfrm>
+            <a:off x="-15221" y="-4228"/>
+            <a:ext cx="12207220" cy="6857990"/>
+          </a:xfrm>
+          <a:prstGeom prst="rect">
+            <a:avLst/>
+          </a:prstGeom>
+        </p:spPr>
+      </p:pic>
+      <p:sp>
+        <p:nvSpPr>
+          <p:cNvPr id="17" name="Rectangle 16">
+            <a:extLst>
+              <a:ext uri="{FF2B5EF4-FFF2-40B4-BE49-F238E27FC236}">
+                <a16:creationId xmlns:a16="http://schemas.microsoft.com/office/drawing/2014/main" id="{0ED8FC7E-742C-4B53-B6FF-F19F8EDA28B3}"/>
+              </a:ext>
+              <a:ext uri="{C183D7F6-B498-43B3-948B-1728B52AA6E4}">
+                <adec:decorative xmlns:adec="http://schemas.microsoft.com/office/drawing/2017/decorative" val="1"/>
+              </a:ext>
+            </a:extLst>
+          </p:cNvPr>
+          <p:cNvSpPr>
+            <a:spLocks noGrp="1" noRot="1" noChangeAspect="1" noMove="1" noResize="1" noEditPoints="1" noAdjustHandles="1" noChangeArrowheads="1" noChangeShapeType="1" noTextEdit="1"/>
+          </p:cNvSpPr>
+          <p:nvPr>
+            <p:extLst>
+              <p:ext uri="{386F3935-93C4-4BCD-93E2-E3B085C9AB24}">
+                <p16:designElem xmlns:p16="http://schemas.microsoft.com/office/powerpoint/2015/main" val="1"/>
+              </p:ext>
+            </p:extLst>
+          </p:nvPr>
+        </p:nvSpPr>
+        <p:spPr>
+          <a:xfrm>
+            <a:off x="0" y="591928"/>
+            <a:ext cx="12191999" cy="5058137"/>
+          </a:xfrm>
+          <a:prstGeom prst="rect">
+            <a:avLst/>
+          </a:prstGeom>
+          <a:gradFill flip="none" rotWithShape="1">
+            <a:gsLst>
+              <a:gs pos="50000">
+                <a:schemeClr val="bg1">
+                  <a:alpha val="30000"/>
+                </a:schemeClr>
+              </a:gs>
+              <a:gs pos="80000">
+                <a:schemeClr val="bg1">
+                  <a:alpha val="15000"/>
+                </a:schemeClr>
+              </a:gs>
+              <a:gs pos="0">
+                <a:schemeClr val="bg1">
+                  <a:alpha val="0"/>
+                </a:schemeClr>
+              </a:gs>
+              <a:gs pos="20000">
+                <a:schemeClr val="bg1">
+                  <a:alpha val="15000"/>
+                </a:schemeClr>
+              </a:gs>
+              <a:gs pos="100000">
+                <a:schemeClr val="bg1">
+                  <a:alpha val="0"/>
+                </a:schemeClr>
+              </a:gs>
+            </a:gsLst>
+            <a:lin ang="16200000" scaled="1"/>
+            <a:tileRect/>
+          </a:gradFill>
+          <a:ln>
+            <a:noFill/>
+          </a:ln>
+        </p:spPr>
+        <p:style>
+          <a:lnRef idx="2">
+            <a:schemeClr val="accent1">
+              <a:shade val="50000"/>
+            </a:schemeClr>
+          </a:lnRef>
+          <a:fillRef idx="1">
+            <a:schemeClr val="accent1"/>
+          </a:fillRef>
+          <a:effectRef idx="0">
+            <a:schemeClr val="accent1"/>
+          </a:effectRef>
+          <a:fontRef idx="minor">
+            <a:schemeClr val="lt1"/>
+          </a:fontRef>
+        </p:style>
+        <p:txBody>
+          <a:bodyPr rtlCol="0" anchor="ctr"/>
+          <a:lstStyle/>
+          <a:p>
+            <a:pPr algn="ctr"/>
+            <a:endParaRPr lang="en-US"/>
+          </a:p>
+        </p:txBody>
+      </p:sp>
+      <p:sp>
+        <p:nvSpPr>
+          <p:cNvPr id="2" name="Title 1">
+            <a:extLst>
+              <a:ext uri="{FF2B5EF4-FFF2-40B4-BE49-F238E27FC236}">
+                <a16:creationId xmlns:a16="http://schemas.microsoft.com/office/drawing/2014/main" id="{94E41D33-10F4-4A7A-8ABC-9ED2D0AF1FBC}"/>
+              </a:ext>
+            </a:extLst>
+          </p:cNvPr>
+          <p:cNvSpPr>
+            <a:spLocks noGrp="1"/>
+          </p:cNvSpPr>
+          <p:nvPr>
+            <p:ph type="title"/>
+          </p:nvPr>
+        </p:nvSpPr>
+        <p:spPr>
+          <a:xfrm>
+            <a:off x="2091427" y="1454111"/>
+            <a:ext cx="8009146" cy="2212848"/>
+          </a:xfrm>
+        </p:spPr>
+        <p:txBody>
+          <a:bodyPr vert="horz" lIns="91440" tIns="45720" rIns="91440" bIns="45720" rtlCol="0" anchor="b">
+            <a:normAutofit/>
+          </a:bodyPr>
+          <a:lstStyle/>
+          <a:p>
+            <a:pPr algn="ctr"/>
+            <a:r>
+              <a:rPr lang="en-US" sz="7200" kern="1200" dirty="0">
+                <a:solidFill>
+                  <a:schemeClr val="tx1"/>
+                </a:solidFill>
+                <a:latin typeface="Abadi" panose="020B0604020104020204" pitchFamily="34" charset="0"/>
+              </a:rPr>
+              <a:t>Questions?</a:t>
+            </a:r>
+          </a:p>
+        </p:txBody>
+      </p:sp>
+    </p:spTree>
+    <p:extLst>
+      <p:ext uri="{BB962C8B-B14F-4D97-AF65-F5344CB8AC3E}">
+        <p14:creationId xmlns:p14="http://schemas.microsoft.com/office/powerpoint/2010/main" val="530329892"/>
+      </p:ext>
+    </p:extLst>
+  </p:cSld>
+  <p:clrMapOvr>
+    <a:masterClrMapping/>
+  </p:clrMapOvr>
+</p:sld>
+</file>
+
+<file path=ppt/slides/slide12.xml><?xml version="1.0" encoding="utf-8"?>
+<p:sld xmlns:a="http://schemas.openxmlformats.org/drawingml/2006/main" xmlns:r="http://schemas.openxmlformats.org/officeDocument/2006/relationships" xmlns:p="http://schemas.openxmlformats.org/presentationml/2006/main">
+  <p:cSld>
     <p:spTree>
       <p:nvGrpSpPr>
         <p:cNvPr id="1" name=""/>
@@ -10328,7 +15025,7 @@
           <a:p>
             <a:r>
               <a:rPr lang="en-US" dirty="0"/>
-              <a:t>The Full Paper (Reference)</a:t>
+              <a:t>Work Cited</a:t>
             </a:r>
           </a:p>
         </p:txBody>
@@ -11372,7 +16069,7 @@
             <p:ph idx="1"/>
             <p:extLst>
               <p:ext uri="{D42A27DB-BD31-4B8C-83A1-F6EECF244321}">
-                <p14:modId xmlns:p14="http://schemas.microsoft.com/office/powerpoint/2010/main" val="3663239789"/>
+                <p14:modId xmlns:p14="http://schemas.microsoft.com/office/powerpoint/2010/main" val="199539707"/>
               </p:ext>
             </p:extLst>
           </p:nvPr>
@@ -11827,7 +16524,7 @@
             </a:pPr>
             <a:r>
               <a:rPr lang="en-US" sz="1500" dirty="0"/>
-              <a:t>Within the paper, they talked about why this topic is relevant. Across several surveys, they found that smartphone owners:</a:t>
+              <a:t>Within the paper, they talked about why this topic is relevant. Across several surveys, they found that smartphone owners use their phones a lot:</a:t>
             </a:r>
           </a:p>
           <a:p>
@@ -11907,6 +16604,41 @@
             <a:r>
               <a:rPr lang="en-US" sz="3200" dirty="0"/>
               <a:t>Why this topic?</a:t>
+            </a:r>
+          </a:p>
+        </p:txBody>
+      </p:sp>
+      <p:sp>
+        <p:nvSpPr>
+          <p:cNvPr id="4" name="TextBox 3">
+            <a:extLst>
+              <a:ext uri="{FF2B5EF4-FFF2-40B4-BE49-F238E27FC236}">
+                <a16:creationId xmlns:a16="http://schemas.microsoft.com/office/drawing/2014/main" id="{C46A4486-C28F-43CB-9D08-7274C546CBD3}"/>
+              </a:ext>
+            </a:extLst>
+          </p:cNvPr>
+          <p:cNvSpPr txBox="1"/>
+          <p:nvPr/>
+        </p:nvSpPr>
+        <p:spPr>
+          <a:xfrm>
+            <a:off x="-58734" y="6611764"/>
+            <a:ext cx="2827090" cy="246221"/>
+          </a:xfrm>
+          <a:prstGeom prst="rect">
+            <a:avLst/>
+          </a:prstGeom>
+          <a:noFill/>
+        </p:spPr>
+        <p:txBody>
+          <a:bodyPr wrap="square" rtlCol="0">
+            <a:spAutoFit/>
+          </a:bodyPr>
+          <a:lstStyle/>
+          <a:p>
+            <a:r>
+              <a:rPr lang="en-US" sz="1000" b="1" i="1" dirty="0"/>
+              <a:t>Image courtesy of incimages.com</a:t>
             </a:r>
           </a:p>
         </p:txBody>
@@ -12731,6 +17463,14 @@
 <file path=ppt/slides/slide7.xml><?xml version="1.0" encoding="utf-8"?>
 <p:sld xmlns:a="http://schemas.openxmlformats.org/drawingml/2006/main" xmlns:r="http://schemas.openxmlformats.org/officeDocument/2006/relationships" xmlns:p="http://schemas.openxmlformats.org/presentationml/2006/main">
   <p:cSld>
+    <p:bg>
+      <p:bgPr>
+        <a:solidFill>
+          <a:schemeClr val="bg2"/>
+        </a:solidFill>
+        <a:effectLst/>
+      </p:bgPr>
+    </p:bg>
     <p:spTree>
       <p:nvGrpSpPr>
         <p:cNvPr id="1" name=""/>
@@ -12745,6 +17485,485 @@
           <a:chExt cx="0" cy="0"/>
         </a:xfrm>
       </p:grpSpPr>
+      <p:sp useBgFill="1">
+        <p:nvSpPr>
+          <p:cNvPr id="9" name="Rectangle 8">
+            <a:extLst>
+              <a:ext uri="{FF2B5EF4-FFF2-40B4-BE49-F238E27FC236}">
+                <a16:creationId xmlns:a16="http://schemas.microsoft.com/office/drawing/2014/main" id="{987A0FBA-CC04-4256-A8EB-BB3C543E989C}"/>
+              </a:ext>
+              <a:ext uri="{C183D7F6-B498-43B3-948B-1728B52AA6E4}">
+                <adec:decorative xmlns:adec="http://schemas.microsoft.com/office/drawing/2017/decorative" val="1"/>
+              </a:ext>
+            </a:extLst>
+          </p:cNvPr>
+          <p:cNvSpPr>
+            <a:spLocks noGrp="1" noRot="1" noChangeAspect="1" noMove="1" noResize="1" noEditPoints="1" noAdjustHandles="1" noChangeArrowheads="1" noChangeShapeType="1" noTextEdit="1"/>
+          </p:cNvSpPr>
+          <p:nvPr>
+            <p:extLst>
+              <p:ext uri="{386F3935-93C4-4BCD-93E2-E3B085C9AB24}">
+                <p16:designElem xmlns:p16="http://schemas.microsoft.com/office/powerpoint/2015/main" val="1"/>
+              </p:ext>
+            </p:extLst>
+          </p:nvPr>
+        </p:nvSpPr>
+        <p:spPr>
+          <a:xfrm>
+            <a:off x="0" y="0"/>
+            <a:ext cx="12192000" cy="6858000"/>
+          </a:xfrm>
+          <a:prstGeom prst="rect">
+            <a:avLst/>
+          </a:prstGeom>
+          <a:ln w="12700" cap="flat" cmpd="sng" algn="ctr">
+            <a:noFill/>
+            <a:prstDash val="solid"/>
+            <a:miter lim="800000"/>
+          </a:ln>
+          <a:effectLst/>
+          <a:extLst>
+            <a:ext uri="{91240B29-F687-4F45-9708-019B960494DF}">
+              <a14:hiddenLine xmlns:a14="http://schemas.microsoft.com/office/drawing/2010/main" w="12700" cap="flat" cmpd="sng" algn="ctr">
+                <a:solidFill>
+                  <a:schemeClr val="accent1">
+                    <a:shade val="50000"/>
+                  </a:schemeClr>
+                </a:solidFill>
+                <a:prstDash val="solid"/>
+                <a:miter lim="800000"/>
+              </a14:hiddenLine>
+            </a:ext>
+          </a:extLst>
+        </p:spPr>
+        <p:style>
+          <a:lnRef idx="2">
+            <a:schemeClr val="accent1">
+              <a:shade val="50000"/>
+            </a:schemeClr>
+          </a:lnRef>
+          <a:fillRef idx="1">
+            <a:schemeClr val="accent1"/>
+          </a:fillRef>
+          <a:effectRef idx="0">
+            <a:schemeClr val="accent1"/>
+          </a:effectRef>
+          <a:fontRef idx="minor">
+            <a:schemeClr val="lt1"/>
+          </a:fontRef>
+        </p:style>
+        <p:txBody>
+          <a:bodyPr rtlCol="0" anchor="ctr"/>
+          <a:lstStyle/>
+          <a:p>
+            <a:pPr algn="ctr"/>
+            <a:endParaRPr lang="en-US"/>
+          </a:p>
+        </p:txBody>
+      </p:sp>
+      <p:sp>
+        <p:nvSpPr>
+          <p:cNvPr id="11" name="Freeform: Shape 10">
+            <a:extLst>
+              <a:ext uri="{FF2B5EF4-FFF2-40B4-BE49-F238E27FC236}">
+                <a16:creationId xmlns:a16="http://schemas.microsoft.com/office/drawing/2014/main" id="{6A13B60C-56B1-46B4-98A6-1482A52E76C2}"/>
+              </a:ext>
+              <a:ext uri="{C183D7F6-B498-43B3-948B-1728B52AA6E4}">
+                <adec:decorative xmlns:adec="http://schemas.microsoft.com/office/drawing/2017/decorative" val="1"/>
+              </a:ext>
+            </a:extLst>
+          </p:cNvPr>
+          <p:cNvSpPr>
+            <a:spLocks noGrp="1" noRot="1" noChangeAspect="1" noMove="1" noResize="1" noEditPoints="1" noAdjustHandles="1" noChangeArrowheads="1" noChangeShapeType="1" noTextEdit="1"/>
+          </p:cNvSpPr>
+          <p:nvPr>
+            <p:extLst>
+              <p:ext uri="{386F3935-93C4-4BCD-93E2-E3B085C9AB24}">
+                <p16:designElem xmlns:p16="http://schemas.microsoft.com/office/powerpoint/2015/main" val="1"/>
+              </p:ext>
+            </p:extLst>
+          </p:nvPr>
+        </p:nvSpPr>
+        <p:spPr>
+          <a:xfrm rot="16200000" flipH="1" flipV="1">
+            <a:off x="31865" y="-31864"/>
+            <a:ext cx="4785362" cy="4849091"/>
+          </a:xfrm>
+          <a:custGeom>
+            <a:avLst/>
+            <a:gdLst>
+              <a:gd name="connsiteX0" fmla="*/ 0 w 4212773"/>
+              <a:gd name="connsiteY0" fmla="*/ 0 h 6498740"/>
+              <a:gd name="connsiteX1" fmla="*/ 159023 w 4212773"/>
+              <a:gd name="connsiteY1" fmla="*/ 12872 h 6498740"/>
+              <a:gd name="connsiteX2" fmla="*/ 1697597 w 4212773"/>
+              <a:gd name="connsiteY2" fmla="*/ 306418 h 6498740"/>
+              <a:gd name="connsiteX3" fmla="*/ 4047822 w 4212773"/>
+              <a:gd name="connsiteY3" fmla="*/ 3511272 h 6498740"/>
+              <a:gd name="connsiteX4" fmla="*/ 3551503 w 4212773"/>
+              <a:gd name="connsiteY4" fmla="*/ 6184235 h 6498740"/>
+              <a:gd name="connsiteX5" fmla="*/ 3163159 w 4212773"/>
+              <a:gd name="connsiteY5" fmla="*/ 6459073 h 6498740"/>
+              <a:gd name="connsiteX6" fmla="*/ 3092077 w 4212773"/>
+              <a:gd name="connsiteY6" fmla="*/ 6498740 h 6498740"/>
+              <a:gd name="connsiteX7" fmla="*/ 0 w 4212773"/>
+              <a:gd name="connsiteY7" fmla="*/ 6498740 h 6498740"/>
+              <a:gd name="connsiteX8" fmla="*/ 0 w 4212773"/>
+              <a:gd name="connsiteY8" fmla="*/ 0 h 6498740"/>
+            </a:gdLst>
+            <a:ahLst/>
+            <a:cxnLst>
+              <a:cxn ang="0">
+                <a:pos x="connsiteX0" y="connsiteY0"/>
+              </a:cxn>
+              <a:cxn ang="0">
+                <a:pos x="connsiteX1" y="connsiteY1"/>
+              </a:cxn>
+              <a:cxn ang="0">
+                <a:pos x="connsiteX2" y="connsiteY2"/>
+              </a:cxn>
+              <a:cxn ang="0">
+                <a:pos x="connsiteX3" y="connsiteY3"/>
+              </a:cxn>
+              <a:cxn ang="0">
+                <a:pos x="connsiteX4" y="connsiteY4"/>
+              </a:cxn>
+              <a:cxn ang="0">
+                <a:pos x="connsiteX5" y="connsiteY5"/>
+              </a:cxn>
+              <a:cxn ang="0">
+                <a:pos x="connsiteX6" y="connsiteY6"/>
+              </a:cxn>
+              <a:cxn ang="0">
+                <a:pos x="connsiteX7" y="connsiteY7"/>
+              </a:cxn>
+              <a:cxn ang="0">
+                <a:pos x="connsiteX8" y="connsiteY8"/>
+              </a:cxn>
+            </a:cxnLst>
+            <a:rect l="l" t="t" r="r" b="b"/>
+            <a:pathLst>
+              <a:path w="4212773" h="6498740">
+                <a:moveTo>
+                  <a:pt x="0" y="0"/>
+                </a:moveTo>
+                <a:lnTo>
+                  <a:pt x="159023" y="12872"/>
+                </a:lnTo>
+                <a:cubicBezTo>
+                  <a:pt x="659101" y="63644"/>
+                  <a:pt x="1176498" y="175345"/>
+                  <a:pt x="1697597" y="306418"/>
+                </a:cubicBezTo>
+                <a:cubicBezTo>
+                  <a:pt x="3312474" y="712392"/>
+                  <a:pt x="3742395" y="1999786"/>
+                  <a:pt x="4047822" y="3511272"/>
+                </a:cubicBezTo>
+                <a:cubicBezTo>
+                  <a:pt x="4252232" y="4523358"/>
+                  <a:pt x="4422733" y="5443193"/>
+                  <a:pt x="3551503" y="6184235"/>
+                </a:cubicBezTo>
+                <a:cubicBezTo>
+                  <a:pt x="3429343" y="6288166"/>
+                  <a:pt x="3299185" y="6378784"/>
+                  <a:pt x="3163159" y="6459073"/>
+                </a:cubicBezTo>
+                <a:lnTo>
+                  <a:pt x="3092077" y="6498740"/>
+                </a:lnTo>
+                <a:lnTo>
+                  <a:pt x="0" y="6498740"/>
+                </a:lnTo>
+                <a:lnTo>
+                  <a:pt x="0" y="0"/>
+                </a:lnTo>
+                <a:close/>
+              </a:path>
+            </a:pathLst>
+          </a:custGeom>
+          <a:solidFill>
+            <a:schemeClr val="accent6"/>
+          </a:solidFill>
+          <a:ln>
+            <a:noFill/>
+          </a:ln>
+        </p:spPr>
+        <p:style>
+          <a:lnRef idx="2">
+            <a:schemeClr val="accent1">
+              <a:shade val="50000"/>
+            </a:schemeClr>
+          </a:lnRef>
+          <a:fillRef idx="1">
+            <a:schemeClr val="accent1"/>
+          </a:fillRef>
+          <a:effectRef idx="0">
+            <a:schemeClr val="accent1"/>
+          </a:effectRef>
+          <a:fontRef idx="minor">
+            <a:schemeClr val="lt1"/>
+          </a:fontRef>
+        </p:style>
+        <p:txBody>
+          <a:bodyPr wrap="square" rtlCol="0" anchor="ctr">
+            <a:noAutofit/>
+          </a:bodyPr>
+          <a:lstStyle/>
+          <a:p>
+            <a:pPr marL="0" marR="0" lvl="0" indent="0" algn="ctr" defTabSz="914400" rtl="0" eaLnBrk="1" fontAlgn="auto" latinLnBrk="0" hangingPunct="1">
+              <a:lnSpc>
+                <a:spcPct val="100000"/>
+              </a:lnSpc>
+              <a:spcBef>
+                <a:spcPts val="0"/>
+              </a:spcBef>
+              <a:spcAft>
+                <a:spcPts val="0"/>
+              </a:spcAft>
+              <a:buClrTx/>
+              <a:buSzTx/>
+              <a:buFontTx/>
+              <a:buNone/>
+              <a:tabLst/>
+              <a:defRPr/>
+            </a:pPr>
+            <a:endParaRPr kumimoji="0" lang="en-US" sz="1500" b="0" i="0" u="none" strike="noStrike" kern="1200" cap="none" spc="0" normalizeH="0" baseline="0" noProof="0">
+              <a:ln>
+                <a:noFill/>
+              </a:ln>
+              <a:solidFill>
+                <a:prstClr val="white"/>
+              </a:solidFill>
+              <a:effectLst/>
+              <a:uLnTx/>
+              <a:uFillTx/>
+              <a:latin typeface="Avenir Next LT Pro" panose="020B0504020202020204" pitchFamily="34" charset="0"/>
+              <a:ea typeface="+mn-ea"/>
+              <a:cs typeface="+mn-cs"/>
+            </a:endParaRPr>
+          </a:p>
+        </p:txBody>
+      </p:sp>
+      <p:sp>
+        <p:nvSpPr>
+          <p:cNvPr id="13" name="Freeform: Shape 12">
+            <a:extLst>
+              <a:ext uri="{FF2B5EF4-FFF2-40B4-BE49-F238E27FC236}">
+                <a16:creationId xmlns:a16="http://schemas.microsoft.com/office/drawing/2014/main" id="{F024A8E9-062E-406A-BE10-CED2800110DB}"/>
+              </a:ext>
+              <a:ext uri="{C183D7F6-B498-43B3-948B-1728B52AA6E4}">
+                <adec:decorative xmlns:adec="http://schemas.microsoft.com/office/drawing/2017/decorative" val="1"/>
+              </a:ext>
+            </a:extLst>
+          </p:cNvPr>
+          <p:cNvSpPr>
+            <a:spLocks noGrp="1" noRot="1" noChangeAspect="1" noMove="1" noResize="1" noEditPoints="1" noAdjustHandles="1" noChangeArrowheads="1" noChangeShapeType="1" noTextEdit="1"/>
+          </p:cNvSpPr>
+          <p:nvPr>
+            <p:extLst>
+              <p:ext uri="{386F3935-93C4-4BCD-93E2-E3B085C9AB24}">
+                <p16:designElem xmlns:p16="http://schemas.microsoft.com/office/powerpoint/2015/main" val="1"/>
+              </p:ext>
+            </p:extLst>
+          </p:nvPr>
+        </p:nvSpPr>
+        <p:spPr>
+          <a:xfrm rot="16200000" flipH="1" flipV="1">
+            <a:off x="341352" y="-341351"/>
+            <a:ext cx="4651297" cy="5334001"/>
+          </a:xfrm>
+          <a:custGeom>
+            <a:avLst/>
+            <a:gdLst>
+              <a:gd name="connsiteX0" fmla="*/ 0 w 4033589"/>
+              <a:gd name="connsiteY0" fmla="*/ 0 h 6858000"/>
+              <a:gd name="connsiteX1" fmla="*/ 1878934 w 4033589"/>
+              <a:gd name="connsiteY1" fmla="*/ 0 h 6858000"/>
+              <a:gd name="connsiteX2" fmla="*/ 1882313 w 4033589"/>
+              <a:gd name="connsiteY2" fmla="*/ 2021 h 6858000"/>
+              <a:gd name="connsiteX3" fmla="*/ 3475371 w 4033589"/>
+              <a:gd name="connsiteY3" fmla="*/ 1517967 h 6858000"/>
+              <a:gd name="connsiteX4" fmla="*/ 3975977 w 4033589"/>
+              <a:gd name="connsiteY4" fmla="*/ 4379386 h 6858000"/>
+              <a:gd name="connsiteX5" fmla="*/ 3312864 w 4033589"/>
+              <a:gd name="connsiteY5" fmla="*/ 6852362 h 6858000"/>
+              <a:gd name="connsiteX6" fmla="*/ 3310593 w 4033589"/>
+              <a:gd name="connsiteY6" fmla="*/ 6858000 h 6858000"/>
+              <a:gd name="connsiteX7" fmla="*/ 0 w 4033589"/>
+              <a:gd name="connsiteY7" fmla="*/ 6858000 h 6858000"/>
+              <a:gd name="connsiteX8" fmla="*/ 0 w 4033589"/>
+              <a:gd name="connsiteY8" fmla="*/ 0 h 6858000"/>
+              <a:gd name="connsiteX0" fmla="*/ 0 w 4033589"/>
+              <a:gd name="connsiteY0" fmla="*/ 6858000 h 6858000"/>
+              <a:gd name="connsiteX1" fmla="*/ 1878934 w 4033589"/>
+              <a:gd name="connsiteY1" fmla="*/ 0 h 6858000"/>
+              <a:gd name="connsiteX2" fmla="*/ 1882313 w 4033589"/>
+              <a:gd name="connsiteY2" fmla="*/ 2021 h 6858000"/>
+              <a:gd name="connsiteX3" fmla="*/ 3475371 w 4033589"/>
+              <a:gd name="connsiteY3" fmla="*/ 1517967 h 6858000"/>
+              <a:gd name="connsiteX4" fmla="*/ 3975977 w 4033589"/>
+              <a:gd name="connsiteY4" fmla="*/ 4379386 h 6858000"/>
+              <a:gd name="connsiteX5" fmla="*/ 3312864 w 4033589"/>
+              <a:gd name="connsiteY5" fmla="*/ 6852362 h 6858000"/>
+              <a:gd name="connsiteX6" fmla="*/ 3310593 w 4033589"/>
+              <a:gd name="connsiteY6" fmla="*/ 6858000 h 6858000"/>
+              <a:gd name="connsiteX7" fmla="*/ 0 w 4033589"/>
+              <a:gd name="connsiteY7" fmla="*/ 6858000 h 6858000"/>
+              <a:gd name="connsiteX0" fmla="*/ 1787494 w 3942149"/>
+              <a:gd name="connsiteY0" fmla="*/ 0 h 6949440"/>
+              <a:gd name="connsiteX1" fmla="*/ 1790873 w 3942149"/>
+              <a:gd name="connsiteY1" fmla="*/ 2021 h 6949440"/>
+              <a:gd name="connsiteX2" fmla="*/ 3383931 w 3942149"/>
+              <a:gd name="connsiteY2" fmla="*/ 1517967 h 6949440"/>
+              <a:gd name="connsiteX3" fmla="*/ 3884537 w 3942149"/>
+              <a:gd name="connsiteY3" fmla="*/ 4379386 h 6949440"/>
+              <a:gd name="connsiteX4" fmla="*/ 3221424 w 3942149"/>
+              <a:gd name="connsiteY4" fmla="*/ 6852362 h 6949440"/>
+              <a:gd name="connsiteX5" fmla="*/ 3219153 w 3942149"/>
+              <a:gd name="connsiteY5" fmla="*/ 6858000 h 6949440"/>
+              <a:gd name="connsiteX6" fmla="*/ 0 w 3942149"/>
+              <a:gd name="connsiteY6" fmla="*/ 6949440 h 6949440"/>
+              <a:gd name="connsiteX0" fmla="*/ 1787494 w 3942149"/>
+              <a:gd name="connsiteY0" fmla="*/ 0 h 6949440"/>
+              <a:gd name="connsiteX1" fmla="*/ 1790873 w 3942149"/>
+              <a:gd name="connsiteY1" fmla="*/ 2021 h 6949440"/>
+              <a:gd name="connsiteX2" fmla="*/ 3383931 w 3942149"/>
+              <a:gd name="connsiteY2" fmla="*/ 1517967 h 6949440"/>
+              <a:gd name="connsiteX3" fmla="*/ 3884537 w 3942149"/>
+              <a:gd name="connsiteY3" fmla="*/ 4379386 h 6949440"/>
+              <a:gd name="connsiteX4" fmla="*/ 3221424 w 3942149"/>
+              <a:gd name="connsiteY4" fmla="*/ 6852362 h 6949440"/>
+              <a:gd name="connsiteX5" fmla="*/ 3219153 w 3942149"/>
+              <a:gd name="connsiteY5" fmla="*/ 6858000 h 6949440"/>
+              <a:gd name="connsiteX6" fmla="*/ 0 w 3942149"/>
+              <a:gd name="connsiteY6" fmla="*/ 6949440 h 6949440"/>
+              <a:gd name="connsiteX0" fmla="*/ 0 w 2154655"/>
+              <a:gd name="connsiteY0" fmla="*/ 0 h 6858000"/>
+              <a:gd name="connsiteX1" fmla="*/ 3379 w 2154655"/>
+              <a:gd name="connsiteY1" fmla="*/ 2021 h 6858000"/>
+              <a:gd name="connsiteX2" fmla="*/ 1596437 w 2154655"/>
+              <a:gd name="connsiteY2" fmla="*/ 1517967 h 6858000"/>
+              <a:gd name="connsiteX3" fmla="*/ 2097043 w 2154655"/>
+              <a:gd name="connsiteY3" fmla="*/ 4379386 h 6858000"/>
+              <a:gd name="connsiteX4" fmla="*/ 1433930 w 2154655"/>
+              <a:gd name="connsiteY4" fmla="*/ 6852362 h 6858000"/>
+              <a:gd name="connsiteX5" fmla="*/ 1431659 w 2154655"/>
+              <a:gd name="connsiteY5" fmla="*/ 6858000 h 6858000"/>
+            </a:gdLst>
+            <a:ahLst/>
+            <a:cxnLst>
+              <a:cxn ang="0">
+                <a:pos x="connsiteX0" y="connsiteY0"/>
+              </a:cxn>
+              <a:cxn ang="0">
+                <a:pos x="connsiteX1" y="connsiteY1"/>
+              </a:cxn>
+              <a:cxn ang="0">
+                <a:pos x="connsiteX2" y="connsiteY2"/>
+              </a:cxn>
+              <a:cxn ang="0">
+                <a:pos x="connsiteX3" y="connsiteY3"/>
+              </a:cxn>
+              <a:cxn ang="0">
+                <a:pos x="connsiteX4" y="connsiteY4"/>
+              </a:cxn>
+              <a:cxn ang="0">
+                <a:pos x="connsiteX5" y="connsiteY5"/>
+              </a:cxn>
+            </a:cxnLst>
+            <a:rect l="l" t="t" r="r" b="b"/>
+            <a:pathLst>
+              <a:path w="2154655" h="6858000">
+                <a:moveTo>
+                  <a:pt x="0" y="0"/>
+                </a:moveTo>
+                <a:lnTo>
+                  <a:pt x="3379" y="2021"/>
+                </a:lnTo>
+                <a:cubicBezTo>
+                  <a:pt x="667061" y="423753"/>
+                  <a:pt x="1239365" y="963389"/>
+                  <a:pt x="1596437" y="1517967"/>
+                </a:cubicBezTo>
+                <a:cubicBezTo>
+                  <a:pt x="2133142" y="2350886"/>
+                  <a:pt x="2239839" y="3395752"/>
+                  <a:pt x="2097043" y="4379386"/>
+                </a:cubicBezTo>
+                <a:cubicBezTo>
+                  <a:pt x="2032295" y="4824358"/>
+                  <a:pt x="1812506" y="5869368"/>
+                  <a:pt x="1433930" y="6852362"/>
+                </a:cubicBezTo>
+                <a:lnTo>
+                  <a:pt x="1431659" y="6858000"/>
+                </a:lnTo>
+              </a:path>
+            </a:pathLst>
+          </a:custGeom>
+          <a:noFill/>
+          <a:ln w="19050">
+            <a:solidFill>
+              <a:srgbClr val="F1CB9C"/>
+            </a:solidFill>
+          </a:ln>
+        </p:spPr>
+        <p:style>
+          <a:lnRef idx="2">
+            <a:schemeClr val="accent1">
+              <a:shade val="50000"/>
+            </a:schemeClr>
+          </a:lnRef>
+          <a:fillRef idx="1">
+            <a:schemeClr val="accent1"/>
+          </a:fillRef>
+          <a:effectRef idx="0">
+            <a:schemeClr val="accent1"/>
+          </a:effectRef>
+          <a:fontRef idx="minor">
+            <a:schemeClr val="lt1"/>
+          </a:fontRef>
+        </p:style>
+        <p:txBody>
+          <a:bodyPr rtlCol="0" anchor="ctr"/>
+          <a:lstStyle/>
+          <a:p>
+            <a:pPr marL="0" marR="0" lvl="0" indent="0" algn="ctr" defTabSz="914400" rtl="0" eaLnBrk="1" fontAlgn="auto" latinLnBrk="0" hangingPunct="1">
+              <a:lnSpc>
+                <a:spcPct val="100000"/>
+              </a:lnSpc>
+              <a:spcBef>
+                <a:spcPts val="0"/>
+              </a:spcBef>
+              <a:spcAft>
+                <a:spcPts val="0"/>
+              </a:spcAft>
+              <a:buClrTx/>
+              <a:buSzTx/>
+              <a:buFontTx/>
+              <a:buNone/>
+              <a:tabLst/>
+              <a:defRPr/>
+            </a:pPr>
+            <a:endParaRPr kumimoji="0" lang="en-US" sz="1800" b="0" i="0" u="none" strike="noStrike" kern="1200" cap="none" spc="0" normalizeH="0" baseline="0" noProof="0">
+              <a:ln>
+                <a:noFill/>
+              </a:ln>
+              <a:solidFill>
+                <a:prstClr val="white"/>
+              </a:solidFill>
+              <a:effectLst/>
+              <a:uLnTx/>
+              <a:uFillTx/>
+              <a:latin typeface="Avenir Next LT Pro Light"/>
+              <a:ea typeface="+mn-ea"/>
+              <a:cs typeface="+mn-cs"/>
+            </a:endParaRPr>
+          </a:p>
+        </p:txBody>
+      </p:sp>
       <p:sp>
         <p:nvSpPr>
           <p:cNvPr id="2" name="Title 1">
@@ -12761,134 +17980,60 @@
             <p:ph type="title"/>
           </p:nvPr>
         </p:nvSpPr>
-        <p:spPr/>
+        <p:spPr>
+          <a:xfrm>
+            <a:off x="761999" y="762000"/>
+            <a:ext cx="3048001" cy="2286000"/>
+          </a:xfrm>
+        </p:spPr>
         <p:txBody>
-          <a:bodyPr/>
+          <a:bodyPr anchor="b">
+            <a:normAutofit/>
+          </a:bodyPr>
           <a:lstStyle/>
           <a:p>
             <a:r>
-              <a:rPr lang="en-US" dirty="0"/>
+              <a:rPr lang="en-US" sz="3200">
+                <a:solidFill>
+                  <a:srgbClr val="FFFFFF"/>
+                </a:solidFill>
+              </a:rPr>
               <a:t>Measures</a:t>
             </a:r>
           </a:p>
         </p:txBody>
       </p:sp>
-      <p:sp>
-        <p:nvSpPr>
-          <p:cNvPr id="3" name="Content Placeholder 2">
+      <p:graphicFrame>
+        <p:nvGraphicFramePr>
+          <p:cNvPr id="5" name="Content Placeholder 2">
             <a:extLst>
               <a:ext uri="{FF2B5EF4-FFF2-40B4-BE49-F238E27FC236}">
-                <a16:creationId xmlns:a16="http://schemas.microsoft.com/office/drawing/2014/main" id="{9E1CBA83-1B61-4F86-87C8-64F5A8020A2C}"/>
+                <a16:creationId xmlns:a16="http://schemas.microsoft.com/office/drawing/2014/main" id="{4E0E4F50-F5C2-460B-B879-D2B5507E0F20}"/>
               </a:ext>
             </a:extLst>
           </p:cNvPr>
-          <p:cNvSpPr>
-            <a:spLocks noGrp="1"/>
-          </p:cNvSpPr>
+          <p:cNvGraphicFramePr>
+            <a:graphicFrameLocks noGrp="1"/>
+          </p:cNvGraphicFramePr>
           <p:nvPr>
             <p:ph idx="1"/>
+            <p:extLst>
+              <p:ext uri="{D42A27DB-BD31-4B8C-83A1-F6EECF244321}">
+                <p14:modId xmlns:p14="http://schemas.microsoft.com/office/powerpoint/2010/main" val="968918439"/>
+              </p:ext>
+            </p:extLst>
           </p:nvPr>
-        </p:nvSpPr>
-        <p:spPr/>
-        <p:txBody>
-          <a:bodyPr>
-            <a:normAutofit fontScale="62500" lnSpcReduction="20000"/>
-          </a:bodyPr>
-          <a:lstStyle/>
-          <a:p>
-            <a:r>
-              <a:rPr lang="en-US" dirty="0"/>
-              <a:t>Smartphone interruptions</a:t>
-            </a:r>
-          </a:p>
-          <a:p>
-            <a:pPr lvl="1"/>
-            <a:r>
-              <a:rPr lang="en-US" dirty="0"/>
-              <a:t>Ordinal (0-6)</a:t>
-            </a:r>
-          </a:p>
-          <a:p>
-            <a:pPr lvl="1"/>
-            <a:r>
-              <a:rPr lang="en-US" dirty="0"/>
-              <a:t>14 Different Daily Activities</a:t>
-            </a:r>
-          </a:p>
-          <a:p>
-            <a:r>
-              <a:rPr lang="en-US" dirty="0"/>
-              <a:t>Inattention and Hyperactivity</a:t>
-            </a:r>
-          </a:p>
-          <a:p>
-            <a:pPr lvl="1"/>
-            <a:r>
-              <a:rPr lang="en-US" dirty="0"/>
-              <a:t>Ordinal (1-4)</a:t>
-            </a:r>
-          </a:p>
-          <a:p>
-            <a:pPr lvl="1"/>
-            <a:r>
-              <a:rPr lang="en-US" dirty="0"/>
-              <a:t>18 Symptoms</a:t>
-            </a:r>
-          </a:p>
-          <a:p>
-            <a:r>
-              <a:rPr lang="en-US" dirty="0"/>
-              <a:t>Productivity</a:t>
-            </a:r>
-          </a:p>
-          <a:p>
-            <a:pPr lvl="1"/>
-            <a:r>
-              <a:rPr lang="en-US" dirty="0"/>
-              <a:t>Three question self-report based on previous research</a:t>
-            </a:r>
-          </a:p>
-          <a:p>
-            <a:r>
-              <a:rPr lang="en-US" dirty="0"/>
-              <a:t>Psychological Well-Being</a:t>
-            </a:r>
-          </a:p>
-          <a:p>
-            <a:pPr lvl="1"/>
-            <a:r>
-              <a:rPr lang="en-US" dirty="0"/>
-              <a:t>Based on </a:t>
-            </a:r>
-            <a:r>
-              <a:rPr lang="en-US" dirty="0" err="1"/>
-              <a:t>Ryff’s</a:t>
-            </a:r>
-            <a:r>
-              <a:rPr lang="en-US" dirty="0"/>
-              <a:t> six components of psychological well-being</a:t>
-            </a:r>
-          </a:p>
-          <a:p>
-            <a:pPr lvl="1"/>
-            <a:r>
-              <a:rPr lang="en-US" dirty="0"/>
-              <a:t>This measure alone is based on a ton of previous research, which could be an entire presentation in and of itself</a:t>
-            </a:r>
-          </a:p>
-          <a:p>
-            <a:endParaRPr lang="en-US" dirty="0"/>
-          </a:p>
-          <a:p>
-            <a:pPr lvl="2"/>
-            <a:endParaRPr lang="en-US" dirty="0"/>
-          </a:p>
-          <a:p>
-            <a:pPr lvl="1"/>
-            <a:endParaRPr lang="en-US" dirty="0"/>
-          </a:p>
-        </p:txBody>
-      </p:sp>
+        </p:nvGraphicFramePr>
+        <p:xfrm>
+          <a:off x="5334000" y="762000"/>
+          <a:ext cx="6096000" cy="5334000"/>
+        </p:xfrm>
+        <a:graphic>
+          <a:graphicData uri="http://schemas.openxmlformats.org/drawingml/2006/diagram">
+            <dgm:relIds xmlns:dgm="http://schemas.openxmlformats.org/drawingml/2006/diagram" xmlns:r="http://schemas.openxmlformats.org/officeDocument/2006/relationships" r:dm="rId2" r:lo="rId3" r:qs="rId4" r:cs="rId5"/>
+          </a:graphicData>
+        </a:graphic>
+      </p:graphicFrame>
     </p:spTree>
     <p:extLst>
       <p:ext uri="{BB962C8B-B14F-4D97-AF65-F5344CB8AC3E}">
